--- a/final_presentation.pptx
+++ b/final_presentation.pptx
@@ -1,138 +1,136 @@
 
 <file path=ppt/presentation.xml><?xml version="1.0" encoding="utf-8"?>
-<p:presentation xmlns:a="http://schemas.openxmlformats.org/drawingml/2006/main" xmlns:r="http://schemas.openxmlformats.org/officeDocument/2006/relationships" xmlns:p="http://schemas.openxmlformats.org/presentationml/2006/main" autoCompressPictures="0">
+<p:presentation xmlns:a="http://schemas.openxmlformats.org/drawingml/2006/main" xmlns:r="http://schemas.openxmlformats.org/officeDocument/2006/relationships" xmlns:p="http://schemas.openxmlformats.org/presentationml/2006/main" xmlns:m="http://schemas.openxmlformats.org/officeDocument/2006/math" xmlns:w="http://schemas.openxmlformats.org/wordprocessingml/2006/main" autoCompressPictures="0">
   <p:sldMasterIdLst>
-    <p:sldMasterId id="2147483840" r:id="rId1"/>
+    <p:sldMasterId id="2147483648" r:id="rId1"/>
   </p:sldMasterIdLst>
+  <p:notesMasterIdLst>
+    <p:notesMasterId r:id="rId23"/>
+  </p:notesMasterIdLst>
   <p:sldIdLst>
-    <p:sldId id="256" r:id="rId2"/>
-    <p:sldId id="257" r:id="rId3"/>
-    <p:sldId id="258" r:id="rId4"/>
-    <p:sldId id="259" r:id="rId5"/>
-    <p:sldId id="260" r:id="rId6"/>
-    <p:sldId id="261" r:id="rId7"/>
-    <p:sldId id="262" r:id="rId8"/>
-    <p:sldId id="263" r:id="rId9"/>
-    <p:sldId id="264" r:id="rId10"/>
-    <p:sldId id="265" r:id="rId11"/>
-    <p:sldId id="266" r:id="rId12"/>
-    <p:sldId id="267" r:id="rId13"/>
-    <p:sldId id="268" r:id="rId14"/>
-    <p:sldId id="269" r:id="rId15"/>
-    <p:sldId id="270" r:id="rId16"/>
-    <p:sldId id="271" r:id="rId17"/>
-    <p:sldId id="272" r:id="rId18"/>
-    <p:sldId id="273" r:id="rId19"/>
-    <p:sldId id="274" r:id="rId20"/>
+    <p:sldId id="256" r:id="rId3"/>
+    <p:sldId id="257" r:id="rId4"/>
+    <p:sldId id="258" r:id="rId5"/>
+    <p:sldId id="259" r:id="rId6"/>
+    <p:sldId id="260" r:id="rId7"/>
+    <p:sldId id="261" r:id="rId8"/>
+    <p:sldId id="262" r:id="rId9"/>
+    <p:sldId id="263" r:id="rId10"/>
+    <p:sldId id="264" r:id="rId11"/>
+    <p:sldId id="265" r:id="rId12"/>
+    <p:sldId id="266" r:id="rId13"/>
+    <p:sldId id="267" r:id="rId14"/>
+    <p:sldId id="268" r:id="rId15"/>
+    <p:sldId id="269" r:id="rId16"/>
+    <p:sldId id="270" r:id="rId17"/>
+    <p:sldId id="271" r:id="rId18"/>
+    <p:sldId id="272" r:id="rId19"/>
+    <p:sldId id="273" r:id="rId20"/>
+    <p:sldId id="274" r:id="rId21"/>
+    <p:sldId id="275" r:id="rId22"/>
   </p:sldIdLst>
   <p:sldSz cx="12192000" cy="6858000"/>
-  <p:notesSz cx="6858000" cy="9144000"/>
+  <p:notesSz cx="6858000" cy="12192000"/>
   <p:defaultTextStyle>
     <a:defPPr>
-      <a:defRPr lang="en-US"/>
+      <a:defRPr/>
     </a:defPPr>
-    <a:lvl1pPr marL="0" algn="l" defTabSz="457200" rtl="0" eaLnBrk="1" latinLnBrk="0" hangingPunct="1">
-      <a:defRPr sz="1800" kern="1200">
+    <a:lvl1pPr marL="0" algn="l" defTabSz="457200">
+      <a:defRPr sz="1800">
         <a:solidFill>
           <a:schemeClr val="tx1"/>
         </a:solidFill>
         <a:latin typeface="+mn-lt"/>
         <a:ea typeface="+mn-ea"/>
-        <a:cs typeface="+mn-cs"/>
       </a:defRPr>
     </a:lvl1pPr>
-    <a:lvl2pPr marL="457200" algn="l" defTabSz="457200" rtl="0" eaLnBrk="1" latinLnBrk="0" hangingPunct="1">
-      <a:defRPr sz="1800" kern="1200">
+    <a:lvl2pPr marL="457200" algn="l" defTabSz="457200">
+      <a:defRPr sz="1800">
         <a:solidFill>
           <a:schemeClr val="tx1"/>
         </a:solidFill>
         <a:latin typeface="+mn-lt"/>
         <a:ea typeface="+mn-ea"/>
-        <a:cs typeface="+mn-cs"/>
       </a:defRPr>
     </a:lvl2pPr>
-    <a:lvl3pPr marL="914400" algn="l" defTabSz="457200" rtl="0" eaLnBrk="1" latinLnBrk="0" hangingPunct="1">
-      <a:defRPr sz="1800" kern="1200">
+    <a:lvl3pPr marL="914400" algn="l" defTabSz="457200">
+      <a:defRPr sz="1800">
         <a:solidFill>
           <a:schemeClr val="tx1"/>
         </a:solidFill>
         <a:latin typeface="+mn-lt"/>
         <a:ea typeface="+mn-ea"/>
-        <a:cs typeface="+mn-cs"/>
       </a:defRPr>
     </a:lvl3pPr>
-    <a:lvl4pPr marL="1371600" algn="l" defTabSz="457200" rtl="0" eaLnBrk="1" latinLnBrk="0" hangingPunct="1">
-      <a:defRPr sz="1800" kern="1200">
+    <a:lvl4pPr marL="1371600" algn="l" defTabSz="457200">
+      <a:defRPr sz="1800">
         <a:solidFill>
           <a:schemeClr val="tx1"/>
         </a:solidFill>
         <a:latin typeface="+mn-lt"/>
         <a:ea typeface="+mn-ea"/>
-        <a:cs typeface="+mn-cs"/>
       </a:defRPr>
     </a:lvl4pPr>
-    <a:lvl5pPr marL="1828800" algn="l" defTabSz="457200" rtl="0" eaLnBrk="1" latinLnBrk="0" hangingPunct="1">
-      <a:defRPr sz="1800" kern="1200">
+    <a:lvl5pPr marL="1828800" algn="l" defTabSz="457200">
+      <a:defRPr sz="1800">
         <a:solidFill>
           <a:schemeClr val="tx1"/>
         </a:solidFill>
         <a:latin typeface="+mn-lt"/>
         <a:ea typeface="+mn-ea"/>
-        <a:cs typeface="+mn-cs"/>
       </a:defRPr>
     </a:lvl5pPr>
-    <a:lvl6pPr marL="2286000" algn="l" defTabSz="457200" rtl="0" eaLnBrk="1" latinLnBrk="0" hangingPunct="1">
-      <a:defRPr sz="1800" kern="1200">
+    <a:lvl6pPr marL="2286000" algn="l" defTabSz="457200">
+      <a:defRPr sz="1800">
         <a:solidFill>
           <a:schemeClr val="tx1"/>
         </a:solidFill>
         <a:latin typeface="+mn-lt"/>
         <a:ea typeface="+mn-ea"/>
-        <a:cs typeface="+mn-cs"/>
       </a:defRPr>
     </a:lvl6pPr>
-    <a:lvl7pPr marL="2743200" algn="l" defTabSz="457200" rtl="0" eaLnBrk="1" latinLnBrk="0" hangingPunct="1">
-      <a:defRPr sz="1800" kern="1200">
+    <a:lvl7pPr marL="2743200" algn="l" defTabSz="457200">
+      <a:defRPr sz="1800">
         <a:solidFill>
           <a:schemeClr val="tx1"/>
         </a:solidFill>
         <a:latin typeface="+mn-lt"/>
         <a:ea typeface="+mn-ea"/>
-        <a:cs typeface="+mn-cs"/>
       </a:defRPr>
     </a:lvl7pPr>
-    <a:lvl8pPr marL="3200400" algn="l" defTabSz="457200" rtl="0" eaLnBrk="1" latinLnBrk="0" hangingPunct="1">
-      <a:defRPr sz="1800" kern="1200">
+    <a:lvl8pPr marL="3200400" algn="l" defTabSz="457200">
+      <a:defRPr sz="1800">
         <a:solidFill>
           <a:schemeClr val="tx1"/>
         </a:solidFill>
         <a:latin typeface="+mn-lt"/>
         <a:ea typeface="+mn-ea"/>
-        <a:cs typeface="+mn-cs"/>
       </a:defRPr>
     </a:lvl8pPr>
-    <a:lvl9pPr marL="3657600" algn="l" defTabSz="457200" rtl="0" eaLnBrk="1" latinLnBrk="0" hangingPunct="1">
-      <a:defRPr sz="1800" kern="1200">
+    <a:lvl9pPr marL="3657600" algn="l" defTabSz="457200">
+      <a:defRPr sz="1800">
         <a:solidFill>
           <a:schemeClr val="tx1"/>
         </a:solidFill>
         <a:latin typeface="+mn-lt"/>
         <a:ea typeface="+mn-ea"/>
-        <a:cs typeface="+mn-cs"/>
       </a:defRPr>
     </a:lvl9pPr>
   </p:defaultTextStyle>
-  <p:extLst>
-    <p:ext uri="{EFAFB233-063F-42B5-8137-9DF3F51BA10A}">
-      <p15:sldGuideLst xmlns:p15="http://schemas.microsoft.com/office/powerpoint/2012/main"/>
-    </p:ext>
-  </p:extLst>
 </p:presentation>
 </file>
 
-<file path=ppt/slideLayouts/slideLayout1.xml><?xml version="1.0" encoding="utf-8"?>
-<p:sldLayout xmlns:a="http://schemas.openxmlformats.org/drawingml/2006/main" xmlns:r="http://schemas.openxmlformats.org/officeDocument/2006/relationships" xmlns:p="http://schemas.openxmlformats.org/presentationml/2006/main" showMasterSp="0" type="title" preserve="1">
-  <p:cSld name="Title Slide">
+<file path=ppt/notesMasters/notesMaster1.xml><?xml version="1.0" encoding="utf-8"?>
+<p:notesMaster xmlns:a="http://schemas.openxmlformats.org/drawingml/2006/main" xmlns:r="http://schemas.openxmlformats.org/officeDocument/2006/relationships" xmlns:p="http://schemas.openxmlformats.org/presentationml/2006/main">
+  <p:cSld>
+    <p:bg>
+      <p:bgPr>
+        <a:solidFill>
+          <a:schemeClr val="bg1"/>
+        </a:solidFill>
+        <a:effectLst/>
+      </p:bgPr>
+    </p:bg>
     <p:spTree>
       <p:nvGrpSpPr>
         <p:cNvPr id="1" name=""/>
@@ -149,14 +147,1113 @@
       </p:grpSpPr>
       <p:sp>
         <p:nvSpPr>
+          <p:cNvPr id="11271" name="Rectangle 7"/>
+          <p:cNvSpPr>
+            <a:spLocks noGrp="1" noChangeArrowheads="1"/>
+          </p:cNvSpPr>
+          <p:nvPr>
+            <p:ph type="body" idx="1"/>
+          </p:nvPr>
+        </p:nvSpPr>
+        <p:spPr bwMode="auto">
+          <a:xfrm>
+            <a:off x="3884613" y="8685213"/>
+            <a:ext cx="2971800" cy="457200"/>
+          </a:xfrm>
+          <a:prstGeom prst="rect">
+            <a:avLst/>
+          </a:prstGeom>
+          <a:extLst/>
+        </p:spPr>
+        <p:txBody>
+          <a:bodyPr/>
+          <a:lstStyle>
+            <a:lvl1pPr algn="l">
+              <a:defRPr sz="1200">
+                <a:latin typeface="Arial" charset="0"/>
+              </a:defRPr>
+            </a:lvl1pPr>
+          </a:lstStyle>
+          <a:p>
+            <a:endParaRPr/>
+          </a:p>
+        </p:txBody>
+      </p:sp>
+    </p:spTree>
+  </p:cSld>
+  <p:clrMap bg1="lt1" tx1="dk1" bg2="lt2" tx2="dk2" accent1="accent1" accent2="accent2" accent3="accent3" accent4="accent4" accent5="accent5" accent6="accent6" hlink="hlink" folHlink="folHlink"/>
+  <p:notesStyle>
+    <a:lvl1pPr algn="l" rtl="0" fontAlgn="base">
+      <a:spcBef>
+        <a:spcPct val="30000"/>
+      </a:spcBef>
+      <a:spcAft>
+        <a:spcPct val="0"/>
+      </a:spcAft>
+      <a:defRPr sz="1200" kern="1200">
+        <a:solidFill>
+          <a:schemeClr val="tx1"/>
+        </a:solidFill>
+        <a:latin typeface="Arial" charset="0"/>
+        <a:ea typeface="+mn-ea"/>
+        <a:cs typeface="+mn-cs"/>
+      </a:defRPr>
+    </a:lvl1pPr>
+    <a:lvl2pPr marL="457200" algn="l" rtl="0" fontAlgn="base">
+      <a:spcBef>
+        <a:spcPct val="30000"/>
+      </a:spcBef>
+      <a:spcAft>
+        <a:spcPct val="0"/>
+      </a:spcAft>
+      <a:defRPr sz="1200" kern="1200">
+        <a:solidFill>
+          <a:schemeClr val="tx1"/>
+        </a:solidFill>
+        <a:latin typeface="Arial" charset="0"/>
+        <a:ea typeface="+mn-ea"/>
+        <a:cs typeface="+mn-cs"/>
+      </a:defRPr>
+    </a:lvl2pPr>
+    <a:lvl3pPr marL="914400" algn="l" rtl="0" fontAlgn="base">
+      <a:spcBef>
+        <a:spcPct val="30000"/>
+      </a:spcBef>
+      <a:spcAft>
+        <a:spcPct val="0"/>
+      </a:spcAft>
+      <a:defRPr sz="1200" kern="1200">
+        <a:solidFill>
+          <a:schemeClr val="tx1"/>
+        </a:solidFill>
+        <a:latin typeface="Arial" charset="0"/>
+        <a:ea typeface="+mn-ea"/>
+        <a:cs typeface="+mn-cs"/>
+      </a:defRPr>
+    </a:lvl3pPr>
+    <a:lvl4pPr marL="1371600" algn="l" rtl="0" fontAlgn="base">
+      <a:spcBef>
+        <a:spcPct val="30000"/>
+      </a:spcBef>
+      <a:spcAft>
+        <a:spcPct val="0"/>
+      </a:spcAft>
+      <a:defRPr sz="1200" kern="1200">
+        <a:solidFill>
+          <a:schemeClr val="tx1"/>
+        </a:solidFill>
+        <a:latin typeface="Arial" charset="0"/>
+        <a:ea typeface="+mn-ea"/>
+        <a:cs typeface="+mn-cs"/>
+      </a:defRPr>
+    </a:lvl4pPr>
+    <a:lvl5pPr marL="1828800" algn="l" rtl="0" fontAlgn="base">
+      <a:spcBef>
+        <a:spcPct val="30000"/>
+      </a:spcBef>
+      <a:spcAft>
+        <a:spcPct val="0"/>
+      </a:spcAft>
+      <a:defRPr sz="1200" kern="1200">
+        <a:solidFill>
+          <a:schemeClr val="tx1"/>
+        </a:solidFill>
+        <a:latin typeface="Arial" charset="0"/>
+        <a:ea typeface="+mn-ea"/>
+        <a:cs typeface="+mn-cs"/>
+      </a:defRPr>
+    </a:lvl5pPr>
+    <a:lvl6pPr marL="2286000" algn="l" defTabSz="914400" rtl="0" eaLnBrk="1" latinLnBrk="0" hangingPunct="1">
+      <a:defRPr sz="1200" kern="1200">
+        <a:solidFill>
+          <a:schemeClr val="tx1"/>
+        </a:solidFill>
+        <a:latin typeface="+mn-lt"/>
+        <a:ea typeface="+mn-ea"/>
+        <a:cs typeface="+mn-cs"/>
+      </a:defRPr>
+    </a:lvl6pPr>
+    <a:lvl7pPr marL="2743200" algn="l" defTabSz="914400" rtl="0" eaLnBrk="1" latinLnBrk="0" hangingPunct="1">
+      <a:defRPr sz="1200" kern="1200">
+        <a:solidFill>
+          <a:schemeClr val="tx1"/>
+        </a:solidFill>
+        <a:latin typeface="+mn-lt"/>
+        <a:ea typeface="+mn-ea"/>
+        <a:cs typeface="+mn-cs"/>
+      </a:defRPr>
+    </a:lvl7pPr>
+    <a:lvl8pPr marL="3200400" algn="l" defTabSz="914400" rtl="0" eaLnBrk="1" latinLnBrk="0" hangingPunct="1">
+      <a:defRPr sz="1200" kern="1200">
+        <a:solidFill>
+          <a:schemeClr val="tx1"/>
+        </a:solidFill>
+        <a:latin typeface="+mn-lt"/>
+        <a:ea typeface="+mn-ea"/>
+        <a:cs typeface="+mn-cs"/>
+      </a:defRPr>
+    </a:lvl8pPr>
+    <a:lvl9pPr marL="3657600" algn="l" defTabSz="914400" rtl="0" eaLnBrk="1" latinLnBrk="0" hangingPunct="1">
+      <a:defRPr sz="1200" kern="1200">
+        <a:solidFill>
+          <a:schemeClr val="tx1"/>
+        </a:solidFill>
+        <a:latin typeface="+mn-lt"/>
+        <a:ea typeface="+mn-ea"/>
+        <a:cs typeface="+mn-cs"/>
+      </a:defRPr>
+    </a:lvl9pPr>
+  </p:notesStyle>
+</p:notesMaster>
+</file>
+
+<file path=ppt/notesSlides/notesSlide1.xml><?xml version="1.0" encoding="utf-8"?>
+<p:notes xmlns:a="http://schemas.openxmlformats.org/drawingml/2006/main" xmlns:r="http://schemas.openxmlformats.org/officeDocument/2006/relationships" xmlns:p="http://schemas.openxmlformats.org/presentationml/2006/main" xmlns:m="http://schemas.openxmlformats.org/officeDocument/2006/math" xmlns:w="http://schemas.openxmlformats.org/wordprocessingml/2006/main">
+  <p:cSld>
+    <p:spTree>
+      <p:nvGrpSpPr>
+        <p:cNvPr id="1" name=""/>
+        <p:cNvGrpSpPr/>
+        <p:nvPr/>
+      </p:nvGrpSpPr>
+      <p:grpSpPr>
+        <a:xfrm>
+          <a:off x="0" y="0"/>
+          <a:ext cx="0" cy="0"/>
+          <a:chOff x="0" y="0"/>
+          <a:chExt cx="0" cy="0"/>
+        </a:xfrm>
+      </p:grpSpPr>
+      <p:sp>
+        <p:nvSpPr>
+          <p:cNvPr id="100000" name=""/>
+          <p:cNvSpPr>
+            <a:spLocks noChangeArrowheads="1" noGrp="1"/>
+          </p:cNvSpPr>
+          <p:nvPr>
+            <p:ph type="body" idx="1"/>
+          </p:nvPr>
+        </p:nvSpPr>
+        <p:spPr/>
+        <p:txBody>
+          <a:bodyPr/>
+          <a:p>
+            <a:r>
+              <a:rPr smtClean="0"/>
+              <a:t/>
+            </a:r>
+          </a:p>
+        </p:txBody>
+      </p:sp>
+    </p:spTree>
+  </p:cSld>
+  <p:clrMapOvr>
+    <a:masterClrMapping/>
+  </p:clrMapOvr>
+</p:notes>
+</file>
+
+<file path=ppt/notesSlides/notesSlide10.xml><?xml version="1.0" encoding="utf-8"?>
+<p:notes xmlns:a="http://schemas.openxmlformats.org/drawingml/2006/main" xmlns:r="http://schemas.openxmlformats.org/officeDocument/2006/relationships" xmlns:p="http://schemas.openxmlformats.org/presentationml/2006/main" xmlns:m="http://schemas.openxmlformats.org/officeDocument/2006/math" xmlns:w="http://schemas.openxmlformats.org/wordprocessingml/2006/main">
+  <p:cSld>
+    <p:spTree>
+      <p:nvGrpSpPr>
+        <p:cNvPr id="1" name=""/>
+        <p:cNvGrpSpPr/>
+        <p:nvPr/>
+      </p:nvGrpSpPr>
+      <p:grpSpPr>
+        <a:xfrm>
+          <a:off x="0" y="0"/>
+          <a:ext cx="0" cy="0"/>
+          <a:chOff x="0" y="0"/>
+          <a:chExt cx="0" cy="0"/>
+        </a:xfrm>
+      </p:grpSpPr>
+      <p:sp>
+        <p:nvSpPr>
+          <p:cNvPr id="100000" name=""/>
+          <p:cNvSpPr>
+            <a:spLocks noChangeArrowheads="1" noGrp="1"/>
+          </p:cNvSpPr>
+          <p:nvPr>
+            <p:ph type="body" idx="1"/>
+          </p:nvPr>
+        </p:nvSpPr>
+        <p:spPr/>
+        <p:txBody>
+          <a:bodyPr/>
+          <a:p>
+            <a:r>
+              <a:rPr smtClean="0"/>
+              <a:t/>
+            </a:r>
+          </a:p>
+        </p:txBody>
+      </p:sp>
+    </p:spTree>
+  </p:cSld>
+  <p:clrMapOvr>
+    <a:masterClrMapping/>
+  </p:clrMapOvr>
+</p:notes>
+</file>
+
+<file path=ppt/notesSlides/notesSlide11.xml><?xml version="1.0" encoding="utf-8"?>
+<p:notes xmlns:a="http://schemas.openxmlformats.org/drawingml/2006/main" xmlns:r="http://schemas.openxmlformats.org/officeDocument/2006/relationships" xmlns:p="http://schemas.openxmlformats.org/presentationml/2006/main" xmlns:m="http://schemas.openxmlformats.org/officeDocument/2006/math" xmlns:w="http://schemas.openxmlformats.org/wordprocessingml/2006/main">
+  <p:cSld>
+    <p:spTree>
+      <p:nvGrpSpPr>
+        <p:cNvPr id="1" name=""/>
+        <p:cNvGrpSpPr/>
+        <p:nvPr/>
+      </p:nvGrpSpPr>
+      <p:grpSpPr>
+        <a:xfrm>
+          <a:off x="0" y="0"/>
+          <a:ext cx="0" cy="0"/>
+          <a:chOff x="0" y="0"/>
+          <a:chExt cx="0" cy="0"/>
+        </a:xfrm>
+      </p:grpSpPr>
+      <p:sp>
+        <p:nvSpPr>
+          <p:cNvPr id="100000" name=""/>
+          <p:cNvSpPr>
+            <a:spLocks noChangeArrowheads="1" noGrp="1"/>
+          </p:cNvSpPr>
+          <p:nvPr>
+            <p:ph type="body" idx="1"/>
+          </p:nvPr>
+        </p:nvSpPr>
+        <p:spPr/>
+        <p:txBody>
+          <a:bodyPr/>
+          <a:p>
+            <a:r>
+              <a:rPr smtClean="0"/>
+              <a:t/>
+            </a:r>
+          </a:p>
+        </p:txBody>
+      </p:sp>
+    </p:spTree>
+  </p:cSld>
+  <p:clrMapOvr>
+    <a:masterClrMapping/>
+  </p:clrMapOvr>
+</p:notes>
+</file>
+
+<file path=ppt/notesSlides/notesSlide12.xml><?xml version="1.0" encoding="utf-8"?>
+<p:notes xmlns:a="http://schemas.openxmlformats.org/drawingml/2006/main" xmlns:r="http://schemas.openxmlformats.org/officeDocument/2006/relationships" xmlns:p="http://schemas.openxmlformats.org/presentationml/2006/main" xmlns:m="http://schemas.openxmlformats.org/officeDocument/2006/math" xmlns:w="http://schemas.openxmlformats.org/wordprocessingml/2006/main">
+  <p:cSld>
+    <p:spTree>
+      <p:nvGrpSpPr>
+        <p:cNvPr id="1" name=""/>
+        <p:cNvGrpSpPr/>
+        <p:nvPr/>
+      </p:nvGrpSpPr>
+      <p:grpSpPr>
+        <a:xfrm>
+          <a:off x="0" y="0"/>
+          <a:ext cx="0" cy="0"/>
+          <a:chOff x="0" y="0"/>
+          <a:chExt cx="0" cy="0"/>
+        </a:xfrm>
+      </p:grpSpPr>
+      <p:sp>
+        <p:nvSpPr>
+          <p:cNvPr id="100000" name=""/>
+          <p:cNvSpPr>
+            <a:spLocks noChangeArrowheads="1" noGrp="1"/>
+          </p:cNvSpPr>
+          <p:nvPr>
+            <p:ph type="body" idx="1"/>
+          </p:nvPr>
+        </p:nvSpPr>
+        <p:spPr/>
+        <p:txBody>
+          <a:bodyPr/>
+          <a:p>
+            <a:r>
+              <a:rPr smtClean="0"/>
+              <a:t/>
+            </a:r>
+          </a:p>
+        </p:txBody>
+      </p:sp>
+    </p:spTree>
+  </p:cSld>
+  <p:clrMapOvr>
+    <a:masterClrMapping/>
+  </p:clrMapOvr>
+</p:notes>
+</file>
+
+<file path=ppt/notesSlides/notesSlide13.xml><?xml version="1.0" encoding="utf-8"?>
+<p:notes xmlns:a="http://schemas.openxmlformats.org/drawingml/2006/main" xmlns:r="http://schemas.openxmlformats.org/officeDocument/2006/relationships" xmlns:p="http://schemas.openxmlformats.org/presentationml/2006/main" xmlns:m="http://schemas.openxmlformats.org/officeDocument/2006/math" xmlns:w="http://schemas.openxmlformats.org/wordprocessingml/2006/main">
+  <p:cSld>
+    <p:spTree>
+      <p:nvGrpSpPr>
+        <p:cNvPr id="1" name=""/>
+        <p:cNvGrpSpPr/>
+        <p:nvPr/>
+      </p:nvGrpSpPr>
+      <p:grpSpPr>
+        <a:xfrm>
+          <a:off x="0" y="0"/>
+          <a:ext cx="0" cy="0"/>
+          <a:chOff x="0" y="0"/>
+          <a:chExt cx="0" cy="0"/>
+        </a:xfrm>
+      </p:grpSpPr>
+      <p:sp>
+        <p:nvSpPr>
+          <p:cNvPr id="100000" name=""/>
+          <p:cNvSpPr>
+            <a:spLocks noChangeArrowheads="1" noGrp="1"/>
+          </p:cNvSpPr>
+          <p:nvPr>
+            <p:ph type="body" idx="1"/>
+          </p:nvPr>
+        </p:nvSpPr>
+        <p:spPr/>
+        <p:txBody>
+          <a:bodyPr/>
+          <a:p>
+            <a:r>
+              <a:rPr smtClean="0"/>
+              <a:t/>
+            </a:r>
+          </a:p>
+        </p:txBody>
+      </p:sp>
+    </p:spTree>
+  </p:cSld>
+  <p:clrMapOvr>
+    <a:masterClrMapping/>
+  </p:clrMapOvr>
+</p:notes>
+</file>
+
+<file path=ppt/notesSlides/notesSlide14.xml><?xml version="1.0" encoding="utf-8"?>
+<p:notes xmlns:a="http://schemas.openxmlformats.org/drawingml/2006/main" xmlns:r="http://schemas.openxmlformats.org/officeDocument/2006/relationships" xmlns:p="http://schemas.openxmlformats.org/presentationml/2006/main" xmlns:m="http://schemas.openxmlformats.org/officeDocument/2006/math" xmlns:w="http://schemas.openxmlformats.org/wordprocessingml/2006/main">
+  <p:cSld>
+    <p:spTree>
+      <p:nvGrpSpPr>
+        <p:cNvPr id="1" name=""/>
+        <p:cNvGrpSpPr/>
+        <p:nvPr/>
+      </p:nvGrpSpPr>
+      <p:grpSpPr>
+        <a:xfrm>
+          <a:off x="0" y="0"/>
+          <a:ext cx="0" cy="0"/>
+          <a:chOff x="0" y="0"/>
+          <a:chExt cx="0" cy="0"/>
+        </a:xfrm>
+      </p:grpSpPr>
+      <p:sp>
+        <p:nvSpPr>
+          <p:cNvPr id="100000" name=""/>
+          <p:cNvSpPr>
+            <a:spLocks noChangeArrowheads="1" noGrp="1"/>
+          </p:cNvSpPr>
+          <p:nvPr>
+            <p:ph type="body" idx="1"/>
+          </p:nvPr>
+        </p:nvSpPr>
+        <p:spPr/>
+        <p:txBody>
+          <a:bodyPr/>
+          <a:p>
+            <a:r>
+              <a:rPr smtClean="0"/>
+              <a:t/>
+            </a:r>
+          </a:p>
+        </p:txBody>
+      </p:sp>
+    </p:spTree>
+  </p:cSld>
+  <p:clrMapOvr>
+    <a:masterClrMapping/>
+  </p:clrMapOvr>
+</p:notes>
+</file>
+
+<file path=ppt/notesSlides/notesSlide15.xml><?xml version="1.0" encoding="utf-8"?>
+<p:notes xmlns:a="http://schemas.openxmlformats.org/drawingml/2006/main" xmlns:r="http://schemas.openxmlformats.org/officeDocument/2006/relationships" xmlns:p="http://schemas.openxmlformats.org/presentationml/2006/main" xmlns:m="http://schemas.openxmlformats.org/officeDocument/2006/math" xmlns:w="http://schemas.openxmlformats.org/wordprocessingml/2006/main">
+  <p:cSld>
+    <p:spTree>
+      <p:nvGrpSpPr>
+        <p:cNvPr id="1" name=""/>
+        <p:cNvGrpSpPr/>
+        <p:nvPr/>
+      </p:nvGrpSpPr>
+      <p:grpSpPr>
+        <a:xfrm>
+          <a:off x="0" y="0"/>
+          <a:ext cx="0" cy="0"/>
+          <a:chOff x="0" y="0"/>
+          <a:chExt cx="0" cy="0"/>
+        </a:xfrm>
+      </p:grpSpPr>
+      <p:sp>
+        <p:nvSpPr>
+          <p:cNvPr id="100000" name=""/>
+          <p:cNvSpPr>
+            <a:spLocks noChangeArrowheads="1" noGrp="1"/>
+          </p:cNvSpPr>
+          <p:nvPr>
+            <p:ph type="body" idx="1"/>
+          </p:nvPr>
+        </p:nvSpPr>
+        <p:spPr/>
+        <p:txBody>
+          <a:bodyPr/>
+          <a:p>
+            <a:r>
+              <a:rPr smtClean="0"/>
+              <a:t/>
+            </a:r>
+          </a:p>
+        </p:txBody>
+      </p:sp>
+    </p:spTree>
+  </p:cSld>
+  <p:clrMapOvr>
+    <a:masterClrMapping/>
+  </p:clrMapOvr>
+</p:notes>
+</file>
+
+<file path=ppt/notesSlides/notesSlide16.xml><?xml version="1.0" encoding="utf-8"?>
+<p:notes xmlns:a="http://schemas.openxmlformats.org/drawingml/2006/main" xmlns:r="http://schemas.openxmlformats.org/officeDocument/2006/relationships" xmlns:p="http://schemas.openxmlformats.org/presentationml/2006/main" xmlns:m="http://schemas.openxmlformats.org/officeDocument/2006/math" xmlns:w="http://schemas.openxmlformats.org/wordprocessingml/2006/main">
+  <p:cSld>
+    <p:spTree>
+      <p:nvGrpSpPr>
+        <p:cNvPr id="1" name=""/>
+        <p:cNvGrpSpPr/>
+        <p:nvPr/>
+      </p:nvGrpSpPr>
+      <p:grpSpPr>
+        <a:xfrm>
+          <a:off x="0" y="0"/>
+          <a:ext cx="0" cy="0"/>
+          <a:chOff x="0" y="0"/>
+          <a:chExt cx="0" cy="0"/>
+        </a:xfrm>
+      </p:grpSpPr>
+      <p:sp>
+        <p:nvSpPr>
+          <p:cNvPr id="100000" name=""/>
+          <p:cNvSpPr>
+            <a:spLocks noChangeArrowheads="1" noGrp="1"/>
+          </p:cNvSpPr>
+          <p:nvPr>
+            <p:ph type="body" idx="1"/>
+          </p:nvPr>
+        </p:nvSpPr>
+        <p:spPr/>
+        <p:txBody>
+          <a:bodyPr/>
+          <a:p>
+            <a:r>
+              <a:rPr smtClean="0"/>
+              <a:t/>
+            </a:r>
+          </a:p>
+        </p:txBody>
+      </p:sp>
+    </p:spTree>
+  </p:cSld>
+  <p:clrMapOvr>
+    <a:masterClrMapping/>
+  </p:clrMapOvr>
+</p:notes>
+</file>
+
+<file path=ppt/notesSlides/notesSlide17.xml><?xml version="1.0" encoding="utf-8"?>
+<p:notes xmlns:a="http://schemas.openxmlformats.org/drawingml/2006/main" xmlns:r="http://schemas.openxmlformats.org/officeDocument/2006/relationships" xmlns:p="http://schemas.openxmlformats.org/presentationml/2006/main" xmlns:m="http://schemas.openxmlformats.org/officeDocument/2006/math" xmlns:w="http://schemas.openxmlformats.org/wordprocessingml/2006/main">
+  <p:cSld>
+    <p:spTree>
+      <p:nvGrpSpPr>
+        <p:cNvPr id="1" name=""/>
+        <p:cNvGrpSpPr/>
+        <p:nvPr/>
+      </p:nvGrpSpPr>
+      <p:grpSpPr>
+        <a:xfrm>
+          <a:off x="0" y="0"/>
+          <a:ext cx="0" cy="0"/>
+          <a:chOff x="0" y="0"/>
+          <a:chExt cx="0" cy="0"/>
+        </a:xfrm>
+      </p:grpSpPr>
+      <p:sp>
+        <p:nvSpPr>
+          <p:cNvPr id="100000" name=""/>
+          <p:cNvSpPr>
+            <a:spLocks noChangeArrowheads="1" noGrp="1"/>
+          </p:cNvSpPr>
+          <p:nvPr>
+            <p:ph type="body" idx="1"/>
+          </p:nvPr>
+        </p:nvSpPr>
+        <p:spPr/>
+        <p:txBody>
+          <a:bodyPr/>
+          <a:p>
+            <a:r>
+              <a:rPr smtClean="0"/>
+              <a:t/>
+            </a:r>
+          </a:p>
+        </p:txBody>
+      </p:sp>
+    </p:spTree>
+  </p:cSld>
+  <p:clrMapOvr>
+    <a:masterClrMapping/>
+  </p:clrMapOvr>
+</p:notes>
+</file>
+
+<file path=ppt/notesSlides/notesSlide18.xml><?xml version="1.0" encoding="utf-8"?>
+<p:notes xmlns:a="http://schemas.openxmlformats.org/drawingml/2006/main" xmlns:r="http://schemas.openxmlformats.org/officeDocument/2006/relationships" xmlns:p="http://schemas.openxmlformats.org/presentationml/2006/main" xmlns:m="http://schemas.openxmlformats.org/officeDocument/2006/math" xmlns:w="http://schemas.openxmlformats.org/wordprocessingml/2006/main">
+  <p:cSld>
+    <p:spTree>
+      <p:nvGrpSpPr>
+        <p:cNvPr id="1" name=""/>
+        <p:cNvGrpSpPr/>
+        <p:nvPr/>
+      </p:nvGrpSpPr>
+      <p:grpSpPr>
+        <a:xfrm>
+          <a:off x="0" y="0"/>
+          <a:ext cx="0" cy="0"/>
+          <a:chOff x="0" y="0"/>
+          <a:chExt cx="0" cy="0"/>
+        </a:xfrm>
+      </p:grpSpPr>
+      <p:sp>
+        <p:nvSpPr>
+          <p:cNvPr id="100000" name=""/>
+          <p:cNvSpPr>
+            <a:spLocks noChangeArrowheads="1" noGrp="1"/>
+          </p:cNvSpPr>
+          <p:nvPr>
+            <p:ph type="body" idx="1"/>
+          </p:nvPr>
+        </p:nvSpPr>
+        <p:spPr/>
+        <p:txBody>
+          <a:bodyPr/>
+          <a:p>
+            <a:r>
+              <a:rPr smtClean="0"/>
+              <a:t/>
+            </a:r>
+          </a:p>
+        </p:txBody>
+      </p:sp>
+    </p:spTree>
+  </p:cSld>
+  <p:clrMapOvr>
+    <a:masterClrMapping/>
+  </p:clrMapOvr>
+</p:notes>
+</file>
+
+<file path=ppt/notesSlides/notesSlide19.xml><?xml version="1.0" encoding="utf-8"?>
+<p:notes xmlns:a="http://schemas.openxmlformats.org/drawingml/2006/main" xmlns:r="http://schemas.openxmlformats.org/officeDocument/2006/relationships" xmlns:p="http://schemas.openxmlformats.org/presentationml/2006/main" xmlns:m="http://schemas.openxmlformats.org/officeDocument/2006/math" xmlns:w="http://schemas.openxmlformats.org/wordprocessingml/2006/main">
+  <p:cSld>
+    <p:spTree>
+      <p:nvGrpSpPr>
+        <p:cNvPr id="1" name=""/>
+        <p:cNvGrpSpPr/>
+        <p:nvPr/>
+      </p:nvGrpSpPr>
+      <p:grpSpPr>
+        <a:xfrm>
+          <a:off x="0" y="0"/>
+          <a:ext cx="0" cy="0"/>
+          <a:chOff x="0" y="0"/>
+          <a:chExt cx="0" cy="0"/>
+        </a:xfrm>
+      </p:grpSpPr>
+      <p:sp>
+        <p:nvSpPr>
+          <p:cNvPr id="100000" name=""/>
+          <p:cNvSpPr>
+            <a:spLocks noChangeArrowheads="1" noGrp="1"/>
+          </p:cNvSpPr>
+          <p:nvPr>
+            <p:ph type="body" idx="1"/>
+          </p:nvPr>
+        </p:nvSpPr>
+        <p:spPr/>
+        <p:txBody>
+          <a:bodyPr/>
+          <a:p>
+            <a:r>
+              <a:rPr smtClean="0"/>
+              <a:t/>
+            </a:r>
+          </a:p>
+        </p:txBody>
+      </p:sp>
+    </p:spTree>
+  </p:cSld>
+  <p:clrMapOvr>
+    <a:masterClrMapping/>
+  </p:clrMapOvr>
+</p:notes>
+</file>
+
+<file path=ppt/notesSlides/notesSlide2.xml><?xml version="1.0" encoding="utf-8"?>
+<p:notes xmlns:a="http://schemas.openxmlformats.org/drawingml/2006/main" xmlns:r="http://schemas.openxmlformats.org/officeDocument/2006/relationships" xmlns:p="http://schemas.openxmlformats.org/presentationml/2006/main" xmlns:m="http://schemas.openxmlformats.org/officeDocument/2006/math" xmlns:w="http://schemas.openxmlformats.org/wordprocessingml/2006/main">
+  <p:cSld>
+    <p:spTree>
+      <p:nvGrpSpPr>
+        <p:cNvPr id="1" name=""/>
+        <p:cNvGrpSpPr/>
+        <p:nvPr/>
+      </p:nvGrpSpPr>
+      <p:grpSpPr>
+        <a:xfrm>
+          <a:off x="0" y="0"/>
+          <a:ext cx="0" cy="0"/>
+          <a:chOff x="0" y="0"/>
+          <a:chExt cx="0" cy="0"/>
+        </a:xfrm>
+      </p:grpSpPr>
+      <p:sp>
+        <p:nvSpPr>
+          <p:cNvPr id="100000" name=""/>
+          <p:cNvSpPr>
+            <a:spLocks noChangeArrowheads="1" noGrp="1"/>
+          </p:cNvSpPr>
+          <p:nvPr>
+            <p:ph type="body" idx="1"/>
+          </p:nvPr>
+        </p:nvSpPr>
+        <p:spPr/>
+        <p:txBody>
+          <a:bodyPr/>
+          <a:p>
+            <a:r>
+              <a:rPr smtClean="0"/>
+              <a:t/>
+            </a:r>
+          </a:p>
+        </p:txBody>
+      </p:sp>
+    </p:spTree>
+  </p:cSld>
+  <p:clrMapOvr>
+    <a:masterClrMapping/>
+  </p:clrMapOvr>
+</p:notes>
+</file>
+
+<file path=ppt/notesSlides/notesSlide20.xml><?xml version="1.0" encoding="utf-8"?>
+<p:notes xmlns:a="http://schemas.openxmlformats.org/drawingml/2006/main" xmlns:r="http://schemas.openxmlformats.org/officeDocument/2006/relationships" xmlns:p="http://schemas.openxmlformats.org/presentationml/2006/main" xmlns:m="http://schemas.openxmlformats.org/officeDocument/2006/math" xmlns:w="http://schemas.openxmlformats.org/wordprocessingml/2006/main">
+  <p:cSld>
+    <p:spTree>
+      <p:nvGrpSpPr>
+        <p:cNvPr id="1" name=""/>
+        <p:cNvGrpSpPr/>
+        <p:nvPr/>
+      </p:nvGrpSpPr>
+      <p:grpSpPr>
+        <a:xfrm>
+          <a:off x="0" y="0"/>
+          <a:ext cx="0" cy="0"/>
+          <a:chOff x="0" y="0"/>
+          <a:chExt cx="0" cy="0"/>
+        </a:xfrm>
+      </p:grpSpPr>
+      <p:sp>
+        <p:nvSpPr>
+          <p:cNvPr id="100000" name=""/>
+          <p:cNvSpPr>
+            <a:spLocks noChangeArrowheads="1" noGrp="1"/>
+          </p:cNvSpPr>
+          <p:nvPr>
+            <p:ph type="body" idx="1"/>
+          </p:nvPr>
+        </p:nvSpPr>
+        <p:spPr/>
+        <p:txBody>
+          <a:bodyPr/>
+          <a:p>
+            <a:r>
+              <a:rPr smtClean="0"/>
+              <a:t/>
+            </a:r>
+          </a:p>
+        </p:txBody>
+      </p:sp>
+    </p:spTree>
+  </p:cSld>
+  <p:clrMapOvr>
+    <a:masterClrMapping/>
+  </p:clrMapOvr>
+</p:notes>
+</file>
+
+<file path=ppt/notesSlides/notesSlide3.xml><?xml version="1.0" encoding="utf-8"?>
+<p:notes xmlns:a="http://schemas.openxmlformats.org/drawingml/2006/main" xmlns:r="http://schemas.openxmlformats.org/officeDocument/2006/relationships" xmlns:p="http://schemas.openxmlformats.org/presentationml/2006/main" xmlns:m="http://schemas.openxmlformats.org/officeDocument/2006/math" xmlns:w="http://schemas.openxmlformats.org/wordprocessingml/2006/main">
+  <p:cSld>
+    <p:spTree>
+      <p:nvGrpSpPr>
+        <p:cNvPr id="1" name=""/>
+        <p:cNvGrpSpPr/>
+        <p:nvPr/>
+      </p:nvGrpSpPr>
+      <p:grpSpPr>
+        <a:xfrm>
+          <a:off x="0" y="0"/>
+          <a:ext cx="0" cy="0"/>
+          <a:chOff x="0" y="0"/>
+          <a:chExt cx="0" cy="0"/>
+        </a:xfrm>
+      </p:grpSpPr>
+      <p:sp>
+        <p:nvSpPr>
+          <p:cNvPr id="100000" name=""/>
+          <p:cNvSpPr>
+            <a:spLocks noChangeArrowheads="1" noGrp="1"/>
+          </p:cNvSpPr>
+          <p:nvPr>
+            <p:ph type="body" idx="1"/>
+          </p:nvPr>
+        </p:nvSpPr>
+        <p:spPr/>
+        <p:txBody>
+          <a:bodyPr/>
+          <a:p>
+            <a:r>
+              <a:rPr smtClean="0"/>
+              <a:t/>
+            </a:r>
+          </a:p>
+        </p:txBody>
+      </p:sp>
+    </p:spTree>
+  </p:cSld>
+  <p:clrMapOvr>
+    <a:masterClrMapping/>
+  </p:clrMapOvr>
+</p:notes>
+</file>
+
+<file path=ppt/notesSlides/notesSlide4.xml><?xml version="1.0" encoding="utf-8"?>
+<p:notes xmlns:a="http://schemas.openxmlformats.org/drawingml/2006/main" xmlns:r="http://schemas.openxmlformats.org/officeDocument/2006/relationships" xmlns:p="http://schemas.openxmlformats.org/presentationml/2006/main" xmlns:m="http://schemas.openxmlformats.org/officeDocument/2006/math" xmlns:w="http://schemas.openxmlformats.org/wordprocessingml/2006/main">
+  <p:cSld>
+    <p:spTree>
+      <p:nvGrpSpPr>
+        <p:cNvPr id="1" name=""/>
+        <p:cNvGrpSpPr/>
+        <p:nvPr/>
+      </p:nvGrpSpPr>
+      <p:grpSpPr>
+        <a:xfrm>
+          <a:off x="0" y="0"/>
+          <a:ext cx="0" cy="0"/>
+          <a:chOff x="0" y="0"/>
+          <a:chExt cx="0" cy="0"/>
+        </a:xfrm>
+      </p:grpSpPr>
+      <p:sp>
+        <p:nvSpPr>
+          <p:cNvPr id="100000" name=""/>
+          <p:cNvSpPr>
+            <a:spLocks noChangeArrowheads="1" noGrp="1"/>
+          </p:cNvSpPr>
+          <p:nvPr>
+            <p:ph type="body" idx="1"/>
+          </p:nvPr>
+        </p:nvSpPr>
+        <p:spPr/>
+        <p:txBody>
+          <a:bodyPr/>
+          <a:p>
+            <a:r>
+              <a:rPr smtClean="0"/>
+              <a:t/>
+            </a:r>
+          </a:p>
+        </p:txBody>
+      </p:sp>
+    </p:spTree>
+  </p:cSld>
+  <p:clrMapOvr>
+    <a:masterClrMapping/>
+  </p:clrMapOvr>
+</p:notes>
+</file>
+
+<file path=ppt/notesSlides/notesSlide5.xml><?xml version="1.0" encoding="utf-8"?>
+<p:notes xmlns:a="http://schemas.openxmlformats.org/drawingml/2006/main" xmlns:r="http://schemas.openxmlformats.org/officeDocument/2006/relationships" xmlns:p="http://schemas.openxmlformats.org/presentationml/2006/main" xmlns:m="http://schemas.openxmlformats.org/officeDocument/2006/math" xmlns:w="http://schemas.openxmlformats.org/wordprocessingml/2006/main">
+  <p:cSld>
+    <p:spTree>
+      <p:nvGrpSpPr>
+        <p:cNvPr id="1" name=""/>
+        <p:cNvGrpSpPr/>
+        <p:nvPr/>
+      </p:nvGrpSpPr>
+      <p:grpSpPr>
+        <a:xfrm>
+          <a:off x="0" y="0"/>
+          <a:ext cx="0" cy="0"/>
+          <a:chOff x="0" y="0"/>
+          <a:chExt cx="0" cy="0"/>
+        </a:xfrm>
+      </p:grpSpPr>
+      <p:sp>
+        <p:nvSpPr>
+          <p:cNvPr id="100000" name=""/>
+          <p:cNvSpPr>
+            <a:spLocks noChangeArrowheads="1" noGrp="1"/>
+          </p:cNvSpPr>
+          <p:nvPr>
+            <p:ph type="body" idx="1"/>
+          </p:nvPr>
+        </p:nvSpPr>
+        <p:spPr/>
+        <p:txBody>
+          <a:bodyPr/>
+          <a:p>
+            <a:r>
+              <a:rPr smtClean="0"/>
+              <a:t/>
+            </a:r>
+          </a:p>
+        </p:txBody>
+      </p:sp>
+    </p:spTree>
+  </p:cSld>
+  <p:clrMapOvr>
+    <a:masterClrMapping/>
+  </p:clrMapOvr>
+</p:notes>
+</file>
+
+<file path=ppt/notesSlides/notesSlide6.xml><?xml version="1.0" encoding="utf-8"?>
+<p:notes xmlns:a="http://schemas.openxmlformats.org/drawingml/2006/main" xmlns:r="http://schemas.openxmlformats.org/officeDocument/2006/relationships" xmlns:p="http://schemas.openxmlformats.org/presentationml/2006/main" xmlns:m="http://schemas.openxmlformats.org/officeDocument/2006/math" xmlns:w="http://schemas.openxmlformats.org/wordprocessingml/2006/main">
+  <p:cSld>
+    <p:spTree>
+      <p:nvGrpSpPr>
+        <p:cNvPr id="1" name=""/>
+        <p:cNvGrpSpPr/>
+        <p:nvPr/>
+      </p:nvGrpSpPr>
+      <p:grpSpPr>
+        <a:xfrm>
+          <a:off x="0" y="0"/>
+          <a:ext cx="0" cy="0"/>
+          <a:chOff x="0" y="0"/>
+          <a:chExt cx="0" cy="0"/>
+        </a:xfrm>
+      </p:grpSpPr>
+      <p:sp>
+        <p:nvSpPr>
+          <p:cNvPr id="100000" name=""/>
+          <p:cNvSpPr>
+            <a:spLocks noChangeArrowheads="1" noGrp="1"/>
+          </p:cNvSpPr>
+          <p:nvPr>
+            <p:ph type="body" idx="1"/>
+          </p:nvPr>
+        </p:nvSpPr>
+        <p:spPr/>
+        <p:txBody>
+          <a:bodyPr/>
+          <a:p>
+            <a:r>
+              <a:rPr smtClean="0"/>
+              <a:t/>
+            </a:r>
+          </a:p>
+        </p:txBody>
+      </p:sp>
+    </p:spTree>
+  </p:cSld>
+  <p:clrMapOvr>
+    <a:masterClrMapping/>
+  </p:clrMapOvr>
+</p:notes>
+</file>
+
+<file path=ppt/notesSlides/notesSlide7.xml><?xml version="1.0" encoding="utf-8"?>
+<p:notes xmlns:a="http://schemas.openxmlformats.org/drawingml/2006/main" xmlns:r="http://schemas.openxmlformats.org/officeDocument/2006/relationships" xmlns:p="http://schemas.openxmlformats.org/presentationml/2006/main" xmlns:m="http://schemas.openxmlformats.org/officeDocument/2006/math" xmlns:w="http://schemas.openxmlformats.org/wordprocessingml/2006/main">
+  <p:cSld>
+    <p:spTree>
+      <p:nvGrpSpPr>
+        <p:cNvPr id="1" name=""/>
+        <p:cNvGrpSpPr/>
+        <p:nvPr/>
+      </p:nvGrpSpPr>
+      <p:grpSpPr>
+        <a:xfrm>
+          <a:off x="0" y="0"/>
+          <a:ext cx="0" cy="0"/>
+          <a:chOff x="0" y="0"/>
+          <a:chExt cx="0" cy="0"/>
+        </a:xfrm>
+      </p:grpSpPr>
+      <p:sp>
+        <p:nvSpPr>
+          <p:cNvPr id="100000" name=""/>
+          <p:cNvSpPr>
+            <a:spLocks noChangeArrowheads="1" noGrp="1"/>
+          </p:cNvSpPr>
+          <p:nvPr>
+            <p:ph type="body" idx="1"/>
+          </p:nvPr>
+        </p:nvSpPr>
+        <p:spPr/>
+        <p:txBody>
+          <a:bodyPr/>
+          <a:p>
+            <a:r>
+              <a:rPr smtClean="0"/>
+              <a:t/>
+            </a:r>
+          </a:p>
+        </p:txBody>
+      </p:sp>
+    </p:spTree>
+  </p:cSld>
+  <p:clrMapOvr>
+    <a:masterClrMapping/>
+  </p:clrMapOvr>
+</p:notes>
+</file>
+
+<file path=ppt/notesSlides/notesSlide8.xml><?xml version="1.0" encoding="utf-8"?>
+<p:notes xmlns:a="http://schemas.openxmlformats.org/drawingml/2006/main" xmlns:r="http://schemas.openxmlformats.org/officeDocument/2006/relationships" xmlns:p="http://schemas.openxmlformats.org/presentationml/2006/main" xmlns:m="http://schemas.openxmlformats.org/officeDocument/2006/math" xmlns:w="http://schemas.openxmlformats.org/wordprocessingml/2006/main">
+  <p:cSld>
+    <p:spTree>
+      <p:nvGrpSpPr>
+        <p:cNvPr id="1" name=""/>
+        <p:cNvGrpSpPr/>
+        <p:nvPr/>
+      </p:nvGrpSpPr>
+      <p:grpSpPr>
+        <a:xfrm>
+          <a:off x="0" y="0"/>
+          <a:ext cx="0" cy="0"/>
+          <a:chOff x="0" y="0"/>
+          <a:chExt cx="0" cy="0"/>
+        </a:xfrm>
+      </p:grpSpPr>
+      <p:sp>
+        <p:nvSpPr>
+          <p:cNvPr id="100000" name=""/>
+          <p:cNvSpPr>
+            <a:spLocks noChangeArrowheads="1" noGrp="1"/>
+          </p:cNvSpPr>
+          <p:nvPr>
+            <p:ph type="body" idx="1"/>
+          </p:nvPr>
+        </p:nvSpPr>
+        <p:spPr/>
+        <p:txBody>
+          <a:bodyPr/>
+          <a:p>
+            <a:r>
+              <a:rPr smtClean="0"/>
+              <a:t/>
+            </a:r>
+          </a:p>
+        </p:txBody>
+      </p:sp>
+    </p:spTree>
+  </p:cSld>
+  <p:clrMapOvr>
+    <a:masterClrMapping/>
+  </p:clrMapOvr>
+</p:notes>
+</file>
+
+<file path=ppt/notesSlides/notesSlide9.xml><?xml version="1.0" encoding="utf-8"?>
+<p:notes xmlns:a="http://schemas.openxmlformats.org/drawingml/2006/main" xmlns:r="http://schemas.openxmlformats.org/officeDocument/2006/relationships" xmlns:p="http://schemas.openxmlformats.org/presentationml/2006/main" xmlns:m="http://schemas.openxmlformats.org/officeDocument/2006/math" xmlns:w="http://schemas.openxmlformats.org/wordprocessingml/2006/main">
+  <p:cSld>
+    <p:spTree>
+      <p:nvGrpSpPr>
+        <p:cNvPr id="1" name=""/>
+        <p:cNvGrpSpPr/>
+        <p:nvPr/>
+      </p:nvGrpSpPr>
+      <p:grpSpPr>
+        <a:xfrm>
+          <a:off x="0" y="0"/>
+          <a:ext cx="0" cy="0"/>
+          <a:chOff x="0" y="0"/>
+          <a:chExt cx="0" cy="0"/>
+        </a:xfrm>
+      </p:grpSpPr>
+      <p:sp>
+        <p:nvSpPr>
+          <p:cNvPr id="100000" name=""/>
+          <p:cNvSpPr>
+            <a:spLocks noChangeArrowheads="1" noGrp="1"/>
+          </p:cNvSpPr>
+          <p:nvPr>
+            <p:ph type="body" idx="1"/>
+          </p:nvPr>
+        </p:nvSpPr>
+        <p:spPr/>
+        <p:txBody>
+          <a:bodyPr/>
+          <a:p>
+            <a:r>
+              <a:rPr smtClean="0"/>
+              <a:t/>
+            </a:r>
+          </a:p>
+        </p:txBody>
+      </p:sp>
+    </p:spTree>
+  </p:cSld>
+  <p:clrMapOvr>
+    <a:masterClrMapping/>
+  </p:clrMapOvr>
+</p:notes>
+</file>
+
+<file path=ppt/slideLayouts/slideLayout1.xml><?xml version="1.0" encoding="utf-8"?>
+<p:sldLayout xmlns:a="http://schemas.openxmlformats.org/drawingml/2006/main" xmlns:r="http://schemas.openxmlformats.org/officeDocument/2006/relationships" xmlns:p="http://schemas.openxmlformats.org/presentationml/2006/main" xmlns:m="http://schemas.openxmlformats.org/officeDocument/2006/math" xmlns:w="http://schemas.openxmlformats.org/wordprocessingml/2006/main" matchingName="" preserve="1" showMasterPhAnim="0" showMasterSp="0" type="title" userDrawn="1">
+  <p:cSld name="Title Slide">
+    <p:spTree>
+      <p:nvGrpSpPr>
+        <p:cNvPr id="1" name=""/>
+        <p:cNvGrpSpPr/>
+        <p:nvPr isPhoto="0" userDrawn="0"/>
+      </p:nvGrpSpPr>
+      <p:grpSpPr bwMode="auto">
+        <a:xfrm>
+          <a:off x="0" y="0"/>
+          <a:ext cx="0" cy="0"/>
+          <a:chOff x="0" y="0"/>
+          <a:chExt cx="0" cy="0"/>
+        </a:xfrm>
+      </p:grpSpPr>
+      <p:sp>
+        <p:nvSpPr>
           <p:cNvPr id="7" name="Rectangle 6"/>
           <p:cNvSpPr/>
-          <p:nvPr/>
-        </p:nvSpPr>
-        <p:spPr>
+          <p:nvPr isPhoto="0" userDrawn="0"/>
+        </p:nvSpPr>
+        <p:spPr bwMode="auto">
           <a:xfrm>
             <a:off x="0" y="761999"/>
-            <a:ext cx="9141619" cy="5334001"/>
+            <a:ext cx="9141619" cy="5334000"/>
           </a:xfrm>
           <a:prstGeom prst="rect">
             <a:avLst/>
@@ -189,12 +1286,12 @@
         <p:nvSpPr>
           <p:cNvPr id="8" name="Rectangle 7"/>
           <p:cNvSpPr/>
-          <p:nvPr/>
-        </p:nvSpPr>
-        <p:spPr>
+          <p:nvPr isPhoto="0" userDrawn="0"/>
+        </p:nvSpPr>
+        <p:spPr bwMode="auto">
           <a:xfrm>
             <a:off x="9270263" y="761999"/>
-            <a:ext cx="2925318" cy="5334001"/>
+            <a:ext cx="2925318" cy="5334000"/>
           </a:xfrm>
           <a:prstGeom prst="rect">
             <a:avLst/>
@@ -231,11 +1328,11 @@
           <p:cNvSpPr>
             <a:spLocks noGrp="1"/>
           </p:cNvSpPr>
-          <p:nvPr>
-            <p:ph type="ctrTitle"/>
-          </p:nvPr>
-        </p:nvSpPr>
-        <p:spPr>
+          <p:nvPr isPhoto="0" userDrawn="0">
+            <p:ph type="ctrTitle" hasCustomPrompt="0"/>
+          </p:nvPr>
+        </p:nvSpPr>
+        <p:spPr bwMode="auto">
           <a:xfrm>
             <a:off x="1069848" y="1298448"/>
             <a:ext cx="7315200" cy="3255264"/>
@@ -247,7 +1344,7 @@
           </a:bodyPr>
           <a:lstStyle>
             <a:lvl1pPr algn="l">
-              <a:defRPr sz="5900" spc="-100" baseline="0">
+              <a:defRPr sz="5900" spc="-100">
                 <a:solidFill>
                   <a:srgbClr val="FFFFFF"/>
                 </a:solidFill>
@@ -255,11 +1352,14 @@
             </a:lvl1pPr>
           </a:lstStyle>
           <a:p>
-            <a:r>
-              <a:rPr lang="en-US"/>
+            <a:pPr>
+              <a:defRPr/>
+            </a:pPr>
+            <a:r>
+              <a:rPr/>
               <a:t>Click to edit Master title style</a:t>
             </a:r>
-            <a:endParaRPr lang="en-US" dirty="0"/>
+            <a:endParaRPr/>
           </a:p>
         </p:txBody>
       </p:sp>
@@ -269,11 +1369,11 @@
           <p:cNvSpPr>
             <a:spLocks noGrp="1"/>
           </p:cNvSpPr>
-          <p:nvPr>
-            <p:ph type="subTitle" idx="1"/>
-          </p:nvPr>
-        </p:nvSpPr>
-        <p:spPr>
+          <p:nvPr isPhoto="0" userDrawn="0">
+            <p:ph type="subTitle" idx="1" hasCustomPrompt="0"/>
+          </p:nvPr>
+        </p:nvSpPr>
+        <p:spPr bwMode="auto">
           <a:xfrm>
             <a:off x="1100015" y="4670246"/>
             <a:ext cx="7315200" cy="914400"/>
@@ -286,7 +1386,7 @@
           <a:lstStyle>
             <a:lvl1pPr marL="0" indent="0" algn="l">
               <a:buNone/>
-              <a:defRPr sz="2200" cap="none" spc="0" baseline="0">
+              <a:defRPr sz="2200" cap="none" spc="0">
                 <a:solidFill>
                   <a:schemeClr val="accent1">
                     <a:lumMod val="20000"/>
@@ -329,11 +1429,14 @@
             </a:lvl9pPr>
           </a:lstStyle>
           <a:p>
-            <a:r>
-              <a:rPr lang="en-US"/>
+            <a:pPr>
+              <a:defRPr/>
+            </a:pPr>
+            <a:r>
+              <a:rPr/>
               <a:t>Click to edit Master subtitle style</a:t>
             </a:r>
-            <a:endParaRPr lang="en-US" dirty="0"/>
+            <a:endParaRPr/>
           </a:p>
         </p:txBody>
       </p:sp>
@@ -343,21 +1446,22 @@
           <p:cNvSpPr>
             <a:spLocks noGrp="1"/>
           </p:cNvSpPr>
-          <p:nvPr>
-            <p:ph type="dt" sz="half" idx="10"/>
-          </p:nvPr>
-        </p:nvSpPr>
-        <p:spPr/>
-        <p:txBody>
-          <a:bodyPr/>
-          <a:lstStyle/>
-          <a:p>
+          <p:nvPr isPhoto="0" userDrawn="0">
+            <p:ph type="dt" sz="half" idx="10" hasCustomPrompt="0"/>
+          </p:nvPr>
+        </p:nvSpPr>
+        <p:spPr bwMode="auto"/>
+        <p:txBody>
+          <a:bodyPr/>
+          <a:lstStyle/>
+          <a:p>
+            <a:pPr>
+              <a:defRPr/>
+            </a:pPr>
             <a:fld id="{5586B75A-687E-405C-8A0B-8D00578BA2C3}" type="datetimeFigureOut">
-              <a:rPr lang="en-US" dirty="0"/>
-              <a:pPr/>
               <a:t>3/6/2017</a:t>
             </a:fld>
-            <a:endParaRPr lang="en-US" dirty="0"/>
+            <a:endParaRPr/>
           </a:p>
         </p:txBody>
       </p:sp>
@@ -367,16 +1471,19 @@
           <p:cNvSpPr>
             <a:spLocks noGrp="1"/>
           </p:cNvSpPr>
-          <p:nvPr>
-            <p:ph type="ftr" sz="quarter" idx="11"/>
-          </p:nvPr>
-        </p:nvSpPr>
-        <p:spPr/>
-        <p:txBody>
-          <a:bodyPr/>
-          <a:lstStyle/>
-          <a:p>
-            <a:endParaRPr lang="en-US" dirty="0"/>
+          <p:nvPr isPhoto="0" userDrawn="0">
+            <p:ph type="ftr" sz="quarter" idx="11" hasCustomPrompt="0"/>
+          </p:nvPr>
+        </p:nvSpPr>
+        <p:spPr bwMode="auto"/>
+        <p:txBody>
+          <a:bodyPr/>
+          <a:lstStyle/>
+          <a:p>
+            <a:pPr>
+              <a:defRPr/>
+            </a:pPr>
+            <a:endParaRPr/>
           </a:p>
         </p:txBody>
       </p:sp>
@@ -386,21 +1493,22 @@
           <p:cNvSpPr>
             <a:spLocks noGrp="1"/>
           </p:cNvSpPr>
-          <p:nvPr>
-            <p:ph type="sldNum" sz="quarter" idx="12"/>
-          </p:nvPr>
-        </p:nvSpPr>
-        <p:spPr/>
-        <p:txBody>
-          <a:bodyPr/>
-          <a:lstStyle/>
-          <a:p>
+          <p:nvPr isPhoto="0" userDrawn="0">
+            <p:ph type="sldNum" sz="quarter" idx="12" hasCustomPrompt="0"/>
+          </p:nvPr>
+        </p:nvSpPr>
+        <p:spPr bwMode="auto"/>
+        <p:txBody>
+          <a:bodyPr/>
+          <a:lstStyle/>
+          <a:p>
+            <a:pPr>
+              <a:defRPr/>
+            </a:pPr>
             <a:fld id="{4FAB73BC-B049-4115-A692-8D63A059BFB8}" type="slidenum">
-              <a:rPr lang="en-US" dirty="0"/>
-              <a:pPr/>
               <a:t>‹#›</a:t>
             </a:fld>
-            <a:endParaRPr lang="en-US" dirty="0"/>
+            <a:endParaRPr/>
           </a:p>
         </p:txBody>
       </p:sp>
@@ -409,19 +1517,20 @@
   <p:clrMapOvr>
     <a:masterClrMapping/>
   </p:clrMapOvr>
+  <p:hf dt="1" ftr="1" hdr="1" sldNum="1"/>
 </p:sldLayout>
 </file>
 
 <file path=ppt/slideLayouts/slideLayout10.xml><?xml version="1.0" encoding="utf-8"?>
-<p:sldLayout xmlns:a="http://schemas.openxmlformats.org/drawingml/2006/main" xmlns:r="http://schemas.openxmlformats.org/officeDocument/2006/relationships" xmlns:p="http://schemas.openxmlformats.org/presentationml/2006/main" type="vertTx" preserve="1">
+<p:sldLayout xmlns:a="http://schemas.openxmlformats.org/drawingml/2006/main" xmlns:r="http://schemas.openxmlformats.org/officeDocument/2006/relationships" xmlns:p="http://schemas.openxmlformats.org/presentationml/2006/main" xmlns:m="http://schemas.openxmlformats.org/officeDocument/2006/math" xmlns:w="http://schemas.openxmlformats.org/wordprocessingml/2006/main" matchingName="" preserve="1" showMasterPhAnim="0" type="vertTx" userDrawn="1">
   <p:cSld name="Title and Vertical Text">
     <p:spTree>
       <p:nvGrpSpPr>
         <p:cNvPr id="1" name=""/>
         <p:cNvGrpSpPr/>
-        <p:nvPr/>
+        <p:nvPr isPhoto="0" userDrawn="0"/>
       </p:nvGrpSpPr>
-      <p:grpSpPr>
+      <p:grpSpPr bwMode="auto">
         <a:xfrm>
           <a:off x="0" y="0"/>
           <a:ext cx="0" cy="0"/>
@@ -435,20 +1544,23 @@
           <p:cNvSpPr>
             <a:spLocks noGrp="1"/>
           </p:cNvSpPr>
-          <p:nvPr>
-            <p:ph type="title"/>
-          </p:nvPr>
-        </p:nvSpPr>
-        <p:spPr/>
-        <p:txBody>
-          <a:bodyPr/>
-          <a:lstStyle/>
-          <a:p>
-            <a:r>
-              <a:rPr lang="en-US"/>
+          <p:nvPr isPhoto="0" userDrawn="0">
+            <p:ph type="title" hasCustomPrompt="0"/>
+          </p:nvPr>
+        </p:nvSpPr>
+        <p:spPr bwMode="auto"/>
+        <p:txBody>
+          <a:bodyPr/>
+          <a:lstStyle/>
+          <a:p>
+            <a:pPr>
+              <a:defRPr/>
+            </a:pPr>
+            <a:r>
+              <a:rPr/>
               <a:t>Click to edit Master title style</a:t>
             </a:r>
-            <a:endParaRPr lang="en-US" dirty="0"/>
+            <a:endParaRPr/>
           </a:p>
         </p:txBody>
       </p:sp>
@@ -458,49 +1570,63 @@
           <p:cNvSpPr>
             <a:spLocks noGrp="1"/>
           </p:cNvSpPr>
-          <p:nvPr>
-            <p:ph type="body" orient="vert" idx="1"/>
-          </p:nvPr>
-        </p:nvSpPr>
-        <p:spPr/>
+          <p:nvPr isPhoto="0" userDrawn="0">
+            <p:ph type="body" orient="vert" idx="1" hasCustomPrompt="0"/>
+          </p:nvPr>
+        </p:nvSpPr>
+        <p:spPr bwMode="auto"/>
         <p:txBody>
           <a:bodyPr vert="eaVert" anchor="t"/>
           <a:lstStyle/>
           <a:p>
-            <a:pPr lvl="0"/>
-            <a:r>
-              <a:rPr lang="en-US"/>
+            <a:pPr lvl="0">
+              <a:defRPr/>
+            </a:pPr>
+            <a:r>
+              <a:rPr/>
               <a:t>Edit Master text styles</a:t>
             </a:r>
-          </a:p>
-          <a:p>
-            <a:pPr lvl="1"/>
-            <a:r>
-              <a:rPr lang="en-US"/>
+            <a:endParaRPr/>
+          </a:p>
+          <a:p>
+            <a:pPr lvl="1">
+              <a:defRPr/>
+            </a:pPr>
+            <a:r>
+              <a:rPr/>
               <a:t>Second level</a:t>
             </a:r>
-          </a:p>
-          <a:p>
-            <a:pPr lvl="2"/>
-            <a:r>
-              <a:rPr lang="en-US"/>
+            <a:endParaRPr/>
+          </a:p>
+          <a:p>
+            <a:pPr lvl="2">
+              <a:defRPr/>
+            </a:pPr>
+            <a:r>
+              <a:rPr/>
               <a:t>Third level</a:t>
             </a:r>
-          </a:p>
-          <a:p>
-            <a:pPr lvl="3"/>
-            <a:r>
-              <a:rPr lang="en-US"/>
+            <a:endParaRPr/>
+          </a:p>
+          <a:p>
+            <a:pPr lvl="3">
+              <a:defRPr/>
+            </a:pPr>
+            <a:r>
+              <a:rPr/>
               <a:t>Fourth level</a:t>
             </a:r>
-          </a:p>
-          <a:p>
-            <a:pPr lvl="4"/>
-            <a:r>
-              <a:rPr lang="en-US"/>
+            <a:endParaRPr/>
+          </a:p>
+          <a:p>
+            <a:pPr lvl="4">
+              <a:defRPr/>
+            </a:pPr>
+            <a:r>
+              <a:rPr/>
               <a:t>Fifth level</a:t>
             </a:r>
-            <a:endParaRPr lang="en-US" dirty="0"/>
+            <a:endParaRPr/>
           </a:p>
         </p:txBody>
       </p:sp>
@@ -510,21 +1636,22 @@
           <p:cNvSpPr>
             <a:spLocks noGrp="1"/>
           </p:cNvSpPr>
-          <p:nvPr>
-            <p:ph type="dt" sz="half" idx="10"/>
-          </p:nvPr>
-        </p:nvSpPr>
-        <p:spPr/>
-        <p:txBody>
-          <a:bodyPr/>
-          <a:lstStyle/>
-          <a:p>
+          <p:nvPr isPhoto="0" userDrawn="0">
+            <p:ph type="dt" sz="half" idx="10" hasCustomPrompt="0"/>
+          </p:nvPr>
+        </p:nvSpPr>
+        <p:spPr bwMode="auto"/>
+        <p:txBody>
+          <a:bodyPr/>
+          <a:lstStyle/>
+          <a:p>
+            <a:pPr>
+              <a:defRPr/>
+            </a:pPr>
             <a:fld id="{5586B75A-687E-405C-8A0B-8D00578BA2C3}" type="datetimeFigureOut">
-              <a:rPr lang="en-US" dirty="0"/>
-              <a:pPr/>
               <a:t>3/6/2017</a:t>
             </a:fld>
-            <a:endParaRPr lang="en-US" dirty="0"/>
+            <a:endParaRPr/>
           </a:p>
         </p:txBody>
       </p:sp>
@@ -534,16 +1661,19 @@
           <p:cNvSpPr>
             <a:spLocks noGrp="1"/>
           </p:cNvSpPr>
-          <p:nvPr>
-            <p:ph type="ftr" sz="quarter" idx="11"/>
-          </p:nvPr>
-        </p:nvSpPr>
-        <p:spPr/>
-        <p:txBody>
-          <a:bodyPr/>
-          <a:lstStyle/>
-          <a:p>
-            <a:endParaRPr lang="en-US" dirty="0"/>
+          <p:nvPr isPhoto="0" userDrawn="0">
+            <p:ph type="ftr" sz="quarter" idx="11" hasCustomPrompt="0"/>
+          </p:nvPr>
+        </p:nvSpPr>
+        <p:spPr bwMode="auto"/>
+        <p:txBody>
+          <a:bodyPr/>
+          <a:lstStyle/>
+          <a:p>
+            <a:pPr>
+              <a:defRPr/>
+            </a:pPr>
+            <a:endParaRPr/>
           </a:p>
         </p:txBody>
       </p:sp>
@@ -553,21 +1683,22 @@
           <p:cNvSpPr>
             <a:spLocks noGrp="1"/>
           </p:cNvSpPr>
-          <p:nvPr>
-            <p:ph type="sldNum" sz="quarter" idx="12"/>
-          </p:nvPr>
-        </p:nvSpPr>
-        <p:spPr/>
-        <p:txBody>
-          <a:bodyPr/>
-          <a:lstStyle/>
-          <a:p>
+          <p:nvPr isPhoto="0" userDrawn="0">
+            <p:ph type="sldNum" sz="quarter" idx="12" hasCustomPrompt="0"/>
+          </p:nvPr>
+        </p:nvSpPr>
+        <p:spPr bwMode="auto"/>
+        <p:txBody>
+          <a:bodyPr/>
+          <a:lstStyle/>
+          <a:p>
+            <a:pPr>
+              <a:defRPr/>
+            </a:pPr>
             <a:fld id="{4FAB73BC-B049-4115-A692-8D63A059BFB8}" type="slidenum">
-              <a:rPr lang="en-US" dirty="0"/>
-              <a:pPr/>
               <a:t>‹#›</a:t>
             </a:fld>
-            <a:endParaRPr lang="en-US" dirty="0"/>
+            <a:endParaRPr/>
           </a:p>
         </p:txBody>
       </p:sp>
@@ -576,19 +1707,20 @@
   <p:clrMapOvr>
     <a:masterClrMapping/>
   </p:clrMapOvr>
+  <p:hf dt="1" ftr="1" hdr="1" sldNum="1"/>
 </p:sldLayout>
 </file>
 
 <file path=ppt/slideLayouts/slideLayout11.xml><?xml version="1.0" encoding="utf-8"?>
-<p:sldLayout xmlns:a="http://schemas.openxmlformats.org/drawingml/2006/main" xmlns:r="http://schemas.openxmlformats.org/officeDocument/2006/relationships" xmlns:p="http://schemas.openxmlformats.org/presentationml/2006/main" type="vertTitleAndTx" preserve="1">
+<p:sldLayout xmlns:a="http://schemas.openxmlformats.org/drawingml/2006/main" xmlns:r="http://schemas.openxmlformats.org/officeDocument/2006/relationships" xmlns:p="http://schemas.openxmlformats.org/presentationml/2006/main" xmlns:m="http://schemas.openxmlformats.org/officeDocument/2006/math" xmlns:w="http://schemas.openxmlformats.org/wordprocessingml/2006/main" matchingName="" preserve="1" showMasterPhAnim="0" type="vertTitleAndTx" userDrawn="1">
   <p:cSld name="Vertical Title and Text">
     <p:spTree>
       <p:nvGrpSpPr>
         <p:cNvPr id="1" name=""/>
         <p:cNvGrpSpPr/>
-        <p:nvPr/>
+        <p:nvPr isPhoto="0" userDrawn="0"/>
       </p:nvGrpSpPr>
-      <p:grpSpPr>
+      <p:grpSpPr bwMode="auto">
         <a:xfrm>
           <a:off x="0" y="0"/>
           <a:ext cx="0" cy="0"/>
@@ -602,11 +1734,11 @@
           <p:cNvSpPr>
             <a:spLocks noGrp="1"/>
           </p:cNvSpPr>
-          <p:nvPr>
-            <p:ph type="title" orient="vert"/>
-          </p:nvPr>
-        </p:nvSpPr>
-        <p:spPr>
+          <p:nvPr isPhoto="0" userDrawn="0">
+            <p:ph type="title" orient="vert" hasCustomPrompt="0"/>
+          </p:nvPr>
+        </p:nvSpPr>
+        <p:spPr bwMode="auto">
           <a:xfrm>
             <a:off x="381000" y="990600"/>
             <a:ext cx="2819400" cy="4953000"/>
@@ -616,11 +1748,14 @@
           <a:bodyPr vert="eaVert"/>
           <a:lstStyle/>
           <a:p>
-            <a:r>
-              <a:rPr lang="en-US"/>
+            <a:pPr>
+              <a:defRPr/>
+            </a:pPr>
+            <a:r>
+              <a:rPr/>
               <a:t>Click to edit Master title style</a:t>
             </a:r>
-            <a:endParaRPr lang="en-US" dirty="0"/>
+            <a:endParaRPr/>
           </a:p>
         </p:txBody>
       </p:sp>
@@ -630,13 +1765,13 @@
           <p:cNvSpPr>
             <a:spLocks noGrp="1"/>
           </p:cNvSpPr>
-          <p:nvPr>
-            <p:ph type="body" orient="vert" idx="1"/>
-          </p:nvPr>
-        </p:nvSpPr>
-        <p:spPr>
+          <p:nvPr isPhoto="0" userDrawn="0">
+            <p:ph type="body" orient="vert" idx="1" hasCustomPrompt="0"/>
+          </p:nvPr>
+        </p:nvSpPr>
+        <p:spPr bwMode="auto">
           <a:xfrm>
-            <a:off x="3867912" y="868680"/>
+            <a:off x="3867911" y="868680"/>
             <a:ext cx="7315200" cy="5120640"/>
           </a:xfrm>
         </p:spPr>
@@ -644,40 +1779,54 @@
           <a:bodyPr vert="eaVert" anchor="t"/>
           <a:lstStyle/>
           <a:p>
-            <a:pPr lvl="0"/>
-            <a:r>
-              <a:rPr lang="en-US"/>
+            <a:pPr lvl="0">
+              <a:defRPr/>
+            </a:pPr>
+            <a:r>
+              <a:rPr/>
               <a:t>Edit Master text styles</a:t>
             </a:r>
-          </a:p>
-          <a:p>
-            <a:pPr lvl="1"/>
-            <a:r>
-              <a:rPr lang="en-US"/>
+            <a:endParaRPr/>
+          </a:p>
+          <a:p>
+            <a:pPr lvl="1">
+              <a:defRPr/>
+            </a:pPr>
+            <a:r>
+              <a:rPr/>
               <a:t>Second level</a:t>
             </a:r>
-          </a:p>
-          <a:p>
-            <a:pPr lvl="2"/>
-            <a:r>
-              <a:rPr lang="en-US"/>
+            <a:endParaRPr/>
+          </a:p>
+          <a:p>
+            <a:pPr lvl="2">
+              <a:defRPr/>
+            </a:pPr>
+            <a:r>
+              <a:rPr/>
               <a:t>Third level</a:t>
             </a:r>
-          </a:p>
-          <a:p>
-            <a:pPr lvl="3"/>
-            <a:r>
-              <a:rPr lang="en-US"/>
+            <a:endParaRPr/>
+          </a:p>
+          <a:p>
+            <a:pPr lvl="3">
+              <a:defRPr/>
+            </a:pPr>
+            <a:r>
+              <a:rPr/>
               <a:t>Fourth level</a:t>
             </a:r>
-          </a:p>
-          <a:p>
-            <a:pPr lvl="4"/>
-            <a:r>
-              <a:rPr lang="en-US"/>
+            <a:endParaRPr/>
+          </a:p>
+          <a:p>
+            <a:pPr lvl="4">
+              <a:defRPr/>
+            </a:pPr>
+            <a:r>
+              <a:rPr/>
               <a:t>Fifth level</a:t>
             </a:r>
-            <a:endParaRPr lang="en-US" dirty="0"/>
+            <a:endParaRPr/>
           </a:p>
         </p:txBody>
       </p:sp>
@@ -687,21 +1836,22 @@
           <p:cNvSpPr>
             <a:spLocks noGrp="1"/>
           </p:cNvSpPr>
-          <p:nvPr>
-            <p:ph type="dt" sz="half" idx="10"/>
-          </p:nvPr>
-        </p:nvSpPr>
-        <p:spPr/>
-        <p:txBody>
-          <a:bodyPr/>
-          <a:lstStyle/>
-          <a:p>
+          <p:nvPr isPhoto="0" userDrawn="0">
+            <p:ph type="dt" sz="half" idx="10" hasCustomPrompt="0"/>
+          </p:nvPr>
+        </p:nvSpPr>
+        <p:spPr bwMode="auto"/>
+        <p:txBody>
+          <a:bodyPr/>
+          <a:lstStyle/>
+          <a:p>
+            <a:pPr>
+              <a:defRPr/>
+            </a:pPr>
             <a:fld id="{5586B75A-687E-405C-8A0B-8D00578BA2C3}" type="datetimeFigureOut">
-              <a:rPr lang="en-US" dirty="0"/>
-              <a:pPr/>
               <a:t>3/6/2017</a:t>
             </a:fld>
-            <a:endParaRPr lang="en-US" dirty="0"/>
+            <a:endParaRPr/>
           </a:p>
         </p:txBody>
       </p:sp>
@@ -711,16 +1861,19 @@
           <p:cNvSpPr>
             <a:spLocks noGrp="1"/>
           </p:cNvSpPr>
-          <p:nvPr>
-            <p:ph type="ftr" sz="quarter" idx="11"/>
-          </p:nvPr>
-        </p:nvSpPr>
-        <p:spPr/>
-        <p:txBody>
-          <a:bodyPr/>
-          <a:lstStyle/>
-          <a:p>
-            <a:endParaRPr lang="en-US" dirty="0"/>
+          <p:nvPr isPhoto="0" userDrawn="0">
+            <p:ph type="ftr" sz="quarter" idx="11" hasCustomPrompt="0"/>
+          </p:nvPr>
+        </p:nvSpPr>
+        <p:spPr bwMode="auto"/>
+        <p:txBody>
+          <a:bodyPr/>
+          <a:lstStyle/>
+          <a:p>
+            <a:pPr>
+              <a:defRPr/>
+            </a:pPr>
+            <a:endParaRPr/>
           </a:p>
         </p:txBody>
       </p:sp>
@@ -730,21 +1883,22 @@
           <p:cNvSpPr>
             <a:spLocks noGrp="1"/>
           </p:cNvSpPr>
-          <p:nvPr>
-            <p:ph type="sldNum" sz="quarter" idx="12"/>
-          </p:nvPr>
-        </p:nvSpPr>
-        <p:spPr/>
-        <p:txBody>
-          <a:bodyPr/>
-          <a:lstStyle/>
-          <a:p>
+          <p:nvPr isPhoto="0" userDrawn="0">
+            <p:ph type="sldNum" sz="quarter" idx="12" hasCustomPrompt="0"/>
+          </p:nvPr>
+        </p:nvSpPr>
+        <p:spPr bwMode="auto"/>
+        <p:txBody>
+          <a:bodyPr/>
+          <a:lstStyle/>
+          <a:p>
+            <a:pPr>
+              <a:defRPr/>
+            </a:pPr>
             <a:fld id="{4FAB73BC-B049-4115-A692-8D63A059BFB8}" type="slidenum">
-              <a:rPr lang="en-US" dirty="0"/>
-              <a:pPr/>
               <a:t>‹#›</a:t>
             </a:fld>
-            <a:endParaRPr lang="en-US" dirty="0"/>
+            <a:endParaRPr/>
           </a:p>
         </p:txBody>
       </p:sp>
@@ -753,19 +1907,20 @@
   <p:clrMapOvr>
     <a:masterClrMapping/>
   </p:clrMapOvr>
+  <p:hf dt="1" ftr="1" hdr="1" sldNum="1"/>
 </p:sldLayout>
 </file>
 
 <file path=ppt/slideLayouts/slideLayout2.xml><?xml version="1.0" encoding="utf-8"?>
-<p:sldLayout xmlns:a="http://schemas.openxmlformats.org/drawingml/2006/main" xmlns:r="http://schemas.openxmlformats.org/officeDocument/2006/relationships" xmlns:p="http://schemas.openxmlformats.org/presentationml/2006/main" type="obj" preserve="1">
+<p:sldLayout xmlns:a="http://schemas.openxmlformats.org/drawingml/2006/main" xmlns:r="http://schemas.openxmlformats.org/officeDocument/2006/relationships" xmlns:p="http://schemas.openxmlformats.org/presentationml/2006/main" xmlns:m="http://schemas.openxmlformats.org/officeDocument/2006/math" xmlns:w="http://schemas.openxmlformats.org/wordprocessingml/2006/main" matchingName="" preserve="1" showMasterPhAnim="0" type="obj" userDrawn="1">
   <p:cSld name="Title and Content">
     <p:spTree>
       <p:nvGrpSpPr>
         <p:cNvPr id="1" name=""/>
         <p:cNvGrpSpPr/>
-        <p:nvPr/>
+        <p:nvPr isPhoto="0" userDrawn="0"/>
       </p:nvGrpSpPr>
-      <p:grpSpPr>
+      <p:grpSpPr bwMode="auto">
         <a:xfrm>
           <a:off x="0" y="0"/>
           <a:ext cx="0" cy="0"/>
@@ -779,20 +1934,23 @@
           <p:cNvSpPr>
             <a:spLocks noGrp="1"/>
           </p:cNvSpPr>
-          <p:nvPr>
-            <p:ph type="title"/>
-          </p:nvPr>
-        </p:nvSpPr>
-        <p:spPr/>
-        <p:txBody>
-          <a:bodyPr/>
-          <a:lstStyle/>
-          <a:p>
-            <a:r>
-              <a:rPr lang="en-US"/>
+          <p:nvPr isPhoto="0" userDrawn="0">
+            <p:ph type="title" hasCustomPrompt="0"/>
+          </p:nvPr>
+        </p:nvSpPr>
+        <p:spPr bwMode="auto"/>
+        <p:txBody>
+          <a:bodyPr/>
+          <a:lstStyle/>
+          <a:p>
+            <a:pPr>
+              <a:defRPr/>
+            </a:pPr>
+            <a:r>
+              <a:rPr/>
               <a:t>Click to edit Master title style</a:t>
             </a:r>
-            <a:endParaRPr lang="en-US" dirty="0"/>
+            <a:endParaRPr/>
           </a:p>
         </p:txBody>
       </p:sp>
@@ -802,49 +1960,63 @@
           <p:cNvSpPr>
             <a:spLocks noGrp="1"/>
           </p:cNvSpPr>
-          <p:nvPr>
-            <p:ph idx="1"/>
-          </p:nvPr>
-        </p:nvSpPr>
-        <p:spPr/>
-        <p:txBody>
-          <a:bodyPr/>
-          <a:lstStyle/>
-          <a:p>
-            <a:pPr lvl="0"/>
-            <a:r>
-              <a:rPr lang="en-US"/>
+          <p:nvPr isPhoto="0" userDrawn="0">
+            <p:ph idx="1" hasCustomPrompt="0"/>
+          </p:nvPr>
+        </p:nvSpPr>
+        <p:spPr bwMode="auto"/>
+        <p:txBody>
+          <a:bodyPr/>
+          <a:lstStyle/>
+          <a:p>
+            <a:pPr lvl="0">
+              <a:defRPr/>
+            </a:pPr>
+            <a:r>
+              <a:rPr/>
               <a:t>Edit Master text styles</a:t>
             </a:r>
-          </a:p>
-          <a:p>
-            <a:pPr lvl="1"/>
-            <a:r>
-              <a:rPr lang="en-US"/>
+            <a:endParaRPr/>
+          </a:p>
+          <a:p>
+            <a:pPr lvl="1">
+              <a:defRPr/>
+            </a:pPr>
+            <a:r>
+              <a:rPr/>
               <a:t>Second level</a:t>
             </a:r>
-          </a:p>
-          <a:p>
-            <a:pPr lvl="2"/>
-            <a:r>
-              <a:rPr lang="en-US"/>
+            <a:endParaRPr/>
+          </a:p>
+          <a:p>
+            <a:pPr lvl="2">
+              <a:defRPr/>
+            </a:pPr>
+            <a:r>
+              <a:rPr/>
               <a:t>Third level</a:t>
             </a:r>
-          </a:p>
-          <a:p>
-            <a:pPr lvl="3"/>
-            <a:r>
-              <a:rPr lang="en-US"/>
+            <a:endParaRPr/>
+          </a:p>
+          <a:p>
+            <a:pPr lvl="3">
+              <a:defRPr/>
+            </a:pPr>
+            <a:r>
+              <a:rPr/>
               <a:t>Fourth level</a:t>
             </a:r>
-          </a:p>
-          <a:p>
-            <a:pPr lvl="4"/>
-            <a:r>
-              <a:rPr lang="en-US"/>
+            <a:endParaRPr/>
+          </a:p>
+          <a:p>
+            <a:pPr lvl="4">
+              <a:defRPr/>
+            </a:pPr>
+            <a:r>
+              <a:rPr/>
               <a:t>Fifth level</a:t>
             </a:r>
-            <a:endParaRPr lang="en-US" dirty="0"/>
+            <a:endParaRPr/>
           </a:p>
         </p:txBody>
       </p:sp>
@@ -854,21 +2026,22 @@
           <p:cNvSpPr>
             <a:spLocks noGrp="1"/>
           </p:cNvSpPr>
-          <p:nvPr>
-            <p:ph type="dt" sz="half" idx="10"/>
-          </p:nvPr>
-        </p:nvSpPr>
-        <p:spPr/>
-        <p:txBody>
-          <a:bodyPr/>
-          <a:lstStyle/>
-          <a:p>
+          <p:nvPr isPhoto="0" userDrawn="0">
+            <p:ph type="dt" sz="half" idx="10" hasCustomPrompt="0"/>
+          </p:nvPr>
+        </p:nvSpPr>
+        <p:spPr bwMode="auto"/>
+        <p:txBody>
+          <a:bodyPr/>
+          <a:lstStyle/>
+          <a:p>
+            <a:pPr>
+              <a:defRPr/>
+            </a:pPr>
             <a:fld id="{5586B75A-687E-405C-8A0B-8D00578BA2C3}" type="datetimeFigureOut">
-              <a:rPr lang="en-US" dirty="0"/>
-              <a:pPr/>
               <a:t>3/6/2017</a:t>
             </a:fld>
-            <a:endParaRPr lang="en-US" dirty="0"/>
+            <a:endParaRPr/>
           </a:p>
         </p:txBody>
       </p:sp>
@@ -878,16 +2051,19 @@
           <p:cNvSpPr>
             <a:spLocks noGrp="1"/>
           </p:cNvSpPr>
-          <p:nvPr>
-            <p:ph type="ftr" sz="quarter" idx="11"/>
-          </p:nvPr>
-        </p:nvSpPr>
-        <p:spPr/>
-        <p:txBody>
-          <a:bodyPr/>
-          <a:lstStyle/>
-          <a:p>
-            <a:endParaRPr lang="en-US" dirty="0"/>
+          <p:nvPr isPhoto="0" userDrawn="0">
+            <p:ph type="ftr" sz="quarter" idx="11" hasCustomPrompt="0"/>
+          </p:nvPr>
+        </p:nvSpPr>
+        <p:spPr bwMode="auto"/>
+        <p:txBody>
+          <a:bodyPr/>
+          <a:lstStyle/>
+          <a:p>
+            <a:pPr>
+              <a:defRPr/>
+            </a:pPr>
+            <a:endParaRPr/>
           </a:p>
         </p:txBody>
       </p:sp>
@@ -897,21 +2073,22 @@
           <p:cNvSpPr>
             <a:spLocks noGrp="1"/>
           </p:cNvSpPr>
-          <p:nvPr>
-            <p:ph type="sldNum" sz="quarter" idx="12"/>
-          </p:nvPr>
-        </p:nvSpPr>
-        <p:spPr/>
-        <p:txBody>
-          <a:bodyPr/>
-          <a:lstStyle/>
-          <a:p>
+          <p:nvPr isPhoto="0" userDrawn="0">
+            <p:ph type="sldNum" sz="quarter" idx="12" hasCustomPrompt="0"/>
+          </p:nvPr>
+        </p:nvSpPr>
+        <p:spPr bwMode="auto"/>
+        <p:txBody>
+          <a:bodyPr/>
+          <a:lstStyle/>
+          <a:p>
+            <a:pPr>
+              <a:defRPr/>
+            </a:pPr>
             <a:fld id="{4FAB73BC-B049-4115-A692-8D63A059BFB8}" type="slidenum">
-              <a:rPr lang="en-US" dirty="0"/>
-              <a:pPr/>
               <a:t>‹#›</a:t>
             </a:fld>
-            <a:endParaRPr lang="en-US" dirty="0"/>
+            <a:endParaRPr/>
           </a:p>
         </p:txBody>
       </p:sp>
@@ -920,19 +2097,20 @@
   <p:clrMapOvr>
     <a:masterClrMapping/>
   </p:clrMapOvr>
+  <p:hf dt="1" ftr="1" hdr="1" sldNum="1"/>
 </p:sldLayout>
 </file>
 
 <file path=ppt/slideLayouts/slideLayout3.xml><?xml version="1.0" encoding="utf-8"?>
-<p:sldLayout xmlns:a="http://schemas.openxmlformats.org/drawingml/2006/main" xmlns:r="http://schemas.openxmlformats.org/officeDocument/2006/relationships" xmlns:p="http://schemas.openxmlformats.org/presentationml/2006/main" type="secHead" preserve="1">
+<p:sldLayout xmlns:a="http://schemas.openxmlformats.org/drawingml/2006/main" xmlns:r="http://schemas.openxmlformats.org/officeDocument/2006/relationships" xmlns:p="http://schemas.openxmlformats.org/presentationml/2006/main" xmlns:m="http://schemas.openxmlformats.org/officeDocument/2006/math" xmlns:w="http://schemas.openxmlformats.org/wordprocessingml/2006/main" matchingName="" preserve="1" showMasterPhAnim="0" type="secHead" userDrawn="1">
   <p:cSld name="Section Header">
     <p:spTree>
       <p:nvGrpSpPr>
         <p:cNvPr id="1" name=""/>
         <p:cNvGrpSpPr/>
-        <p:nvPr/>
+        <p:nvPr isPhoto="0" userDrawn="0"/>
       </p:nvGrpSpPr>
-      <p:grpSpPr>
+      <p:grpSpPr bwMode="auto">
         <a:xfrm>
           <a:off x="0" y="0"/>
           <a:ext cx="0" cy="0"/>
@@ -946,13 +2124,13 @@
           <p:cNvSpPr>
             <a:spLocks noGrp="1"/>
           </p:cNvSpPr>
-          <p:nvPr>
-            <p:ph type="title"/>
-          </p:nvPr>
-        </p:nvSpPr>
-        <p:spPr>
+          <p:nvPr isPhoto="0" userDrawn="0">
+            <p:ph type="title" hasCustomPrompt="0"/>
+          </p:nvPr>
+        </p:nvSpPr>
+        <p:spPr bwMode="auto">
           <a:xfrm>
-            <a:off x="3867912" y="1298448"/>
+            <a:off x="3867911" y="1298448"/>
             <a:ext cx="7315200" cy="3255264"/>
           </a:xfrm>
         </p:spPr>
@@ -962,7 +2140,7 @@
           </a:bodyPr>
           <a:lstStyle>
             <a:lvl1pPr>
-              <a:defRPr sz="5900" b="0" spc="-100" baseline="0">
+              <a:defRPr sz="5900" b="0" spc="-100">
                 <a:solidFill>
                   <a:schemeClr val="tx1">
                     <a:lumMod val="65000"/>
@@ -973,11 +2151,14 @@
             </a:lvl1pPr>
           </a:lstStyle>
           <a:p>
-            <a:r>
-              <a:rPr lang="en-US"/>
+            <a:pPr>
+              <a:defRPr/>
+            </a:pPr>
+            <a:r>
+              <a:rPr/>
               <a:t>Click to edit Master title style</a:t>
             </a:r>
-            <a:endParaRPr lang="en-US" dirty="0"/>
+            <a:endParaRPr/>
           </a:p>
         </p:txBody>
       </p:sp>
@@ -987,11 +2168,11 @@
           <p:cNvSpPr>
             <a:spLocks noGrp="1"/>
           </p:cNvSpPr>
-          <p:nvPr>
-            <p:ph type="body" idx="1"/>
-          </p:nvPr>
-        </p:nvSpPr>
-        <p:spPr>
+          <p:nvPr isPhoto="0" userDrawn="0">
+            <p:ph type="body" idx="1" hasCustomPrompt="0"/>
+          </p:nvPr>
+        </p:nvSpPr>
+        <p:spPr bwMode="auto">
           <a:xfrm>
             <a:off x="3886200" y="4672584"/>
             <a:ext cx="7315200" cy="914400"/>
@@ -1004,7 +2185,7 @@
           <a:lstStyle>
             <a:lvl1pPr marL="0" indent="0">
               <a:buNone/>
-              <a:defRPr sz="2200" cap="none" spc="0" baseline="0">
+              <a:defRPr sz="2200" cap="none" spc="0">
                 <a:solidFill>
                   <a:schemeClr val="tx1">
                     <a:lumMod val="65000"/>
@@ -1095,11 +2276,14 @@
             </a:lvl9pPr>
           </a:lstStyle>
           <a:p>
-            <a:pPr lvl="0"/>
-            <a:r>
-              <a:rPr lang="en-US"/>
+            <a:pPr lvl="0">
+              <a:defRPr/>
+            </a:pPr>
+            <a:r>
+              <a:rPr/>
               <a:t>Edit Master text styles</a:t>
             </a:r>
+            <a:endParaRPr/>
           </a:p>
         </p:txBody>
       </p:sp>
@@ -1109,21 +2293,22 @@
           <p:cNvSpPr>
             <a:spLocks noGrp="1"/>
           </p:cNvSpPr>
-          <p:nvPr>
-            <p:ph type="dt" sz="half" idx="10"/>
-          </p:nvPr>
-        </p:nvSpPr>
-        <p:spPr/>
-        <p:txBody>
-          <a:bodyPr/>
-          <a:lstStyle/>
-          <a:p>
+          <p:nvPr isPhoto="0" userDrawn="0">
+            <p:ph type="dt" sz="half" idx="10" hasCustomPrompt="0"/>
+          </p:nvPr>
+        </p:nvSpPr>
+        <p:spPr bwMode="auto"/>
+        <p:txBody>
+          <a:bodyPr/>
+          <a:lstStyle/>
+          <a:p>
+            <a:pPr>
+              <a:defRPr/>
+            </a:pPr>
             <a:fld id="{5586B75A-687E-405C-8A0B-8D00578BA2C3}" type="datetimeFigureOut">
-              <a:rPr lang="en-US" dirty="0"/>
-              <a:pPr/>
               <a:t>3/6/2017</a:t>
             </a:fld>
-            <a:endParaRPr lang="en-US" dirty="0"/>
+            <a:endParaRPr/>
           </a:p>
         </p:txBody>
       </p:sp>
@@ -1133,16 +2318,19 @@
           <p:cNvSpPr>
             <a:spLocks noGrp="1"/>
           </p:cNvSpPr>
-          <p:nvPr>
-            <p:ph type="ftr" sz="quarter" idx="11"/>
-          </p:nvPr>
-        </p:nvSpPr>
-        <p:spPr/>
-        <p:txBody>
-          <a:bodyPr/>
-          <a:lstStyle/>
-          <a:p>
-            <a:endParaRPr lang="en-US" dirty="0"/>
+          <p:nvPr isPhoto="0" userDrawn="0">
+            <p:ph type="ftr" sz="quarter" idx="11" hasCustomPrompt="0"/>
+          </p:nvPr>
+        </p:nvSpPr>
+        <p:spPr bwMode="auto"/>
+        <p:txBody>
+          <a:bodyPr/>
+          <a:lstStyle/>
+          <a:p>
+            <a:pPr>
+              <a:defRPr/>
+            </a:pPr>
+            <a:endParaRPr/>
           </a:p>
         </p:txBody>
       </p:sp>
@@ -1152,21 +2340,22 @@
           <p:cNvSpPr>
             <a:spLocks noGrp="1"/>
           </p:cNvSpPr>
-          <p:nvPr>
-            <p:ph type="sldNum" sz="quarter" idx="12"/>
-          </p:nvPr>
-        </p:nvSpPr>
-        <p:spPr/>
-        <p:txBody>
-          <a:bodyPr/>
-          <a:lstStyle/>
-          <a:p>
+          <p:nvPr isPhoto="0" userDrawn="0">
+            <p:ph type="sldNum" sz="quarter" idx="12" hasCustomPrompt="0"/>
+          </p:nvPr>
+        </p:nvSpPr>
+        <p:spPr bwMode="auto"/>
+        <p:txBody>
+          <a:bodyPr/>
+          <a:lstStyle/>
+          <a:p>
+            <a:pPr>
+              <a:defRPr/>
+            </a:pPr>
             <a:fld id="{4FAB73BC-B049-4115-A692-8D63A059BFB8}" type="slidenum">
-              <a:rPr lang="en-US" dirty="0"/>
-              <a:pPr/>
               <a:t>‹#›</a:t>
             </a:fld>
-            <a:endParaRPr lang="en-US" dirty="0"/>
+            <a:endParaRPr/>
           </a:p>
         </p:txBody>
       </p:sp>
@@ -1175,19 +2364,20 @@
   <p:clrMapOvr>
     <a:masterClrMapping/>
   </p:clrMapOvr>
+  <p:hf dt="1" ftr="1" hdr="1" sldNum="1"/>
 </p:sldLayout>
 </file>
 
 <file path=ppt/slideLayouts/slideLayout4.xml><?xml version="1.0" encoding="utf-8"?>
-<p:sldLayout xmlns:a="http://schemas.openxmlformats.org/drawingml/2006/main" xmlns:r="http://schemas.openxmlformats.org/officeDocument/2006/relationships" xmlns:p="http://schemas.openxmlformats.org/presentationml/2006/main" type="twoObj" preserve="1">
+<p:sldLayout xmlns:a="http://schemas.openxmlformats.org/drawingml/2006/main" xmlns:r="http://schemas.openxmlformats.org/officeDocument/2006/relationships" xmlns:p="http://schemas.openxmlformats.org/presentationml/2006/main" xmlns:m="http://schemas.openxmlformats.org/officeDocument/2006/math" xmlns:w="http://schemas.openxmlformats.org/wordprocessingml/2006/main" matchingName="" preserve="1" showMasterPhAnim="0" type="twoObj" userDrawn="1">
   <p:cSld name="Two Content">
     <p:spTree>
       <p:nvGrpSpPr>
         <p:cNvPr id="1" name=""/>
         <p:cNvGrpSpPr/>
-        <p:nvPr/>
+        <p:nvPr isPhoto="0" userDrawn="0"/>
       </p:nvGrpSpPr>
-      <p:grpSpPr>
+      <p:grpSpPr bwMode="auto">
         <a:xfrm>
           <a:off x="0" y="0"/>
           <a:ext cx="0" cy="0"/>
@@ -1201,20 +2391,23 @@
           <p:cNvSpPr>
             <a:spLocks noGrp="1"/>
           </p:cNvSpPr>
-          <p:nvPr>
-            <p:ph type="title"/>
-          </p:nvPr>
-        </p:nvSpPr>
-        <p:spPr/>
-        <p:txBody>
-          <a:bodyPr/>
-          <a:lstStyle/>
-          <a:p>
-            <a:r>
-              <a:rPr lang="en-US"/>
+          <p:nvPr isPhoto="0" userDrawn="0">
+            <p:ph type="title" hasCustomPrompt="0"/>
+          </p:nvPr>
+        </p:nvSpPr>
+        <p:spPr bwMode="auto"/>
+        <p:txBody>
+          <a:bodyPr/>
+          <a:lstStyle/>
+          <a:p>
+            <a:pPr>
+              <a:defRPr/>
+            </a:pPr>
+            <a:r>
+              <a:rPr/>
               <a:t>Click to edit Master title style</a:t>
             </a:r>
-            <a:endParaRPr lang="en-US" dirty="0"/>
+            <a:endParaRPr/>
           </a:p>
         </p:txBody>
       </p:sp>
@@ -1224,13 +2417,13 @@
           <p:cNvSpPr>
             <a:spLocks noGrp="1"/>
           </p:cNvSpPr>
-          <p:nvPr>
-            <p:ph sz="half" idx="1"/>
-          </p:nvPr>
-        </p:nvSpPr>
-        <p:spPr>
+          <p:nvPr isPhoto="0" userDrawn="0">
+            <p:ph sz="half" idx="1" hasCustomPrompt="0"/>
+          </p:nvPr>
+        </p:nvSpPr>
+        <p:spPr bwMode="auto">
           <a:xfrm>
-            <a:off x="3867912" y="868680"/>
+            <a:off x="3867911" y="868680"/>
             <a:ext cx="3474720" cy="5120640"/>
           </a:xfrm>
         </p:spPr>
@@ -1266,40 +2459,54 @@
             </a:lvl9pPr>
           </a:lstStyle>
           <a:p>
-            <a:pPr lvl="0"/>
-            <a:r>
-              <a:rPr lang="en-US"/>
+            <a:pPr lvl="0">
+              <a:defRPr/>
+            </a:pPr>
+            <a:r>
+              <a:rPr/>
               <a:t>Edit Master text styles</a:t>
             </a:r>
-          </a:p>
-          <a:p>
-            <a:pPr lvl="1"/>
-            <a:r>
-              <a:rPr lang="en-US"/>
+            <a:endParaRPr/>
+          </a:p>
+          <a:p>
+            <a:pPr lvl="1">
+              <a:defRPr/>
+            </a:pPr>
+            <a:r>
+              <a:rPr/>
               <a:t>Second level</a:t>
             </a:r>
-          </a:p>
-          <a:p>
-            <a:pPr lvl="2"/>
-            <a:r>
-              <a:rPr lang="en-US"/>
+            <a:endParaRPr/>
+          </a:p>
+          <a:p>
+            <a:pPr lvl="2">
+              <a:defRPr/>
+            </a:pPr>
+            <a:r>
+              <a:rPr/>
               <a:t>Third level</a:t>
             </a:r>
-          </a:p>
-          <a:p>
-            <a:pPr lvl="3"/>
-            <a:r>
-              <a:rPr lang="en-US"/>
+            <a:endParaRPr/>
+          </a:p>
+          <a:p>
+            <a:pPr lvl="3">
+              <a:defRPr/>
+            </a:pPr>
+            <a:r>
+              <a:rPr/>
               <a:t>Fourth level</a:t>
             </a:r>
-          </a:p>
-          <a:p>
-            <a:pPr lvl="4"/>
-            <a:r>
-              <a:rPr lang="en-US"/>
+            <a:endParaRPr/>
+          </a:p>
+          <a:p>
+            <a:pPr lvl="4">
+              <a:defRPr/>
+            </a:pPr>
+            <a:r>
+              <a:rPr/>
               <a:t>Fifth level</a:t>
             </a:r>
-            <a:endParaRPr lang="en-US" dirty="0"/>
+            <a:endParaRPr/>
           </a:p>
         </p:txBody>
       </p:sp>
@@ -1309,11 +2516,11 @@
           <p:cNvSpPr>
             <a:spLocks noGrp="1"/>
           </p:cNvSpPr>
-          <p:nvPr>
-            <p:ph sz="half" idx="2"/>
-          </p:nvPr>
-        </p:nvSpPr>
-        <p:spPr>
+          <p:nvPr isPhoto="0" userDrawn="0">
+            <p:ph sz="half" idx="2" hasCustomPrompt="0"/>
+          </p:nvPr>
+        </p:nvSpPr>
+        <p:spPr bwMode="auto">
           <a:xfrm>
             <a:off x="7818120" y="868680"/>
             <a:ext cx="3474720" cy="5120640"/>
@@ -1351,40 +2558,54 @@
             </a:lvl9pPr>
           </a:lstStyle>
           <a:p>
-            <a:pPr lvl="0"/>
-            <a:r>
-              <a:rPr lang="en-US"/>
+            <a:pPr lvl="0">
+              <a:defRPr/>
+            </a:pPr>
+            <a:r>
+              <a:rPr/>
               <a:t>Edit Master text styles</a:t>
             </a:r>
-          </a:p>
-          <a:p>
-            <a:pPr lvl="1"/>
-            <a:r>
-              <a:rPr lang="en-US"/>
+            <a:endParaRPr/>
+          </a:p>
+          <a:p>
+            <a:pPr lvl="1">
+              <a:defRPr/>
+            </a:pPr>
+            <a:r>
+              <a:rPr/>
               <a:t>Second level</a:t>
             </a:r>
-          </a:p>
-          <a:p>
-            <a:pPr lvl="2"/>
-            <a:r>
-              <a:rPr lang="en-US"/>
+            <a:endParaRPr/>
+          </a:p>
+          <a:p>
+            <a:pPr lvl="2">
+              <a:defRPr/>
+            </a:pPr>
+            <a:r>
+              <a:rPr/>
               <a:t>Third level</a:t>
             </a:r>
-          </a:p>
-          <a:p>
-            <a:pPr lvl="3"/>
-            <a:r>
-              <a:rPr lang="en-US"/>
+            <a:endParaRPr/>
+          </a:p>
+          <a:p>
+            <a:pPr lvl="3">
+              <a:defRPr/>
+            </a:pPr>
+            <a:r>
+              <a:rPr/>
               <a:t>Fourth level</a:t>
             </a:r>
-          </a:p>
-          <a:p>
-            <a:pPr lvl="4"/>
-            <a:r>
-              <a:rPr lang="en-US"/>
+            <a:endParaRPr/>
+          </a:p>
+          <a:p>
+            <a:pPr lvl="4">
+              <a:defRPr/>
+            </a:pPr>
+            <a:r>
+              <a:rPr/>
               <a:t>Fifth level</a:t>
             </a:r>
-            <a:endParaRPr lang="en-US" dirty="0"/>
+            <a:endParaRPr/>
           </a:p>
         </p:txBody>
       </p:sp>
@@ -1394,21 +2615,22 @@
           <p:cNvSpPr>
             <a:spLocks noGrp="1"/>
           </p:cNvSpPr>
-          <p:nvPr>
-            <p:ph type="dt" sz="half" idx="10"/>
-          </p:nvPr>
-        </p:nvSpPr>
-        <p:spPr/>
-        <p:txBody>
-          <a:bodyPr/>
-          <a:lstStyle/>
-          <a:p>
+          <p:nvPr isPhoto="0" userDrawn="0">
+            <p:ph type="dt" sz="half" idx="10" hasCustomPrompt="0"/>
+          </p:nvPr>
+        </p:nvSpPr>
+        <p:spPr bwMode="auto"/>
+        <p:txBody>
+          <a:bodyPr/>
+          <a:lstStyle/>
+          <a:p>
+            <a:pPr>
+              <a:defRPr/>
+            </a:pPr>
             <a:fld id="{5586B75A-687E-405C-8A0B-8D00578BA2C3}" type="datetimeFigureOut">
-              <a:rPr lang="en-US" dirty="0"/>
-              <a:pPr/>
               <a:t>3/6/2017</a:t>
             </a:fld>
-            <a:endParaRPr lang="en-US" dirty="0"/>
+            <a:endParaRPr/>
           </a:p>
         </p:txBody>
       </p:sp>
@@ -1418,16 +2640,19 @@
           <p:cNvSpPr>
             <a:spLocks noGrp="1"/>
           </p:cNvSpPr>
-          <p:nvPr>
-            <p:ph type="ftr" sz="quarter" idx="11"/>
-          </p:nvPr>
-        </p:nvSpPr>
-        <p:spPr/>
-        <p:txBody>
-          <a:bodyPr/>
-          <a:lstStyle/>
-          <a:p>
-            <a:endParaRPr lang="en-US" dirty="0"/>
+          <p:nvPr isPhoto="0" userDrawn="0">
+            <p:ph type="ftr" sz="quarter" idx="11" hasCustomPrompt="0"/>
+          </p:nvPr>
+        </p:nvSpPr>
+        <p:spPr bwMode="auto"/>
+        <p:txBody>
+          <a:bodyPr/>
+          <a:lstStyle/>
+          <a:p>
+            <a:pPr>
+              <a:defRPr/>
+            </a:pPr>
+            <a:endParaRPr/>
           </a:p>
         </p:txBody>
       </p:sp>
@@ -1437,21 +2662,22 @@
           <p:cNvSpPr>
             <a:spLocks noGrp="1"/>
           </p:cNvSpPr>
-          <p:nvPr>
-            <p:ph type="sldNum" sz="quarter" idx="12"/>
-          </p:nvPr>
-        </p:nvSpPr>
-        <p:spPr/>
-        <p:txBody>
-          <a:bodyPr/>
-          <a:lstStyle/>
-          <a:p>
+          <p:nvPr isPhoto="0" userDrawn="0">
+            <p:ph type="sldNum" sz="quarter" idx="12" hasCustomPrompt="0"/>
+          </p:nvPr>
+        </p:nvSpPr>
+        <p:spPr bwMode="auto"/>
+        <p:txBody>
+          <a:bodyPr/>
+          <a:lstStyle/>
+          <a:p>
+            <a:pPr>
+              <a:defRPr/>
+            </a:pPr>
             <a:fld id="{4FAB73BC-B049-4115-A692-8D63A059BFB8}" type="slidenum">
-              <a:rPr lang="en-US" dirty="0"/>
-              <a:pPr/>
               <a:t>‹#›</a:t>
             </a:fld>
-            <a:endParaRPr lang="en-US" dirty="0"/>
+            <a:endParaRPr/>
           </a:p>
         </p:txBody>
       </p:sp>
@@ -1460,19 +2686,20 @@
   <p:clrMapOvr>
     <a:masterClrMapping/>
   </p:clrMapOvr>
+  <p:hf dt="1" ftr="1" hdr="1" sldNum="1"/>
 </p:sldLayout>
 </file>
 
 <file path=ppt/slideLayouts/slideLayout5.xml><?xml version="1.0" encoding="utf-8"?>
-<p:sldLayout xmlns:a="http://schemas.openxmlformats.org/drawingml/2006/main" xmlns:r="http://schemas.openxmlformats.org/officeDocument/2006/relationships" xmlns:p="http://schemas.openxmlformats.org/presentationml/2006/main" type="twoTxTwoObj" preserve="1">
+<p:sldLayout xmlns:a="http://schemas.openxmlformats.org/drawingml/2006/main" xmlns:r="http://schemas.openxmlformats.org/officeDocument/2006/relationships" xmlns:p="http://schemas.openxmlformats.org/presentationml/2006/main" xmlns:m="http://schemas.openxmlformats.org/officeDocument/2006/math" xmlns:w="http://schemas.openxmlformats.org/wordprocessingml/2006/main" matchingName="" preserve="1" showMasterPhAnim="0" type="twoTxTwoObj" userDrawn="1">
   <p:cSld name="Comparison">
     <p:spTree>
       <p:nvGrpSpPr>
         <p:cNvPr id="1" name=""/>
         <p:cNvGrpSpPr/>
-        <p:nvPr/>
+        <p:nvPr isPhoto="0" userDrawn="0"/>
       </p:nvGrpSpPr>
-      <p:grpSpPr>
+      <p:grpSpPr bwMode="auto">
         <a:xfrm>
           <a:off x="0" y="0"/>
           <a:ext cx="0" cy="0"/>
@@ -1486,20 +2713,23 @@
           <p:cNvSpPr>
             <a:spLocks noGrp="1"/>
           </p:cNvSpPr>
-          <p:nvPr>
-            <p:ph type="title"/>
-          </p:nvPr>
-        </p:nvSpPr>
-        <p:spPr/>
-        <p:txBody>
-          <a:bodyPr/>
-          <a:lstStyle/>
-          <a:p>
-            <a:r>
-              <a:rPr lang="en-US"/>
+          <p:nvPr isPhoto="0" userDrawn="0">
+            <p:ph type="title" hasCustomPrompt="0"/>
+          </p:nvPr>
+        </p:nvSpPr>
+        <p:spPr bwMode="auto"/>
+        <p:txBody>
+          <a:bodyPr/>
+          <a:lstStyle/>
+          <a:p>
+            <a:pPr>
+              <a:defRPr/>
+            </a:pPr>
+            <a:r>
+              <a:rPr/>
               <a:t>Click to edit Master title style</a:t>
             </a:r>
-            <a:endParaRPr lang="en-US" dirty="0"/>
+            <a:endParaRPr/>
           </a:p>
         </p:txBody>
       </p:sp>
@@ -1509,13 +2739,13 @@
           <p:cNvSpPr>
             <a:spLocks noGrp="1"/>
           </p:cNvSpPr>
-          <p:nvPr>
-            <p:ph type="body" idx="1"/>
-          </p:nvPr>
-        </p:nvSpPr>
-        <p:spPr>
+          <p:nvPr isPhoto="0" userDrawn="0">
+            <p:ph type="body" idx="1" hasCustomPrompt="0"/>
+          </p:nvPr>
+        </p:nvSpPr>
+        <p:spPr bwMode="auto">
           <a:xfrm>
-            <a:off x="3867912" y="1023586"/>
+            <a:off x="3867911" y="1023586"/>
             <a:ext cx="3474720" cy="807720"/>
           </a:xfrm>
         </p:spPr>
@@ -1572,11 +2802,14 @@
             </a:lvl9pPr>
           </a:lstStyle>
           <a:p>
-            <a:pPr lvl="0"/>
-            <a:r>
-              <a:rPr lang="en-US"/>
+            <a:pPr lvl="0">
+              <a:defRPr/>
+            </a:pPr>
+            <a:r>
+              <a:rPr/>
               <a:t>Edit Master text styles</a:t>
             </a:r>
+            <a:endParaRPr/>
           </a:p>
         </p:txBody>
       </p:sp>
@@ -1586,13 +2819,13 @@
           <p:cNvSpPr>
             <a:spLocks noGrp="1"/>
           </p:cNvSpPr>
-          <p:nvPr>
-            <p:ph sz="half" idx="2"/>
-          </p:nvPr>
-        </p:nvSpPr>
-        <p:spPr>
+          <p:nvPr isPhoto="0" userDrawn="0">
+            <p:ph sz="half" idx="2" hasCustomPrompt="0"/>
+          </p:nvPr>
+        </p:nvSpPr>
+        <p:spPr bwMode="auto">
           <a:xfrm>
-            <a:off x="3867912" y="1930936"/>
+            <a:off x="3867911" y="1930936"/>
             <a:ext cx="3474720" cy="4023360"/>
           </a:xfrm>
         </p:spPr>
@@ -1628,40 +2861,54 @@
             </a:lvl9pPr>
           </a:lstStyle>
           <a:p>
-            <a:pPr lvl="0"/>
-            <a:r>
-              <a:rPr lang="en-US"/>
+            <a:pPr lvl="0">
+              <a:defRPr/>
+            </a:pPr>
+            <a:r>
+              <a:rPr/>
               <a:t>Edit Master text styles</a:t>
             </a:r>
-          </a:p>
-          <a:p>
-            <a:pPr lvl="1"/>
-            <a:r>
-              <a:rPr lang="en-US"/>
+            <a:endParaRPr/>
+          </a:p>
+          <a:p>
+            <a:pPr lvl="1">
+              <a:defRPr/>
+            </a:pPr>
+            <a:r>
+              <a:rPr/>
               <a:t>Second level</a:t>
             </a:r>
-          </a:p>
-          <a:p>
-            <a:pPr lvl="2"/>
-            <a:r>
-              <a:rPr lang="en-US"/>
+            <a:endParaRPr/>
+          </a:p>
+          <a:p>
+            <a:pPr lvl="2">
+              <a:defRPr/>
+            </a:pPr>
+            <a:r>
+              <a:rPr/>
               <a:t>Third level</a:t>
             </a:r>
-          </a:p>
-          <a:p>
-            <a:pPr lvl="3"/>
-            <a:r>
-              <a:rPr lang="en-US"/>
+            <a:endParaRPr/>
+          </a:p>
+          <a:p>
+            <a:pPr lvl="3">
+              <a:defRPr/>
+            </a:pPr>
+            <a:r>
+              <a:rPr/>
               <a:t>Fourth level</a:t>
             </a:r>
-          </a:p>
-          <a:p>
-            <a:pPr lvl="4"/>
-            <a:r>
-              <a:rPr lang="en-US"/>
+            <a:endParaRPr/>
+          </a:p>
+          <a:p>
+            <a:pPr lvl="4">
+              <a:defRPr/>
+            </a:pPr>
+            <a:r>
+              <a:rPr/>
               <a:t>Fifth level</a:t>
             </a:r>
-            <a:endParaRPr lang="en-US" dirty="0"/>
+            <a:endParaRPr/>
           </a:p>
         </p:txBody>
       </p:sp>
@@ -1671,13 +2918,13 @@
           <p:cNvSpPr>
             <a:spLocks noGrp="1"/>
           </p:cNvSpPr>
-          <p:nvPr>
-            <p:ph type="body" sz="quarter" idx="3"/>
-          </p:nvPr>
-        </p:nvSpPr>
-        <p:spPr>
+          <p:nvPr isPhoto="0" userDrawn="0">
+            <p:ph type="body" sz="quarter" idx="3" hasCustomPrompt="0"/>
+          </p:nvPr>
+        </p:nvSpPr>
+        <p:spPr bwMode="auto">
           <a:xfrm>
-            <a:off x="7818463" y="1023586"/>
+            <a:off x="7818462" y="1023586"/>
             <a:ext cx="3474720" cy="813171"/>
           </a:xfrm>
         </p:spPr>
@@ -1734,11 +2981,14 @@
             </a:lvl9pPr>
           </a:lstStyle>
           <a:p>
-            <a:pPr lvl="0"/>
-            <a:r>
-              <a:rPr lang="en-US"/>
+            <a:pPr lvl="0">
+              <a:defRPr/>
+            </a:pPr>
+            <a:r>
+              <a:rPr/>
               <a:t>Edit Master text styles</a:t>
             </a:r>
+            <a:endParaRPr/>
           </a:p>
         </p:txBody>
       </p:sp>
@@ -1748,13 +2998,13 @@
           <p:cNvSpPr>
             <a:spLocks noGrp="1"/>
           </p:cNvSpPr>
-          <p:nvPr>
-            <p:ph sz="quarter" idx="4"/>
-          </p:nvPr>
-        </p:nvSpPr>
-        <p:spPr>
+          <p:nvPr isPhoto="0" userDrawn="0">
+            <p:ph sz="quarter" idx="4" hasCustomPrompt="0"/>
+          </p:nvPr>
+        </p:nvSpPr>
+        <p:spPr bwMode="auto">
           <a:xfrm>
-            <a:off x="7818463" y="1930936"/>
+            <a:off x="7818462" y="1930936"/>
             <a:ext cx="3474720" cy="4023360"/>
           </a:xfrm>
         </p:spPr>
@@ -1790,40 +3040,54 @@
             </a:lvl9pPr>
           </a:lstStyle>
           <a:p>
-            <a:pPr lvl="0"/>
-            <a:r>
-              <a:rPr lang="en-US"/>
+            <a:pPr lvl="0">
+              <a:defRPr/>
+            </a:pPr>
+            <a:r>
+              <a:rPr/>
               <a:t>Edit Master text styles</a:t>
             </a:r>
-          </a:p>
-          <a:p>
-            <a:pPr lvl="1"/>
-            <a:r>
-              <a:rPr lang="en-US"/>
+            <a:endParaRPr/>
+          </a:p>
+          <a:p>
+            <a:pPr lvl="1">
+              <a:defRPr/>
+            </a:pPr>
+            <a:r>
+              <a:rPr/>
               <a:t>Second level</a:t>
             </a:r>
-          </a:p>
-          <a:p>
-            <a:pPr lvl="2"/>
-            <a:r>
-              <a:rPr lang="en-US"/>
+            <a:endParaRPr/>
+          </a:p>
+          <a:p>
+            <a:pPr lvl="2">
+              <a:defRPr/>
+            </a:pPr>
+            <a:r>
+              <a:rPr/>
               <a:t>Third level</a:t>
             </a:r>
-          </a:p>
-          <a:p>
-            <a:pPr lvl="3"/>
-            <a:r>
-              <a:rPr lang="en-US"/>
+            <a:endParaRPr/>
+          </a:p>
+          <a:p>
+            <a:pPr lvl="3">
+              <a:defRPr/>
+            </a:pPr>
+            <a:r>
+              <a:rPr/>
               <a:t>Fourth level</a:t>
             </a:r>
-          </a:p>
-          <a:p>
-            <a:pPr lvl="4"/>
-            <a:r>
-              <a:rPr lang="en-US"/>
+            <a:endParaRPr/>
+          </a:p>
+          <a:p>
+            <a:pPr lvl="4">
+              <a:defRPr/>
+            </a:pPr>
+            <a:r>
+              <a:rPr/>
               <a:t>Fifth level</a:t>
             </a:r>
-            <a:endParaRPr lang="en-US" dirty="0"/>
+            <a:endParaRPr/>
           </a:p>
         </p:txBody>
       </p:sp>
@@ -1833,21 +3097,22 @@
           <p:cNvSpPr>
             <a:spLocks noGrp="1"/>
           </p:cNvSpPr>
-          <p:nvPr>
-            <p:ph type="dt" sz="half" idx="10"/>
-          </p:nvPr>
-        </p:nvSpPr>
-        <p:spPr/>
-        <p:txBody>
-          <a:bodyPr/>
-          <a:lstStyle/>
-          <a:p>
+          <p:nvPr isPhoto="0" userDrawn="0">
+            <p:ph type="dt" sz="half" idx="10" hasCustomPrompt="0"/>
+          </p:nvPr>
+        </p:nvSpPr>
+        <p:spPr bwMode="auto"/>
+        <p:txBody>
+          <a:bodyPr/>
+          <a:lstStyle/>
+          <a:p>
+            <a:pPr>
+              <a:defRPr/>
+            </a:pPr>
             <a:fld id="{5586B75A-687E-405C-8A0B-8D00578BA2C3}" type="datetimeFigureOut">
-              <a:rPr lang="en-US" dirty="0"/>
-              <a:pPr/>
               <a:t>3/6/2017</a:t>
             </a:fld>
-            <a:endParaRPr lang="en-US" dirty="0"/>
+            <a:endParaRPr/>
           </a:p>
         </p:txBody>
       </p:sp>
@@ -1857,16 +3122,19 @@
           <p:cNvSpPr>
             <a:spLocks noGrp="1"/>
           </p:cNvSpPr>
-          <p:nvPr>
-            <p:ph type="ftr" sz="quarter" idx="11"/>
-          </p:nvPr>
-        </p:nvSpPr>
-        <p:spPr/>
-        <p:txBody>
-          <a:bodyPr/>
-          <a:lstStyle/>
-          <a:p>
-            <a:endParaRPr lang="en-US" dirty="0"/>
+          <p:nvPr isPhoto="0" userDrawn="0">
+            <p:ph type="ftr" sz="quarter" idx="11" hasCustomPrompt="0"/>
+          </p:nvPr>
+        </p:nvSpPr>
+        <p:spPr bwMode="auto"/>
+        <p:txBody>
+          <a:bodyPr/>
+          <a:lstStyle/>
+          <a:p>
+            <a:pPr>
+              <a:defRPr/>
+            </a:pPr>
+            <a:endParaRPr/>
           </a:p>
         </p:txBody>
       </p:sp>
@@ -1876,21 +3144,22 @@
           <p:cNvSpPr>
             <a:spLocks noGrp="1"/>
           </p:cNvSpPr>
-          <p:nvPr>
-            <p:ph type="sldNum" sz="quarter" idx="12"/>
-          </p:nvPr>
-        </p:nvSpPr>
-        <p:spPr/>
-        <p:txBody>
-          <a:bodyPr/>
-          <a:lstStyle/>
-          <a:p>
+          <p:nvPr isPhoto="0" userDrawn="0">
+            <p:ph type="sldNum" sz="quarter" idx="12" hasCustomPrompt="0"/>
+          </p:nvPr>
+        </p:nvSpPr>
+        <p:spPr bwMode="auto"/>
+        <p:txBody>
+          <a:bodyPr/>
+          <a:lstStyle/>
+          <a:p>
+            <a:pPr>
+              <a:defRPr/>
+            </a:pPr>
             <a:fld id="{4FAB73BC-B049-4115-A692-8D63A059BFB8}" type="slidenum">
-              <a:rPr lang="en-US" dirty="0"/>
-              <a:pPr/>
               <a:t>‹#›</a:t>
             </a:fld>
-            <a:endParaRPr lang="en-US" dirty="0"/>
+            <a:endParaRPr/>
           </a:p>
         </p:txBody>
       </p:sp>
@@ -1899,19 +3168,20 @@
   <p:clrMapOvr>
     <a:masterClrMapping/>
   </p:clrMapOvr>
+  <p:hf dt="1" ftr="1" hdr="1" sldNum="1"/>
 </p:sldLayout>
 </file>
 
 <file path=ppt/slideLayouts/slideLayout6.xml><?xml version="1.0" encoding="utf-8"?>
-<p:sldLayout xmlns:a="http://schemas.openxmlformats.org/drawingml/2006/main" xmlns:r="http://schemas.openxmlformats.org/officeDocument/2006/relationships" xmlns:p="http://schemas.openxmlformats.org/presentationml/2006/main" type="titleOnly" preserve="1">
+<p:sldLayout xmlns:a="http://schemas.openxmlformats.org/drawingml/2006/main" xmlns:r="http://schemas.openxmlformats.org/officeDocument/2006/relationships" xmlns:p="http://schemas.openxmlformats.org/presentationml/2006/main" xmlns:m="http://schemas.openxmlformats.org/officeDocument/2006/math" xmlns:w="http://schemas.openxmlformats.org/wordprocessingml/2006/main" matchingName="" preserve="1" showMasterPhAnim="0" type="titleOnly" userDrawn="1">
   <p:cSld name="Title Only">
     <p:spTree>
       <p:nvGrpSpPr>
         <p:cNvPr id="1" name=""/>
         <p:cNvGrpSpPr/>
-        <p:nvPr/>
+        <p:nvPr isPhoto="0" userDrawn="0"/>
       </p:nvGrpSpPr>
-      <p:grpSpPr>
+      <p:grpSpPr bwMode="auto">
         <a:xfrm>
           <a:off x="0" y="0"/>
           <a:ext cx="0" cy="0"/>
@@ -1925,20 +3195,23 @@
           <p:cNvSpPr>
             <a:spLocks noGrp="1"/>
           </p:cNvSpPr>
-          <p:nvPr>
-            <p:ph type="title"/>
-          </p:nvPr>
-        </p:nvSpPr>
-        <p:spPr/>
-        <p:txBody>
-          <a:bodyPr/>
-          <a:lstStyle/>
-          <a:p>
-            <a:r>
-              <a:rPr lang="en-US"/>
+          <p:nvPr isPhoto="0" userDrawn="0">
+            <p:ph type="title" hasCustomPrompt="0"/>
+          </p:nvPr>
+        </p:nvSpPr>
+        <p:spPr bwMode="auto"/>
+        <p:txBody>
+          <a:bodyPr/>
+          <a:lstStyle/>
+          <a:p>
+            <a:pPr>
+              <a:defRPr/>
+            </a:pPr>
+            <a:r>
+              <a:rPr/>
               <a:t>Click to edit Master title style</a:t>
             </a:r>
-            <a:endParaRPr lang="en-US" dirty="0"/>
+            <a:endParaRPr/>
           </a:p>
         </p:txBody>
       </p:sp>
@@ -1948,21 +3221,22 @@
           <p:cNvSpPr>
             <a:spLocks noGrp="1"/>
           </p:cNvSpPr>
-          <p:nvPr>
-            <p:ph type="dt" sz="half" idx="10"/>
-          </p:nvPr>
-        </p:nvSpPr>
-        <p:spPr/>
-        <p:txBody>
-          <a:bodyPr/>
-          <a:lstStyle/>
-          <a:p>
+          <p:nvPr isPhoto="0" userDrawn="0">
+            <p:ph type="dt" sz="half" idx="10" hasCustomPrompt="0"/>
+          </p:nvPr>
+        </p:nvSpPr>
+        <p:spPr bwMode="auto"/>
+        <p:txBody>
+          <a:bodyPr/>
+          <a:lstStyle/>
+          <a:p>
+            <a:pPr>
+              <a:defRPr/>
+            </a:pPr>
             <a:fld id="{5586B75A-687E-405C-8A0B-8D00578BA2C3}" type="datetimeFigureOut">
-              <a:rPr lang="en-US" dirty="0"/>
-              <a:pPr/>
               <a:t>3/6/2017</a:t>
             </a:fld>
-            <a:endParaRPr lang="en-US" dirty="0"/>
+            <a:endParaRPr/>
           </a:p>
         </p:txBody>
       </p:sp>
@@ -1972,16 +3246,19 @@
           <p:cNvSpPr>
             <a:spLocks noGrp="1"/>
           </p:cNvSpPr>
-          <p:nvPr>
-            <p:ph type="ftr" sz="quarter" idx="11"/>
-          </p:nvPr>
-        </p:nvSpPr>
-        <p:spPr/>
-        <p:txBody>
-          <a:bodyPr/>
-          <a:lstStyle/>
-          <a:p>
-            <a:endParaRPr lang="en-US" dirty="0"/>
+          <p:nvPr isPhoto="0" userDrawn="0">
+            <p:ph type="ftr" sz="quarter" idx="11" hasCustomPrompt="0"/>
+          </p:nvPr>
+        </p:nvSpPr>
+        <p:spPr bwMode="auto"/>
+        <p:txBody>
+          <a:bodyPr/>
+          <a:lstStyle/>
+          <a:p>
+            <a:pPr>
+              <a:defRPr/>
+            </a:pPr>
+            <a:endParaRPr/>
           </a:p>
         </p:txBody>
       </p:sp>
@@ -1991,21 +3268,22 @@
           <p:cNvSpPr>
             <a:spLocks noGrp="1"/>
           </p:cNvSpPr>
-          <p:nvPr>
-            <p:ph type="sldNum" sz="quarter" idx="12"/>
-          </p:nvPr>
-        </p:nvSpPr>
-        <p:spPr/>
-        <p:txBody>
-          <a:bodyPr/>
-          <a:lstStyle/>
-          <a:p>
+          <p:nvPr isPhoto="0" userDrawn="0">
+            <p:ph type="sldNum" sz="quarter" idx="12" hasCustomPrompt="0"/>
+          </p:nvPr>
+        </p:nvSpPr>
+        <p:spPr bwMode="auto"/>
+        <p:txBody>
+          <a:bodyPr/>
+          <a:lstStyle/>
+          <a:p>
+            <a:pPr>
+              <a:defRPr/>
+            </a:pPr>
             <a:fld id="{4FAB73BC-B049-4115-A692-8D63A059BFB8}" type="slidenum">
-              <a:rPr lang="en-US" dirty="0"/>
-              <a:pPr/>
               <a:t>‹#›</a:t>
             </a:fld>
-            <a:endParaRPr lang="en-US" dirty="0"/>
+            <a:endParaRPr/>
           </a:p>
         </p:txBody>
       </p:sp>
@@ -2014,19 +3292,20 @@
   <p:clrMapOvr>
     <a:masterClrMapping/>
   </p:clrMapOvr>
+  <p:hf dt="1" ftr="1" hdr="1" sldNum="1"/>
 </p:sldLayout>
 </file>
 
 <file path=ppt/slideLayouts/slideLayout7.xml><?xml version="1.0" encoding="utf-8"?>
-<p:sldLayout xmlns:a="http://schemas.openxmlformats.org/drawingml/2006/main" xmlns:r="http://schemas.openxmlformats.org/officeDocument/2006/relationships" xmlns:p="http://schemas.openxmlformats.org/presentationml/2006/main" showMasterSp="0" type="blank" preserve="1">
+<p:sldLayout xmlns:a="http://schemas.openxmlformats.org/drawingml/2006/main" xmlns:r="http://schemas.openxmlformats.org/officeDocument/2006/relationships" xmlns:p="http://schemas.openxmlformats.org/presentationml/2006/main" xmlns:m="http://schemas.openxmlformats.org/officeDocument/2006/math" xmlns:w="http://schemas.openxmlformats.org/wordprocessingml/2006/main" matchingName="" preserve="1" showMasterPhAnim="0" showMasterSp="0" type="blank" userDrawn="1">
   <p:cSld name="Blank">
     <p:spTree>
       <p:nvGrpSpPr>
         <p:cNvPr id="1" name=""/>
         <p:cNvGrpSpPr/>
-        <p:nvPr/>
+        <p:nvPr isPhoto="0" userDrawn="0"/>
       </p:nvGrpSpPr>
-      <p:grpSpPr>
+      <p:grpSpPr bwMode="auto">
         <a:xfrm>
           <a:off x="0" y="0"/>
           <a:ext cx="0" cy="0"/>
@@ -2040,21 +3319,22 @@
           <p:cNvSpPr>
             <a:spLocks noGrp="1"/>
           </p:cNvSpPr>
-          <p:nvPr>
-            <p:ph type="dt" sz="half" idx="10"/>
-          </p:nvPr>
-        </p:nvSpPr>
-        <p:spPr/>
-        <p:txBody>
-          <a:bodyPr/>
-          <a:lstStyle/>
-          <a:p>
+          <p:nvPr isPhoto="0" userDrawn="0">
+            <p:ph type="dt" sz="half" idx="10" hasCustomPrompt="0"/>
+          </p:nvPr>
+        </p:nvSpPr>
+        <p:spPr bwMode="auto"/>
+        <p:txBody>
+          <a:bodyPr/>
+          <a:lstStyle/>
+          <a:p>
+            <a:pPr>
+              <a:defRPr/>
+            </a:pPr>
             <a:fld id="{5586B75A-687E-405C-8A0B-8D00578BA2C3}" type="datetimeFigureOut">
-              <a:rPr lang="en-US" dirty="0"/>
-              <a:pPr/>
               <a:t>3/6/2017</a:t>
             </a:fld>
-            <a:endParaRPr lang="en-US" dirty="0"/>
+            <a:endParaRPr/>
           </a:p>
         </p:txBody>
       </p:sp>
@@ -2064,16 +3344,19 @@
           <p:cNvSpPr>
             <a:spLocks noGrp="1"/>
           </p:cNvSpPr>
-          <p:nvPr>
-            <p:ph type="ftr" sz="quarter" idx="11"/>
-          </p:nvPr>
-        </p:nvSpPr>
-        <p:spPr/>
-        <p:txBody>
-          <a:bodyPr/>
-          <a:lstStyle/>
-          <a:p>
-            <a:endParaRPr lang="en-US" dirty="0"/>
+          <p:nvPr isPhoto="0" userDrawn="0">
+            <p:ph type="ftr" sz="quarter" idx="11" hasCustomPrompt="0"/>
+          </p:nvPr>
+        </p:nvSpPr>
+        <p:spPr bwMode="auto"/>
+        <p:txBody>
+          <a:bodyPr/>
+          <a:lstStyle/>
+          <a:p>
+            <a:pPr>
+              <a:defRPr/>
+            </a:pPr>
+            <a:endParaRPr/>
           </a:p>
         </p:txBody>
       </p:sp>
@@ -2083,21 +3366,22 @@
           <p:cNvSpPr>
             <a:spLocks noGrp="1"/>
           </p:cNvSpPr>
-          <p:nvPr>
-            <p:ph type="sldNum" sz="quarter" idx="12"/>
-          </p:nvPr>
-        </p:nvSpPr>
-        <p:spPr/>
-        <p:txBody>
-          <a:bodyPr/>
-          <a:lstStyle/>
-          <a:p>
+          <p:nvPr isPhoto="0" userDrawn="0">
+            <p:ph type="sldNum" sz="quarter" idx="12" hasCustomPrompt="0"/>
+          </p:nvPr>
+        </p:nvSpPr>
+        <p:spPr bwMode="auto"/>
+        <p:txBody>
+          <a:bodyPr/>
+          <a:lstStyle/>
+          <a:p>
+            <a:pPr>
+              <a:defRPr/>
+            </a:pPr>
             <a:fld id="{4FAB73BC-B049-4115-A692-8D63A059BFB8}" type="slidenum">
-              <a:rPr lang="en-US" dirty="0"/>
-              <a:pPr/>
               <a:t>‹#›</a:t>
             </a:fld>
-            <a:endParaRPr lang="en-US" dirty="0"/>
+            <a:endParaRPr/>
           </a:p>
         </p:txBody>
       </p:sp>
@@ -2106,19 +3390,20 @@
   <p:clrMapOvr>
     <a:masterClrMapping/>
   </p:clrMapOvr>
+  <p:hf dt="1" ftr="1" hdr="1" sldNum="1"/>
 </p:sldLayout>
 </file>
 
 <file path=ppt/slideLayouts/slideLayout8.xml><?xml version="1.0" encoding="utf-8"?>
-<p:sldLayout xmlns:a="http://schemas.openxmlformats.org/drawingml/2006/main" xmlns:r="http://schemas.openxmlformats.org/officeDocument/2006/relationships" xmlns:p="http://schemas.openxmlformats.org/presentationml/2006/main" type="objTx" preserve="1">
+<p:sldLayout xmlns:a="http://schemas.openxmlformats.org/drawingml/2006/main" xmlns:r="http://schemas.openxmlformats.org/officeDocument/2006/relationships" xmlns:p="http://schemas.openxmlformats.org/presentationml/2006/main" xmlns:m="http://schemas.openxmlformats.org/officeDocument/2006/math" xmlns:w="http://schemas.openxmlformats.org/wordprocessingml/2006/main" matchingName="" preserve="1" showMasterPhAnim="0" type="objTx" userDrawn="1">
   <p:cSld name="Content with Caption">
     <p:spTree>
       <p:nvGrpSpPr>
         <p:cNvPr id="1" name=""/>
         <p:cNvGrpSpPr/>
-        <p:nvPr/>
+        <p:nvPr isPhoto="0" userDrawn="0"/>
       </p:nvGrpSpPr>
-      <p:grpSpPr>
+      <p:grpSpPr bwMode="auto">
         <a:xfrm>
           <a:off x="0" y="0"/>
           <a:ext cx="0" cy="0"/>
@@ -2132,11 +3417,11 @@
           <p:cNvSpPr>
             <a:spLocks noGrp="1"/>
           </p:cNvSpPr>
-          <p:nvPr>
-            <p:ph type="title"/>
-          </p:nvPr>
-        </p:nvSpPr>
-        <p:spPr>
+          <p:nvPr isPhoto="0" userDrawn="0">
+            <p:ph type="title" hasCustomPrompt="0"/>
+          </p:nvPr>
+        </p:nvSpPr>
+        <p:spPr bwMode="auto">
           <a:xfrm>
             <a:off x="256032" y="1143000"/>
             <a:ext cx="2834640" cy="2377440"/>
@@ -2148,15 +3433,18 @@
           </a:bodyPr>
           <a:lstStyle>
             <a:lvl1pPr>
-              <a:defRPr sz="3200" b="0" baseline="0"/>
+              <a:defRPr sz="3200" b="0"/>
             </a:lvl1pPr>
           </a:lstStyle>
           <a:p>
-            <a:r>
-              <a:rPr lang="en-US"/>
+            <a:pPr>
+              <a:defRPr/>
+            </a:pPr>
+            <a:r>
+              <a:rPr/>
               <a:t>Click to edit Master title style</a:t>
             </a:r>
-            <a:endParaRPr lang="en-US" dirty="0"/>
+            <a:endParaRPr/>
           </a:p>
         </p:txBody>
       </p:sp>
@@ -2166,13 +3454,13 @@
           <p:cNvSpPr>
             <a:spLocks noGrp="1"/>
           </p:cNvSpPr>
-          <p:nvPr>
-            <p:ph idx="1"/>
-          </p:nvPr>
-        </p:nvSpPr>
-        <p:spPr>
+          <p:nvPr isPhoto="0" userDrawn="0">
+            <p:ph idx="1" hasCustomPrompt="0"/>
+          </p:nvPr>
+        </p:nvSpPr>
+        <p:spPr bwMode="auto">
           <a:xfrm>
-            <a:off x="3867912" y="868680"/>
+            <a:off x="3867911" y="868680"/>
             <a:ext cx="7315200" cy="5120640"/>
           </a:xfrm>
         </p:spPr>
@@ -2208,40 +3496,54 @@
             </a:lvl9pPr>
           </a:lstStyle>
           <a:p>
-            <a:pPr lvl="0"/>
-            <a:r>
-              <a:rPr lang="en-US"/>
+            <a:pPr lvl="0">
+              <a:defRPr/>
+            </a:pPr>
+            <a:r>
+              <a:rPr/>
               <a:t>Edit Master text styles</a:t>
             </a:r>
-          </a:p>
-          <a:p>
-            <a:pPr lvl="1"/>
-            <a:r>
-              <a:rPr lang="en-US"/>
+            <a:endParaRPr/>
+          </a:p>
+          <a:p>
+            <a:pPr lvl="1">
+              <a:defRPr/>
+            </a:pPr>
+            <a:r>
+              <a:rPr/>
               <a:t>Second level</a:t>
             </a:r>
-          </a:p>
-          <a:p>
-            <a:pPr lvl="2"/>
-            <a:r>
-              <a:rPr lang="en-US"/>
+            <a:endParaRPr/>
+          </a:p>
+          <a:p>
+            <a:pPr lvl="2">
+              <a:defRPr/>
+            </a:pPr>
+            <a:r>
+              <a:rPr/>
               <a:t>Third level</a:t>
             </a:r>
-          </a:p>
-          <a:p>
-            <a:pPr lvl="3"/>
-            <a:r>
-              <a:rPr lang="en-US"/>
+            <a:endParaRPr/>
+          </a:p>
+          <a:p>
+            <a:pPr lvl="3">
+              <a:defRPr/>
+            </a:pPr>
+            <a:r>
+              <a:rPr/>
               <a:t>Fourth level</a:t>
             </a:r>
-          </a:p>
-          <a:p>
-            <a:pPr lvl="4"/>
-            <a:r>
-              <a:rPr lang="en-US"/>
+            <a:endParaRPr/>
+          </a:p>
+          <a:p>
+            <a:pPr lvl="4">
+              <a:defRPr/>
+            </a:pPr>
+            <a:r>
+              <a:rPr/>
               <a:t>Fifth level</a:t>
             </a:r>
-            <a:endParaRPr lang="en-US" dirty="0"/>
+            <a:endParaRPr/>
           </a:p>
         </p:txBody>
       </p:sp>
@@ -2251,11 +3553,11 @@
           <p:cNvSpPr>
             <a:spLocks noGrp="1"/>
           </p:cNvSpPr>
-          <p:nvPr>
-            <p:ph type="body" sz="half" idx="2"/>
-          </p:nvPr>
-        </p:nvSpPr>
-        <p:spPr>
+          <p:nvPr isPhoto="0" userDrawn="0">
+            <p:ph type="body" sz="half" idx="2" hasCustomPrompt="0"/>
+          </p:nvPr>
+        </p:nvSpPr>
+        <p:spPr bwMode="auto">
           <a:xfrm>
             <a:off x="256032" y="3494176"/>
             <a:ext cx="2834640" cy="2321990"/>
@@ -2311,11 +3613,14 @@
             </a:lvl9pPr>
           </a:lstStyle>
           <a:p>
-            <a:pPr lvl="0"/>
-            <a:r>
-              <a:rPr lang="en-US"/>
+            <a:pPr lvl="0">
+              <a:defRPr/>
+            </a:pPr>
+            <a:r>
+              <a:rPr/>
               <a:t>Edit Master text styles</a:t>
             </a:r>
+            <a:endParaRPr/>
           </a:p>
         </p:txBody>
       </p:sp>
@@ -2325,21 +3630,22 @@
           <p:cNvSpPr>
             <a:spLocks noGrp="1"/>
           </p:cNvSpPr>
-          <p:nvPr>
-            <p:ph type="dt" sz="half" idx="10"/>
-          </p:nvPr>
-        </p:nvSpPr>
-        <p:spPr/>
-        <p:txBody>
-          <a:bodyPr/>
-          <a:lstStyle/>
-          <a:p>
+          <p:nvPr isPhoto="0" userDrawn="0">
+            <p:ph type="dt" sz="half" idx="10" hasCustomPrompt="0"/>
+          </p:nvPr>
+        </p:nvSpPr>
+        <p:spPr bwMode="auto"/>
+        <p:txBody>
+          <a:bodyPr/>
+          <a:lstStyle/>
+          <a:p>
+            <a:pPr>
+              <a:defRPr/>
+            </a:pPr>
             <a:fld id="{5586B75A-687E-405C-8A0B-8D00578BA2C3}" type="datetimeFigureOut">
-              <a:rPr lang="en-US" dirty="0"/>
-              <a:pPr/>
               <a:t>3/6/2017</a:t>
             </a:fld>
-            <a:endParaRPr lang="en-US" dirty="0"/>
+            <a:endParaRPr/>
           </a:p>
         </p:txBody>
       </p:sp>
@@ -2349,16 +3655,19 @@
           <p:cNvSpPr>
             <a:spLocks noGrp="1"/>
           </p:cNvSpPr>
-          <p:nvPr>
-            <p:ph type="ftr" sz="quarter" idx="11"/>
-          </p:nvPr>
-        </p:nvSpPr>
-        <p:spPr/>
-        <p:txBody>
-          <a:bodyPr/>
-          <a:lstStyle/>
-          <a:p>
-            <a:endParaRPr lang="en-US" dirty="0"/>
+          <p:nvPr isPhoto="0" userDrawn="0">
+            <p:ph type="ftr" sz="quarter" idx="11" hasCustomPrompt="0"/>
+          </p:nvPr>
+        </p:nvSpPr>
+        <p:spPr bwMode="auto"/>
+        <p:txBody>
+          <a:bodyPr/>
+          <a:lstStyle/>
+          <a:p>
+            <a:pPr>
+              <a:defRPr/>
+            </a:pPr>
+            <a:endParaRPr/>
           </a:p>
         </p:txBody>
       </p:sp>
@@ -2368,21 +3677,22 @@
           <p:cNvSpPr>
             <a:spLocks noGrp="1"/>
           </p:cNvSpPr>
-          <p:nvPr>
-            <p:ph type="sldNum" sz="quarter" idx="12"/>
-          </p:nvPr>
-        </p:nvSpPr>
-        <p:spPr/>
-        <p:txBody>
-          <a:bodyPr/>
-          <a:lstStyle/>
-          <a:p>
+          <p:nvPr isPhoto="0" userDrawn="0">
+            <p:ph type="sldNum" sz="quarter" idx="12" hasCustomPrompt="0"/>
+          </p:nvPr>
+        </p:nvSpPr>
+        <p:spPr bwMode="auto"/>
+        <p:txBody>
+          <a:bodyPr/>
+          <a:lstStyle/>
+          <a:p>
+            <a:pPr>
+              <a:defRPr/>
+            </a:pPr>
             <a:fld id="{4FAB73BC-B049-4115-A692-8D63A059BFB8}" type="slidenum">
-              <a:rPr lang="en-US" dirty="0"/>
-              <a:pPr/>
               <a:t>‹#›</a:t>
             </a:fld>
-            <a:endParaRPr lang="en-US" dirty="0"/>
+            <a:endParaRPr/>
           </a:p>
         </p:txBody>
       </p:sp>
@@ -2391,19 +3701,20 @@
   <p:clrMapOvr>
     <a:masterClrMapping/>
   </p:clrMapOvr>
+  <p:hf dt="1" ftr="1" hdr="1" sldNum="1"/>
 </p:sldLayout>
 </file>
 
 <file path=ppt/slideLayouts/slideLayout9.xml><?xml version="1.0" encoding="utf-8"?>
-<p:sldLayout xmlns:a="http://schemas.openxmlformats.org/drawingml/2006/main" xmlns:r="http://schemas.openxmlformats.org/officeDocument/2006/relationships" xmlns:p="http://schemas.openxmlformats.org/presentationml/2006/main" type="picTx" preserve="1">
+<p:sldLayout xmlns:a="http://schemas.openxmlformats.org/drawingml/2006/main" xmlns:r="http://schemas.openxmlformats.org/officeDocument/2006/relationships" xmlns:p="http://schemas.openxmlformats.org/presentationml/2006/main" xmlns:m="http://schemas.openxmlformats.org/officeDocument/2006/math" xmlns:w="http://schemas.openxmlformats.org/wordprocessingml/2006/main" matchingName="" preserve="1" showMasterPhAnim="0" type="picTx" userDrawn="1">
   <p:cSld name="Picture with Caption">
     <p:spTree>
       <p:nvGrpSpPr>
         <p:cNvPr id="1" name=""/>
         <p:cNvGrpSpPr/>
-        <p:nvPr/>
+        <p:nvPr isPhoto="0" userDrawn="0"/>
       </p:nvGrpSpPr>
-      <p:grpSpPr>
+      <p:grpSpPr bwMode="auto">
         <a:xfrm>
           <a:off x="0" y="0"/>
           <a:ext cx="0" cy="0"/>
@@ -2417,11 +3728,11 @@
           <p:cNvSpPr>
             <a:spLocks noGrp="1"/>
           </p:cNvSpPr>
-          <p:nvPr>
-            <p:ph type="title"/>
-          </p:nvPr>
-        </p:nvSpPr>
-        <p:spPr>
+          <p:nvPr isPhoto="0" userDrawn="0">
+            <p:ph type="title" hasCustomPrompt="0"/>
+          </p:nvPr>
+        </p:nvSpPr>
+        <p:spPr bwMode="auto">
           <a:xfrm>
             <a:off x="256032" y="1143000"/>
             <a:ext cx="2834640" cy="2377440"/>
@@ -2437,11 +3748,14 @@
             </a:lvl1pPr>
           </a:lstStyle>
           <a:p>
-            <a:r>
-              <a:rPr lang="en-US"/>
+            <a:pPr>
+              <a:defRPr/>
+            </a:pPr>
+            <a:r>
+              <a:rPr/>
               <a:t>Click to edit Master title style</a:t>
             </a:r>
-            <a:endParaRPr lang="en-US" dirty="0"/>
+            <a:endParaRPr/>
           </a:p>
         </p:txBody>
       </p:sp>
@@ -2449,17 +3763,20 @@
         <p:nvSpPr>
           <p:cNvPr id="3" name="Picture Placeholder 2"/>
           <p:cNvSpPr>
-            <a:spLocks noGrp="1" noChangeAspect="1"/>
-          </p:cNvSpPr>
-          <p:nvPr>
-            <p:ph type="pic" idx="1"/>
-          </p:nvPr>
-        </p:nvSpPr>
-        <p:spPr>
+            <a:spLocks noChangeAspect="1" noGrp="1"/>
+          </p:cNvSpPr>
+          <p:nvPr isPhoto="0" userDrawn="0">
+            <p:ph type="pic" idx="1" hasCustomPrompt="0"/>
+          </p:nvPr>
+        </p:nvSpPr>
+        <p:spPr bwMode="auto">
           <a:xfrm>
-            <a:off x="3570644" y="767419"/>
+            <a:off x="3570644" y="767418"/>
             <a:ext cx="8115230" cy="5330952"/>
           </a:xfrm>
+          <a:prstGeom prst="rect">
+            <a:avLst/>
+          </a:prstGeom>
           <a:solidFill>
             <a:schemeClr val="bg1">
               <a:lumMod val="75000"/>
@@ -2507,11 +3824,14 @@
             </a:lvl9pPr>
           </a:lstStyle>
           <a:p>
-            <a:r>
-              <a:rPr lang="en-US"/>
+            <a:pPr>
+              <a:defRPr/>
+            </a:pPr>
+            <a:r>
+              <a:rPr/>
               <a:t>Click icon to add picture</a:t>
             </a:r>
-            <a:endParaRPr lang="en-US" dirty="0"/>
+            <a:endParaRPr/>
           </a:p>
         </p:txBody>
       </p:sp>
@@ -2521,11 +3841,11 @@
           <p:cNvSpPr>
             <a:spLocks noGrp="1"/>
           </p:cNvSpPr>
-          <p:nvPr>
-            <p:ph type="body" sz="half" idx="2"/>
-          </p:nvPr>
-        </p:nvSpPr>
-        <p:spPr>
+          <p:nvPr isPhoto="0" userDrawn="0">
+            <p:ph type="body" sz="half" idx="2" hasCustomPrompt="0"/>
+          </p:nvPr>
+        </p:nvSpPr>
+        <p:spPr bwMode="auto">
           <a:xfrm>
             <a:off x="256032" y="3493008"/>
             <a:ext cx="2834640" cy="2322576"/>
@@ -2581,11 +3901,14 @@
             </a:lvl9pPr>
           </a:lstStyle>
           <a:p>
-            <a:pPr lvl="0"/>
-            <a:r>
-              <a:rPr lang="en-US"/>
+            <a:pPr lvl="0">
+              <a:defRPr/>
+            </a:pPr>
+            <a:r>
+              <a:rPr/>
               <a:t>Edit Master text styles</a:t>
             </a:r>
+            <a:endParaRPr/>
           </a:p>
         </p:txBody>
       </p:sp>
@@ -2595,21 +3918,22 @@
           <p:cNvSpPr>
             <a:spLocks noGrp="1"/>
           </p:cNvSpPr>
-          <p:nvPr>
-            <p:ph type="dt" sz="half" idx="10"/>
-          </p:nvPr>
-        </p:nvSpPr>
-        <p:spPr/>
-        <p:txBody>
-          <a:bodyPr/>
-          <a:lstStyle/>
-          <a:p>
+          <p:nvPr isPhoto="0" userDrawn="0">
+            <p:ph type="dt" sz="half" idx="10" hasCustomPrompt="0"/>
+          </p:nvPr>
+        </p:nvSpPr>
+        <p:spPr bwMode="auto"/>
+        <p:txBody>
+          <a:bodyPr/>
+          <a:lstStyle/>
+          <a:p>
+            <a:pPr>
+              <a:defRPr/>
+            </a:pPr>
             <a:fld id="{5586B75A-687E-405C-8A0B-8D00578BA2C3}" type="datetimeFigureOut">
-              <a:rPr lang="en-US" dirty="0"/>
-              <a:pPr/>
               <a:t>3/6/2017</a:t>
             </a:fld>
-            <a:endParaRPr lang="en-US" dirty="0"/>
+            <a:endParaRPr/>
           </a:p>
         </p:txBody>
       </p:sp>
@@ -2619,11 +3943,11 @@
           <p:cNvSpPr>
             <a:spLocks noGrp="1"/>
           </p:cNvSpPr>
-          <p:nvPr>
-            <p:ph type="ftr" sz="quarter" idx="11"/>
-          </p:nvPr>
-        </p:nvSpPr>
-        <p:spPr>
+          <p:nvPr isPhoto="0" userDrawn="0">
+            <p:ph type="ftr" sz="quarter" idx="11" hasCustomPrompt="0"/>
+          </p:nvPr>
+        </p:nvSpPr>
+        <p:spPr bwMode="auto">
           <a:xfrm>
             <a:off x="3499101" y="6356350"/>
             <a:ext cx="5911517" cy="365125"/>
@@ -2633,7 +3957,10 @@
           <a:bodyPr/>
           <a:lstStyle/>
           <a:p>
-            <a:endParaRPr lang="en-US" dirty="0"/>
+            <a:pPr>
+              <a:defRPr/>
+            </a:pPr>
+            <a:endParaRPr/>
           </a:p>
         </p:txBody>
       </p:sp>
@@ -2643,21 +3970,22 @@
           <p:cNvSpPr>
             <a:spLocks noGrp="1"/>
           </p:cNvSpPr>
-          <p:nvPr>
-            <p:ph type="sldNum" sz="quarter" idx="12"/>
-          </p:nvPr>
-        </p:nvSpPr>
-        <p:spPr/>
-        <p:txBody>
-          <a:bodyPr/>
-          <a:lstStyle/>
-          <a:p>
+          <p:nvPr isPhoto="0" userDrawn="0">
+            <p:ph type="sldNum" sz="quarter" idx="12" hasCustomPrompt="0"/>
+          </p:nvPr>
+        </p:nvSpPr>
+        <p:spPr bwMode="auto"/>
+        <p:txBody>
+          <a:bodyPr/>
+          <a:lstStyle/>
+          <a:p>
+            <a:pPr>
+              <a:defRPr/>
+            </a:pPr>
             <a:fld id="{4FAB73BC-B049-4115-A692-8D63A059BFB8}" type="slidenum">
-              <a:rPr lang="en-US" dirty="0"/>
-              <a:pPr/>
               <a:t>‹#›</a:t>
             </a:fld>
-            <a:endParaRPr lang="en-US" dirty="0"/>
+            <a:endParaRPr/>
           </a:p>
         </p:txBody>
       </p:sp>
@@ -2666,12 +3994,13 @@
   <p:clrMapOvr>
     <a:masterClrMapping/>
   </p:clrMapOvr>
+  <p:hf dt="1" ftr="1" hdr="1" sldNum="1"/>
 </p:sldLayout>
 </file>
 
 <file path=ppt/slideMasters/slideMaster1.xml><?xml version="1.0" encoding="utf-8"?>
-<p:sldMaster xmlns:a="http://schemas.openxmlformats.org/drawingml/2006/main" xmlns:r="http://schemas.openxmlformats.org/officeDocument/2006/relationships" xmlns:p="http://schemas.openxmlformats.org/presentationml/2006/main">
-  <p:cSld>
+<p:sldMaster xmlns:a="http://schemas.openxmlformats.org/drawingml/2006/main" xmlns:r="http://schemas.openxmlformats.org/officeDocument/2006/relationships" xmlns:p="http://schemas.openxmlformats.org/presentationml/2006/main" xmlns:m="http://schemas.openxmlformats.org/officeDocument/2006/math" xmlns:w="http://schemas.openxmlformats.org/wordprocessingml/2006/main" preserve="0">
+  <p:cSld name="">
     <p:bg>
       <p:bgRef idx="1001">
         <a:schemeClr val="bg1"/>
@@ -2681,9 +4010,9 @@
       <p:nvGrpSpPr>
         <p:cNvPr id="1" name=""/>
         <p:cNvGrpSpPr/>
-        <p:nvPr/>
+        <p:nvPr isPhoto="0" userDrawn="0"/>
       </p:nvGrpSpPr>
-      <p:grpSpPr>
+      <p:grpSpPr bwMode="auto">
         <a:xfrm>
           <a:off x="0" y="0"/>
           <a:ext cx="0" cy="0"/>
@@ -2695,9 +4024,9 @@
         <p:nvSpPr>
           <p:cNvPr id="7" name="Rectangle 6"/>
           <p:cNvSpPr/>
-          <p:nvPr/>
-        </p:nvSpPr>
-        <p:spPr>
+          <p:nvPr isPhoto="0" userDrawn="0"/>
+        </p:nvSpPr>
+        <p:spPr bwMode="auto">
           <a:xfrm>
             <a:off x="1" y="758952"/>
             <a:ext cx="3443590" cy="5330952"/>
@@ -2735,11 +4064,11 @@
           <p:cNvSpPr>
             <a:spLocks noGrp="1"/>
           </p:cNvSpPr>
-          <p:nvPr>
-            <p:ph type="title"/>
-          </p:nvPr>
-        </p:nvSpPr>
-        <p:spPr>
+          <p:nvPr isPhoto="0" userDrawn="0">
+            <p:ph type="title" hasCustomPrompt="0"/>
+          </p:nvPr>
+        </p:nvSpPr>
+        <p:spPr bwMode="auto">
           <a:xfrm>
             <a:off x="252919" y="1123837"/>
             <a:ext cx="2947482" cy="4601183"/>
@@ -2754,11 +4083,14 @@
           </a:bodyPr>
           <a:lstStyle/>
           <a:p>
-            <a:r>
-              <a:rPr lang="en-US"/>
+            <a:pPr>
+              <a:defRPr/>
+            </a:pPr>
+            <a:r>
+              <a:rPr/>
               <a:t>Click to edit Master title style</a:t>
             </a:r>
-            <a:endParaRPr lang="en-US" dirty="0"/>
+            <a:endParaRPr/>
           </a:p>
         </p:txBody>
       </p:sp>
@@ -2766,9 +4098,9 @@
         <p:nvSpPr>
           <p:cNvPr id="38" name="Rectangle 37"/>
           <p:cNvSpPr/>
-          <p:nvPr/>
-        </p:nvSpPr>
-        <p:spPr>
+          <p:nvPr isPhoto="0" userDrawn="0"/>
+        </p:nvSpPr>
+        <p:spPr bwMode="auto">
           <a:xfrm>
             <a:off x="11815864" y="758952"/>
             <a:ext cx="384048" cy="5330952"/>
@@ -2808,13 +4140,13 @@
           <p:cNvSpPr>
             <a:spLocks noGrp="1"/>
           </p:cNvSpPr>
-          <p:nvPr>
-            <p:ph type="body" idx="1"/>
-          </p:nvPr>
-        </p:nvSpPr>
-        <p:spPr>
+          <p:nvPr isPhoto="0" userDrawn="0">
+            <p:ph type="body" idx="1" hasCustomPrompt="0"/>
+          </p:nvPr>
+        </p:nvSpPr>
+        <p:spPr bwMode="auto">
           <a:xfrm>
-            <a:off x="3869268" y="864108"/>
+            <a:off x="3869267" y="864108"/>
             <a:ext cx="7315200" cy="5120640"/>
           </a:xfrm>
           <a:prstGeom prst="rect">
@@ -2827,40 +4159,54 @@
           </a:bodyPr>
           <a:lstStyle/>
           <a:p>
-            <a:pPr lvl="0"/>
-            <a:r>
-              <a:rPr lang="en-US"/>
+            <a:pPr lvl="0">
+              <a:defRPr/>
+            </a:pPr>
+            <a:r>
+              <a:rPr/>
               <a:t>Edit Master text styles</a:t>
             </a:r>
-          </a:p>
-          <a:p>
-            <a:pPr lvl="1"/>
-            <a:r>
-              <a:rPr lang="en-US"/>
+            <a:endParaRPr/>
+          </a:p>
+          <a:p>
+            <a:pPr lvl="1">
+              <a:defRPr/>
+            </a:pPr>
+            <a:r>
+              <a:rPr/>
               <a:t>Second level</a:t>
             </a:r>
-          </a:p>
-          <a:p>
-            <a:pPr lvl="2"/>
-            <a:r>
-              <a:rPr lang="en-US"/>
+            <a:endParaRPr/>
+          </a:p>
+          <a:p>
+            <a:pPr lvl="2">
+              <a:defRPr/>
+            </a:pPr>
+            <a:r>
+              <a:rPr/>
               <a:t>Third level</a:t>
             </a:r>
-          </a:p>
-          <a:p>
-            <a:pPr lvl="3"/>
-            <a:r>
-              <a:rPr lang="en-US"/>
+            <a:endParaRPr/>
+          </a:p>
+          <a:p>
+            <a:pPr lvl="3">
+              <a:defRPr/>
+            </a:pPr>
+            <a:r>
+              <a:rPr/>
               <a:t>Fourth level</a:t>
             </a:r>
-          </a:p>
-          <a:p>
-            <a:pPr lvl="4"/>
-            <a:r>
-              <a:rPr lang="en-US"/>
+            <a:endParaRPr/>
+          </a:p>
+          <a:p>
+            <a:pPr lvl="4">
+              <a:defRPr/>
+            </a:pPr>
+            <a:r>
+              <a:rPr/>
               <a:t>Fifth level</a:t>
             </a:r>
-            <a:endParaRPr lang="en-US" dirty="0"/>
+            <a:endParaRPr/>
           </a:p>
         </p:txBody>
       </p:sp>
@@ -2870,11 +4216,11 @@
           <p:cNvSpPr>
             <a:spLocks noGrp="1"/>
           </p:cNvSpPr>
-          <p:nvPr>
-            <p:ph type="dt" sz="half" idx="2"/>
-          </p:nvPr>
-        </p:nvSpPr>
-        <p:spPr>
+          <p:nvPr isPhoto="0" userDrawn="0">
+            <p:ph type="dt" sz="half" idx="2" hasCustomPrompt="0"/>
+          </p:nvPr>
+        </p:nvSpPr>
+        <p:spPr bwMode="auto">
           <a:xfrm>
             <a:off x="262465" y="6356350"/>
             <a:ext cx="2743200" cy="365125"/>
@@ -2898,12 +4244,13 @@
             </a:lvl1pPr>
           </a:lstStyle>
           <a:p>
+            <a:pPr>
+              <a:defRPr/>
+            </a:pPr>
             <a:fld id="{5586B75A-687E-405C-8A0B-8D00578BA2C3}" type="datetimeFigureOut">
-              <a:rPr lang="en-US" dirty="0"/>
-              <a:pPr/>
               <a:t>3/6/2017</a:t>
             </a:fld>
-            <a:endParaRPr lang="en-US" dirty="0"/>
+            <a:endParaRPr/>
           </a:p>
         </p:txBody>
       </p:sp>
@@ -2913,13 +4260,13 @@
           <p:cNvSpPr>
             <a:spLocks noGrp="1"/>
           </p:cNvSpPr>
-          <p:nvPr>
-            <p:ph type="ftr" sz="quarter" idx="3"/>
-          </p:nvPr>
-        </p:nvSpPr>
-        <p:spPr>
+          <p:nvPr isPhoto="0" userDrawn="0">
+            <p:ph type="ftr" sz="quarter" idx="3" hasCustomPrompt="0"/>
+          </p:nvPr>
+        </p:nvSpPr>
+        <p:spPr bwMode="auto">
           <a:xfrm>
-            <a:off x="3869268" y="6356350"/>
+            <a:off x="3869267" y="6356350"/>
             <a:ext cx="5911517" cy="365125"/>
           </a:xfrm>
           <a:prstGeom prst="rect">
@@ -2941,7 +4288,10 @@
             </a:lvl1pPr>
           </a:lstStyle>
           <a:p>
-            <a:endParaRPr lang="en-US" dirty="0"/>
+            <a:pPr>
+              <a:defRPr/>
+            </a:pPr>
+            <a:endParaRPr/>
           </a:p>
         </p:txBody>
       </p:sp>
@@ -2951,11 +4301,11 @@
           <p:cNvSpPr>
             <a:spLocks noGrp="1"/>
           </p:cNvSpPr>
-          <p:nvPr>
-            <p:ph type="sldNum" sz="quarter" idx="4"/>
-          </p:nvPr>
-        </p:nvSpPr>
-        <p:spPr>
+          <p:nvPr isPhoto="0" userDrawn="0">
+            <p:ph type="sldNum" sz="quarter" idx="4" hasCustomPrompt="0"/>
+          </p:nvPr>
+        </p:nvSpPr>
+        <p:spPr bwMode="auto">
           <a:xfrm>
             <a:off x="10634135" y="6356350"/>
             <a:ext cx="1530927" cy="365125"/>
@@ -2976,54 +4326,54 @@
             </a:lvl1pPr>
           </a:lstStyle>
           <a:p>
+            <a:pPr>
+              <a:defRPr/>
+            </a:pPr>
             <a:fld id="{4FAB73BC-B049-4115-A692-8D63A059BFB8}" type="slidenum">
-              <a:rPr lang="en-US" dirty="0"/>
-              <a:pPr/>
               <a:t>‹#›</a:t>
             </a:fld>
-            <a:endParaRPr lang="en-US" dirty="0"/>
+            <a:endParaRPr/>
           </a:p>
         </p:txBody>
       </p:sp>
     </p:spTree>
   </p:cSld>
-  <p:clrMap bg1="lt1" tx1="dk1" bg2="lt2" tx2="dk2" accent1="accent1" accent2="accent2" accent3="accent3" accent4="accent4" accent5="accent5" accent6="accent6" hlink="hlink" folHlink="folHlink"/>
+  <p:clrMap accent1="accent1" accent2="accent2" accent3="accent3" accent4="accent4" accent5="accent5" accent6="accent6" bg1="lt1" bg2="lt2" folHlink="folHlink" hlink="hlink" tx1="dk1" tx2="dk2"/>
   <p:sldLayoutIdLst>
-    <p:sldLayoutId id="2147483841" r:id="rId1"/>
-    <p:sldLayoutId id="2147483842" r:id="rId2"/>
-    <p:sldLayoutId id="2147483843" r:id="rId3"/>
-    <p:sldLayoutId id="2147483844" r:id="rId4"/>
-    <p:sldLayoutId id="2147483845" r:id="rId5"/>
-    <p:sldLayoutId id="2147483846" r:id="rId6"/>
-    <p:sldLayoutId id="2147483847" r:id="rId7"/>
-    <p:sldLayoutId id="2147483848" r:id="rId8"/>
-    <p:sldLayoutId id="2147483849" r:id="rId9"/>
-    <p:sldLayoutId id="2147483850" r:id="rId10"/>
-    <p:sldLayoutId id="2147483851" r:id="rId11"/>
+    <p:sldLayoutId id="2147483649" r:id="rId1"/>
+    <p:sldLayoutId id="2147483650" r:id="rId2"/>
+    <p:sldLayoutId id="2147483651" r:id="rId3"/>
+    <p:sldLayoutId id="2147483652" r:id="rId4"/>
+    <p:sldLayoutId id="2147483653" r:id="rId5"/>
+    <p:sldLayoutId id="2147483654" r:id="rId6"/>
+    <p:sldLayoutId id="2147483655" r:id="rId7"/>
+    <p:sldLayoutId id="2147483656" r:id="rId8"/>
+    <p:sldLayoutId id="2147483657" r:id="rId9"/>
+    <p:sldLayoutId id="2147483658" r:id="rId10"/>
+    <p:sldLayoutId id="2147483659" r:id="rId11"/>
   </p:sldLayoutIdLst>
-  <p:hf sldNum="0" hdr="0" ftr="0" dt="0"/>
+  <p:hf dt="0" ftr="0" hdr="0" sldNum="0"/>
   <p:txStyles>
     <p:titleStyle>
-      <a:lvl1pPr algn="l" defTabSz="914400" rtl="0" eaLnBrk="1" latinLnBrk="0" hangingPunct="1">
+      <a:lvl1pPr algn="l" defTabSz="914400">
         <a:lnSpc>
           <a:spcPct val="90000"/>
         </a:lnSpc>
         <a:spcBef>
-          <a:spcPct val="0"/>
+          <a:spcPts val="0"/>
         </a:spcBef>
         <a:buNone/>
-        <a:defRPr sz="3600" kern="1200" spc="-60" baseline="0">
+        <a:defRPr sz="3600" spc="-60">
           <a:solidFill>
             <a:srgbClr val="FFFFFF"/>
           </a:solidFill>
           <a:latin typeface="+mj-lt"/>
           <a:ea typeface="+mj-ea"/>
-          <a:cs typeface="+mj-cs"/>
         </a:defRPr>
       </a:lvl1pPr>
     </p:titleStyle>
     <p:bodyStyle>
-      <a:lvl1pPr marL="182880" indent="-182880" algn="l" defTabSz="914400" rtl="0" eaLnBrk="1" latinLnBrk="0" hangingPunct="1">
+      <a:lvl1pPr marL="182880" indent="-182880" algn="l" defTabSz="914400">
         <a:lnSpc>
           <a:spcPct val="90000"/>
         </a:lnSpc>
@@ -3033,9 +4383,9 @@
         <a:buClr>
           <a:schemeClr val="accent1"/>
         </a:buClr>
-        <a:buFont typeface="Wingdings 2" pitchFamily="18" charset="2"/>
+        <a:buFont typeface="Wingdings 2"/>
         <a:buChar char=""/>
-        <a:defRPr sz="2000" kern="1200">
+        <a:defRPr sz="2000">
           <a:solidFill>
             <a:schemeClr val="tx1">
               <a:lumMod val="65000"/>
@@ -3044,10 +4394,9 @@
           </a:solidFill>
           <a:latin typeface="+mn-lt"/>
           <a:ea typeface="+mn-ea"/>
-          <a:cs typeface="+mn-cs"/>
         </a:defRPr>
       </a:lvl1pPr>
-      <a:lvl2pPr marL="685800" indent="-182880" algn="l" defTabSz="914400" rtl="0" eaLnBrk="1" latinLnBrk="0" hangingPunct="1">
+      <a:lvl2pPr marL="685800" indent="-182880" algn="l" defTabSz="914400">
         <a:lnSpc>
           <a:spcPct val="90000"/>
         </a:lnSpc>
@@ -3060,9 +4409,9 @@
         <a:buClr>
           <a:schemeClr val="accent1"/>
         </a:buClr>
-        <a:buFont typeface="Wingdings 2" pitchFamily="18" charset="2"/>
+        <a:buFont typeface="Wingdings 2"/>
         <a:buChar char=""/>
-        <a:defRPr sz="1800" kern="1200">
+        <a:defRPr sz="1800">
           <a:solidFill>
             <a:schemeClr val="tx1">
               <a:lumMod val="65000"/>
@@ -3071,10 +4420,9 @@
           </a:solidFill>
           <a:latin typeface="+mn-lt"/>
           <a:ea typeface="+mn-ea"/>
-          <a:cs typeface="+mn-cs"/>
         </a:defRPr>
       </a:lvl2pPr>
-      <a:lvl3pPr marL="1143000" indent="-182880" algn="l" defTabSz="914400" rtl="0" eaLnBrk="1" latinLnBrk="0" hangingPunct="1">
+      <a:lvl3pPr marL="1143000" indent="-182880" algn="l" defTabSz="914400">
         <a:lnSpc>
           <a:spcPct val="90000"/>
         </a:lnSpc>
@@ -3087,9 +4435,9 @@
         <a:buClr>
           <a:schemeClr val="accent1"/>
         </a:buClr>
-        <a:buFont typeface="Wingdings 2" pitchFamily="18" charset="2"/>
+        <a:buFont typeface="Wingdings 2"/>
         <a:buChar char=""/>
-        <a:defRPr sz="1600" kern="1200">
+        <a:defRPr sz="1600">
           <a:solidFill>
             <a:schemeClr val="tx1">
               <a:lumMod val="65000"/>
@@ -3098,10 +4446,9 @@
           </a:solidFill>
           <a:latin typeface="+mn-lt"/>
           <a:ea typeface="+mn-ea"/>
-          <a:cs typeface="+mn-cs"/>
         </a:defRPr>
       </a:lvl3pPr>
-      <a:lvl4pPr marL="1600200" indent="-182880" algn="l" defTabSz="914400" rtl="0" eaLnBrk="1" latinLnBrk="0" hangingPunct="1">
+      <a:lvl4pPr marL="1600200" indent="-182880" algn="l" defTabSz="914400">
         <a:lnSpc>
           <a:spcPct val="90000"/>
         </a:lnSpc>
@@ -3114,9 +4461,9 @@
         <a:buClr>
           <a:schemeClr val="accent1"/>
         </a:buClr>
-        <a:buFont typeface="Wingdings 2" pitchFamily="18" charset="2"/>
+        <a:buFont typeface="Wingdings 2"/>
         <a:buChar char=""/>
-        <a:defRPr sz="1400" kern="1200">
+        <a:defRPr sz="1400">
           <a:solidFill>
             <a:schemeClr val="tx1">
               <a:lumMod val="65000"/>
@@ -3125,10 +4472,9 @@
           </a:solidFill>
           <a:latin typeface="+mn-lt"/>
           <a:ea typeface="+mn-ea"/>
-          <a:cs typeface="+mn-cs"/>
         </a:defRPr>
       </a:lvl4pPr>
-      <a:lvl5pPr marL="2057400" indent="-182880" algn="l" defTabSz="914400" rtl="0" eaLnBrk="1" latinLnBrk="0" hangingPunct="1">
+      <a:lvl5pPr marL="2057400" indent="-182880" algn="l" defTabSz="914400">
         <a:lnSpc>
           <a:spcPct val="90000"/>
         </a:lnSpc>
@@ -3141,9 +4487,9 @@
         <a:buClr>
           <a:schemeClr val="accent1"/>
         </a:buClr>
-        <a:buFont typeface="Wingdings 2" pitchFamily="18" charset="2"/>
+        <a:buFont typeface="Wingdings 2"/>
         <a:buChar char=""/>
-        <a:defRPr sz="1400" kern="1200">
+        <a:defRPr sz="1400">
           <a:solidFill>
             <a:schemeClr val="tx1">
               <a:lumMod val="65000"/>
@@ -3152,10 +4498,9 @@
           </a:solidFill>
           <a:latin typeface="+mn-lt"/>
           <a:ea typeface="+mn-ea"/>
-          <a:cs typeface="+mn-cs"/>
         </a:defRPr>
       </a:lvl5pPr>
-      <a:lvl6pPr marL="2514600" indent="-228600" algn="l" defTabSz="914400" rtl="0" eaLnBrk="1" latinLnBrk="0" hangingPunct="1">
+      <a:lvl6pPr marL="2514600" indent="-228600" algn="l" defTabSz="914400">
         <a:lnSpc>
           <a:spcPct val="90000"/>
         </a:lnSpc>
@@ -3168,9 +4513,9 @@
         <a:buClr>
           <a:schemeClr val="accent1"/>
         </a:buClr>
-        <a:buFont typeface="Wingdings 2" pitchFamily="18" charset="2"/>
+        <a:buFont typeface="Wingdings 2"/>
         <a:buChar char=""/>
-        <a:defRPr sz="1400" kern="1200">
+        <a:defRPr sz="1400">
           <a:solidFill>
             <a:schemeClr val="tx1">
               <a:lumMod val="65000"/>
@@ -3179,10 +4524,9 @@
           </a:solidFill>
           <a:latin typeface="+mn-lt"/>
           <a:ea typeface="+mn-ea"/>
-          <a:cs typeface="+mn-cs"/>
         </a:defRPr>
       </a:lvl6pPr>
-      <a:lvl7pPr marL="2971800" indent="-228600" algn="l" defTabSz="914400" rtl="0" eaLnBrk="1" latinLnBrk="0" hangingPunct="1">
+      <a:lvl7pPr marL="2971800" indent="-228600" algn="l" defTabSz="914400">
         <a:lnSpc>
           <a:spcPct val="90000"/>
         </a:lnSpc>
@@ -3195,9 +4539,9 @@
         <a:buClr>
           <a:schemeClr val="accent1"/>
         </a:buClr>
-        <a:buFont typeface="Wingdings 2" pitchFamily="18" charset="2"/>
+        <a:buFont typeface="Wingdings 2"/>
         <a:buChar char=""/>
-        <a:defRPr sz="1400" kern="1200">
+        <a:defRPr sz="1400">
           <a:solidFill>
             <a:schemeClr val="tx1">
               <a:lumMod val="65000"/>
@@ -3206,10 +4550,9 @@
           </a:solidFill>
           <a:latin typeface="+mn-lt"/>
           <a:ea typeface="+mn-ea"/>
-          <a:cs typeface="+mn-cs"/>
         </a:defRPr>
       </a:lvl7pPr>
-      <a:lvl8pPr marL="3429000" indent="-228600" algn="l" defTabSz="914400" rtl="0" eaLnBrk="1" latinLnBrk="0" hangingPunct="1">
+      <a:lvl8pPr marL="3429000" indent="-228600" algn="l" defTabSz="914400">
         <a:lnSpc>
           <a:spcPct val="90000"/>
         </a:lnSpc>
@@ -3222,9 +4565,9 @@
         <a:buClr>
           <a:schemeClr val="accent1"/>
         </a:buClr>
-        <a:buFont typeface="Wingdings 2" pitchFamily="18" charset="2"/>
+        <a:buFont typeface="Wingdings 2"/>
         <a:buChar char=""/>
-        <a:defRPr sz="1400" kern="1200">
+        <a:defRPr sz="1400">
           <a:solidFill>
             <a:schemeClr val="tx1">
               <a:lumMod val="65000"/>
@@ -3233,10 +4576,9 @@
           </a:solidFill>
           <a:latin typeface="+mn-lt"/>
           <a:ea typeface="+mn-ea"/>
-          <a:cs typeface="+mn-cs"/>
         </a:defRPr>
       </a:lvl8pPr>
-      <a:lvl9pPr marL="3886200" indent="-228600" algn="l" defTabSz="914400" rtl="0" eaLnBrk="1" latinLnBrk="0" hangingPunct="1">
+      <a:lvl9pPr marL="3886200" indent="-228600" algn="l" defTabSz="914400">
         <a:lnSpc>
           <a:spcPct val="90000"/>
         </a:lnSpc>
@@ -3249,9 +4591,9 @@
         <a:buClr>
           <a:schemeClr val="accent1"/>
         </a:buClr>
-        <a:buFont typeface="Wingdings 2" pitchFamily="18" charset="2"/>
+        <a:buFont typeface="Wingdings 2"/>
         <a:buChar char=""/>
-        <a:defRPr sz="1400" kern="1200">
+        <a:defRPr sz="1400">
           <a:solidFill>
             <a:schemeClr val="tx1">
               <a:lumMod val="65000"/>
@@ -3260,102 +4602,92 @@
           </a:solidFill>
           <a:latin typeface="+mn-lt"/>
           <a:ea typeface="+mn-ea"/>
-          <a:cs typeface="+mn-cs"/>
         </a:defRPr>
       </a:lvl9pPr>
     </p:bodyStyle>
     <p:otherStyle>
       <a:defPPr>
-        <a:defRPr lang="en-US"/>
+        <a:defRPr/>
       </a:defPPr>
-      <a:lvl1pPr marL="0" algn="l" defTabSz="914400" rtl="0" eaLnBrk="1" latinLnBrk="0" hangingPunct="1">
-        <a:defRPr sz="1800" kern="1200">
+      <a:lvl1pPr marL="0" algn="l" defTabSz="914400">
+        <a:defRPr sz="1800">
           <a:solidFill>
             <a:schemeClr val="tx1"/>
           </a:solidFill>
           <a:latin typeface="+mn-lt"/>
           <a:ea typeface="+mn-ea"/>
-          <a:cs typeface="+mn-cs"/>
         </a:defRPr>
       </a:lvl1pPr>
-      <a:lvl2pPr marL="457200" algn="l" defTabSz="914400" rtl="0" eaLnBrk="1" latinLnBrk="0" hangingPunct="1">
-        <a:defRPr sz="1800" kern="1200">
+      <a:lvl2pPr marL="457200" algn="l" defTabSz="914400">
+        <a:defRPr sz="1800">
           <a:solidFill>
             <a:schemeClr val="tx1"/>
           </a:solidFill>
           <a:latin typeface="+mn-lt"/>
           <a:ea typeface="+mn-ea"/>
-          <a:cs typeface="+mn-cs"/>
         </a:defRPr>
       </a:lvl2pPr>
-      <a:lvl3pPr marL="914400" algn="l" defTabSz="914400" rtl="0" eaLnBrk="1" latinLnBrk="0" hangingPunct="1">
-        <a:defRPr sz="1800" kern="1200">
+      <a:lvl3pPr marL="914400" algn="l" defTabSz="914400">
+        <a:defRPr sz="1800">
           <a:solidFill>
             <a:schemeClr val="tx1"/>
           </a:solidFill>
           <a:latin typeface="+mn-lt"/>
           <a:ea typeface="+mn-ea"/>
-          <a:cs typeface="+mn-cs"/>
         </a:defRPr>
       </a:lvl3pPr>
-      <a:lvl4pPr marL="1371600" algn="l" defTabSz="914400" rtl="0" eaLnBrk="1" latinLnBrk="0" hangingPunct="1">
-        <a:defRPr sz="1800" kern="1200">
+      <a:lvl4pPr marL="1371600" algn="l" defTabSz="914400">
+        <a:defRPr sz="1800">
           <a:solidFill>
             <a:schemeClr val="tx1"/>
           </a:solidFill>
           <a:latin typeface="+mn-lt"/>
           <a:ea typeface="+mn-ea"/>
-          <a:cs typeface="+mn-cs"/>
         </a:defRPr>
       </a:lvl4pPr>
-      <a:lvl5pPr marL="1828800" algn="l" defTabSz="914400" rtl="0" eaLnBrk="1" latinLnBrk="0" hangingPunct="1">
-        <a:defRPr sz="1800" kern="1200">
+      <a:lvl5pPr marL="1828800" algn="l" defTabSz="914400">
+        <a:defRPr sz="1800">
           <a:solidFill>
             <a:schemeClr val="tx1"/>
           </a:solidFill>
           <a:latin typeface="+mn-lt"/>
           <a:ea typeface="+mn-ea"/>
-          <a:cs typeface="+mn-cs"/>
         </a:defRPr>
       </a:lvl5pPr>
-      <a:lvl6pPr marL="2286000" algn="l" defTabSz="914400" rtl="0" eaLnBrk="1" latinLnBrk="0" hangingPunct="1">
-        <a:defRPr sz="1800" kern="1200">
+      <a:lvl6pPr marL="2286000" algn="l" defTabSz="914400">
+        <a:defRPr sz="1800">
           <a:solidFill>
             <a:schemeClr val="tx1"/>
           </a:solidFill>
           <a:latin typeface="+mn-lt"/>
           <a:ea typeface="+mn-ea"/>
-          <a:cs typeface="+mn-cs"/>
         </a:defRPr>
       </a:lvl6pPr>
-      <a:lvl7pPr marL="2743200" algn="l" defTabSz="914400" rtl="0" eaLnBrk="1" latinLnBrk="0" hangingPunct="1">
-        <a:defRPr sz="1800" kern="1200">
+      <a:lvl7pPr marL="2743200" algn="l" defTabSz="914400">
+        <a:defRPr sz="1800">
           <a:solidFill>
             <a:schemeClr val="tx1"/>
           </a:solidFill>
           <a:latin typeface="+mn-lt"/>
           <a:ea typeface="+mn-ea"/>
-          <a:cs typeface="+mn-cs"/>
         </a:defRPr>
       </a:lvl7pPr>
-      <a:lvl8pPr marL="3200400" algn="l" defTabSz="914400" rtl="0" eaLnBrk="1" latinLnBrk="0" hangingPunct="1">
-        <a:defRPr sz="1800" kern="1200">
+      <a:lvl8pPr marL="3200400" algn="l" defTabSz="914400">
+        <a:defRPr sz="1800">
           <a:solidFill>
             <a:schemeClr val="tx1"/>
           </a:solidFill>
           <a:latin typeface="+mn-lt"/>
           <a:ea typeface="+mn-ea"/>
-          <a:cs typeface="+mn-cs"/>
         </a:defRPr>
       </a:lvl8pPr>
-      <a:lvl9pPr marL="3657600" algn="l" defTabSz="914400" rtl="0" eaLnBrk="1" latinLnBrk="0" hangingPunct="1">
-        <a:defRPr sz="1800" kern="1200">
+      <a:lvl9pPr marL="3657600" algn="l" defTabSz="914400">
+        <a:defRPr sz="1800">
           <a:solidFill>
             <a:schemeClr val="tx1"/>
           </a:solidFill>
           <a:latin typeface="+mn-lt"/>
           <a:ea typeface="+mn-ea"/>
-          <a:cs typeface="+mn-cs"/>
         </a:defRPr>
       </a:lvl9pPr>
     </p:otherStyle>
@@ -3364,15 +4696,15 @@
 </file>
 
 <file path=ppt/slides/slide1.xml><?xml version="1.0" encoding="utf-8"?>
-<p:sld xmlns:a="http://schemas.openxmlformats.org/drawingml/2006/main" xmlns:r="http://schemas.openxmlformats.org/officeDocument/2006/relationships" xmlns:p="http://schemas.openxmlformats.org/presentationml/2006/main">
-  <p:cSld>
+<p:sld xmlns:a="http://schemas.openxmlformats.org/drawingml/2006/main" xmlns:r="http://schemas.openxmlformats.org/officeDocument/2006/relationships" xmlns:p="http://schemas.openxmlformats.org/presentationml/2006/main" xmlns:m="http://schemas.openxmlformats.org/officeDocument/2006/math" xmlns:w="http://schemas.openxmlformats.org/wordprocessingml/2006/main" showMasterPhAnim="0" show="1">
+  <p:cSld name="">
     <p:spTree>
       <p:nvGrpSpPr>
         <p:cNvPr id="1" name=""/>
         <p:cNvGrpSpPr/>
-        <p:nvPr/>
+        <p:nvPr isPhoto="0" userDrawn="0"/>
       </p:nvGrpSpPr>
-      <p:grpSpPr>
+      <p:grpSpPr bwMode="auto">
         <a:xfrm>
           <a:off x="0" y="0"/>
           <a:ext cx="0" cy="0"/>
@@ -3386,19 +4718,23 @@
           <p:cNvSpPr>
             <a:spLocks noGrp="1"/>
           </p:cNvSpPr>
-          <p:nvPr>
-            <p:ph type="ctrTitle"/>
-          </p:nvPr>
-        </p:nvSpPr>
-        <p:spPr/>
-        <p:txBody>
-          <a:bodyPr/>
-          <a:lstStyle/>
-          <a:p>
-            <a:r>
-              <a:rPr lang="en-US" dirty="0"/>
+          <p:nvPr isPhoto="0" userDrawn="0">
+            <p:ph type="ctrTitle" hasCustomPrompt="0"/>
+          </p:nvPr>
+        </p:nvSpPr>
+        <p:spPr bwMode="auto"/>
+        <p:txBody>
+          <a:bodyPr/>
+          <a:lstStyle/>
+          <a:p>
+            <a:pPr>
+              <a:defRPr/>
+            </a:pPr>
+            <a:r>
+              <a:rPr/>
               <a:t>Seattle Housing Price Predictor</a:t>
             </a:r>
+            <a:endParaRPr/>
           </a:p>
         </p:txBody>
       </p:sp>
@@ -3408,45 +4744,52 @@
           <p:cNvSpPr>
             <a:spLocks noGrp="1"/>
           </p:cNvSpPr>
-          <p:nvPr>
-            <p:ph type="subTitle" idx="1"/>
-          </p:nvPr>
-        </p:nvSpPr>
-        <p:spPr/>
-        <p:txBody>
-          <a:bodyPr/>
-          <a:lstStyle/>
-          <a:p>
-            <a:r>
-              <a:rPr lang="en-US" dirty="0"/>
+          <p:nvPr isPhoto="0" userDrawn="0">
+            <p:ph type="subTitle" idx="1" hasCustomPrompt="0"/>
+          </p:nvPr>
+        </p:nvSpPr>
+        <p:spPr bwMode="auto"/>
+        <p:txBody>
+          <a:bodyPr/>
+          <a:lstStyle/>
+          <a:p>
+            <a:pPr>
+              <a:defRPr/>
+            </a:pPr>
+            <a:r>
+              <a:rPr/>
               <a:t>Francis Tan</a:t>
             </a:r>
+            <a:endParaRPr/>
           </a:p>
         </p:txBody>
       </p:sp>
     </p:spTree>
-    <p:extLst>
-      <p:ext uri="{BB962C8B-B14F-4D97-AF65-F5344CB8AC3E}">
-        <p14:creationId xmlns:p14="http://schemas.microsoft.com/office/powerpoint/2010/main" val="710044247"/>
-      </p:ext>
-    </p:extLst>
   </p:cSld>
   <p:clrMapOvr>
     <a:masterClrMapping/>
   </p:clrMapOvr>
+  <mc:AlternateContent xmlns:mc="http://schemas.openxmlformats.org/markup-compatibility/2006">
+    <mc:Choice xmlns:p14="http://schemas.microsoft.com/office/powerpoint/2010/main" Requires="p14">
+      <p:transition p14:dur="2000" advClick="1"/>
+    </mc:Choice>
+    <mc:Fallback>
+      <p:transition advClick="1"/>
+    </mc:Fallback>
+  </mc:AlternateContent>
 </p:sld>
 </file>
 
 <file path=ppt/slides/slide10.xml><?xml version="1.0" encoding="utf-8"?>
-<p:sld xmlns:a="http://schemas.openxmlformats.org/drawingml/2006/main" xmlns:r="http://schemas.openxmlformats.org/officeDocument/2006/relationships" xmlns:p="http://schemas.openxmlformats.org/presentationml/2006/main">
-  <p:cSld>
+<p:sld xmlns:a="http://schemas.openxmlformats.org/drawingml/2006/main" xmlns:r="http://schemas.openxmlformats.org/officeDocument/2006/relationships" xmlns:p="http://schemas.openxmlformats.org/presentationml/2006/main" xmlns:m="http://schemas.openxmlformats.org/officeDocument/2006/math" xmlns:w="http://schemas.openxmlformats.org/wordprocessingml/2006/main" showMasterPhAnim="0" show="1">
+  <p:cSld name="">
     <p:spTree>
       <p:nvGrpSpPr>
         <p:cNvPr id="1" name=""/>
         <p:cNvGrpSpPr/>
-        <p:nvPr/>
+        <p:nvPr isPhoto="0" userDrawn="0"/>
       </p:nvGrpSpPr>
-      <p:grpSpPr>
+      <p:grpSpPr bwMode="auto">
         <a:xfrm>
           <a:off x="0" y="0"/>
           <a:ext cx="0" cy="0"/>
@@ -3460,19 +4803,23 @@
           <p:cNvSpPr>
             <a:spLocks noGrp="1"/>
           </p:cNvSpPr>
-          <p:nvPr>
-            <p:ph type="title"/>
-          </p:nvPr>
-        </p:nvSpPr>
-        <p:spPr/>
-        <p:txBody>
-          <a:bodyPr/>
-          <a:lstStyle/>
-          <a:p>
-            <a:r>
-              <a:rPr lang="en-US" dirty="0"/>
+          <p:nvPr isPhoto="0" userDrawn="0">
+            <p:ph type="title" hasCustomPrompt="0"/>
+          </p:nvPr>
+        </p:nvSpPr>
+        <p:spPr bwMode="auto"/>
+        <p:txBody>
+          <a:bodyPr/>
+          <a:lstStyle/>
+          <a:p>
+            <a:pPr>
+              <a:defRPr/>
+            </a:pPr>
+            <a:r>
+              <a:rPr/>
               <a:t>Data Preprocessing</a:t>
             </a:r>
+            <a:endParaRPr/>
           </a:p>
         </p:txBody>
       </p:sp>
@@ -3482,14 +4829,14 @@
           <p:cNvSpPr>
             <a:spLocks noGrp="1"/>
           </p:cNvSpPr>
-          <p:nvPr>
-            <p:ph idx="1"/>
-          </p:nvPr>
-        </p:nvSpPr>
-        <p:spPr>
+          <p:nvPr isPhoto="0" userDrawn="0">
+            <p:ph idx="1" hasCustomPrompt="0"/>
+          </p:nvPr>
+        </p:nvSpPr>
+        <p:spPr bwMode="auto">
           <a:xfrm>
-            <a:off x="3869268" y="864109"/>
-            <a:ext cx="7315200" cy="662688"/>
+            <a:off x="3869267" y="864108"/>
+            <a:ext cx="7315200" cy="771745"/>
           </a:xfrm>
         </p:spPr>
         <p:txBody>
@@ -3498,19 +4845,21 @@
           <a:p>
             <a:pPr marL="0" indent="0">
               <a:buNone/>
-            </a:pPr>
-            <a:r>
-              <a:rPr lang="en-US" dirty="0"/>
-              <a:t>Remove </a:t>
-            </a:r>
-            <a:r>
-              <a:rPr lang="en-US" dirty="0" err="1"/>
-              <a:t>NaNs</a:t>
-            </a:r>
-            <a:r>
-              <a:rPr lang="en-US" dirty="0"/>
-              <a:t>. Imputing not a sensible solution so we exclude</a:t>
-            </a:r>
+              <a:defRPr/>
+            </a:pPr>
+            <a:r>
+              <a:rPr/>
+              <a:t>Column correlations against dependent variable reveal </a:t>
+            </a:r>
+            <a:r>
+              <a:rPr/>
+              <a:t>zestimate</a:t>
+            </a:r>
+            <a:r>
+              <a:rPr/>
+              <a:t> columns to be highly correlation. Exclude</a:t>
+            </a:r>
+            <a:endParaRPr/>
           </a:p>
         </p:txBody>
       </p:sp>
@@ -3520,15 +4869,134 @@
           <p:cNvPicPr>
             <a:picLocks noChangeAspect="1"/>
           </p:cNvPicPr>
-          <p:nvPr/>
+          <p:nvPr isPhoto="0" userDrawn="0"/>
         </p:nvPicPr>
         <p:blipFill>
-          <a:blip r:embed="rId2"/>
-          <a:stretch>
-            <a:fillRect/>
-          </a:stretch>
+          <a:blip r:embed="rId3"/>
+          <a:stretch/>
         </p:blipFill>
-        <p:spPr>
+        <p:spPr bwMode="auto">
+          <a:xfrm>
+            <a:off x="3767054" y="1635853"/>
+            <a:ext cx="7722848" cy="4400506"/>
+          </a:xfrm>
+          <a:prstGeom prst="rect">
+            <a:avLst/>
+          </a:prstGeom>
+        </p:spPr>
+      </p:pic>
+    </p:spTree>
+  </p:cSld>
+  <p:clrMapOvr>
+    <a:masterClrMapping/>
+  </p:clrMapOvr>
+  <mc:AlternateContent xmlns:mc="http://schemas.openxmlformats.org/markup-compatibility/2006">
+    <mc:Choice xmlns:p14="http://schemas.microsoft.com/office/powerpoint/2010/main" Requires="p14">
+      <p:transition p14:dur="2000" advClick="1"/>
+    </mc:Choice>
+    <mc:Fallback>
+      <p:transition advClick="1"/>
+    </mc:Fallback>
+  </mc:AlternateContent>
+</p:sld>
+</file>
+
+<file path=ppt/slides/slide11.xml><?xml version="1.0" encoding="utf-8"?>
+<p:sld xmlns:a="http://schemas.openxmlformats.org/drawingml/2006/main" xmlns:r="http://schemas.openxmlformats.org/officeDocument/2006/relationships" xmlns:p="http://schemas.openxmlformats.org/presentationml/2006/main" xmlns:m="http://schemas.openxmlformats.org/officeDocument/2006/math" xmlns:w="http://schemas.openxmlformats.org/wordprocessingml/2006/main" showMasterPhAnim="0" show="1">
+  <p:cSld name="">
+    <p:spTree>
+      <p:nvGrpSpPr>
+        <p:cNvPr id="1" name=""/>
+        <p:cNvGrpSpPr/>
+        <p:nvPr isPhoto="0" userDrawn="0"/>
+      </p:nvGrpSpPr>
+      <p:grpSpPr bwMode="auto">
+        <a:xfrm>
+          <a:off x="0" y="0"/>
+          <a:ext cx="0" cy="0"/>
+          <a:chOff x="0" y="0"/>
+          <a:chExt cx="0" cy="0"/>
+        </a:xfrm>
+      </p:grpSpPr>
+      <p:sp>
+        <p:nvSpPr>
+          <p:cNvPr id="2" name="Title 1"/>
+          <p:cNvSpPr>
+            <a:spLocks noGrp="1"/>
+          </p:cNvSpPr>
+          <p:nvPr isPhoto="0" userDrawn="0">
+            <p:ph type="title" hasCustomPrompt="0"/>
+          </p:nvPr>
+        </p:nvSpPr>
+        <p:spPr bwMode="auto"/>
+        <p:txBody>
+          <a:bodyPr/>
+          <a:lstStyle/>
+          <a:p>
+            <a:pPr>
+              <a:defRPr/>
+            </a:pPr>
+            <a:r>
+              <a:rPr/>
+              <a:t>Data Preprocessing</a:t>
+            </a:r>
+            <a:endParaRPr/>
+          </a:p>
+        </p:txBody>
+      </p:sp>
+      <p:sp>
+        <p:nvSpPr>
+          <p:cNvPr id="3" name="Content Placeholder 2"/>
+          <p:cNvSpPr>
+            <a:spLocks noGrp="1"/>
+          </p:cNvSpPr>
+          <p:nvPr isPhoto="0" userDrawn="0">
+            <p:ph idx="1" hasCustomPrompt="0"/>
+          </p:nvPr>
+        </p:nvSpPr>
+        <p:spPr bwMode="auto">
+          <a:xfrm>
+            <a:off x="3869267" y="864109"/>
+            <a:ext cx="7315200" cy="662688"/>
+          </a:xfrm>
+        </p:spPr>
+        <p:txBody>
+          <a:bodyPr/>
+          <a:lstStyle/>
+          <a:p>
+            <a:pPr marL="0" indent="0">
+              <a:buNone/>
+              <a:defRPr/>
+            </a:pPr>
+            <a:r>
+              <a:rPr/>
+              <a:t>Remove </a:t>
+            </a:r>
+            <a:r>
+              <a:rPr/>
+              <a:t>NaNs</a:t>
+            </a:r>
+            <a:r>
+              <a:rPr/>
+              <a:t>. Imputing not a sensible solution so we exclude</a:t>
+            </a:r>
+            <a:endParaRPr/>
+          </a:p>
+        </p:txBody>
+      </p:sp>
+      <p:pic>
+        <p:nvPicPr>
+          <p:cNvPr id="4" name="Picture 3"/>
+          <p:cNvPicPr>
+            <a:picLocks noChangeAspect="1"/>
+          </p:cNvPicPr>
+          <p:nvPr isPhoto="0" userDrawn="0"/>
+        </p:nvPicPr>
+        <p:blipFill>
+          <a:blip r:embed="rId3"/>
+          <a:stretch/>
+        </p:blipFill>
+        <p:spPr bwMode="auto">
           <a:xfrm>
             <a:off x="3773342" y="1526797"/>
             <a:ext cx="7729908" cy="3760278"/>
@@ -3539,28 +5007,31 @@
         </p:spPr>
       </p:pic>
     </p:spTree>
-    <p:extLst>
-      <p:ext uri="{BB962C8B-B14F-4D97-AF65-F5344CB8AC3E}">
-        <p14:creationId xmlns:p14="http://schemas.microsoft.com/office/powerpoint/2010/main" val="690690516"/>
-      </p:ext>
-    </p:extLst>
   </p:cSld>
   <p:clrMapOvr>
     <a:masterClrMapping/>
   </p:clrMapOvr>
+  <mc:AlternateContent xmlns:mc="http://schemas.openxmlformats.org/markup-compatibility/2006">
+    <mc:Choice xmlns:p14="http://schemas.microsoft.com/office/powerpoint/2010/main" Requires="p14">
+      <p:transition p14:dur="2000" advClick="1"/>
+    </mc:Choice>
+    <mc:Fallback>
+      <p:transition advClick="1"/>
+    </mc:Fallback>
+  </mc:AlternateContent>
 </p:sld>
 </file>
 
-<file path=ppt/slides/slide11.xml><?xml version="1.0" encoding="utf-8"?>
-<p:sld xmlns:a="http://schemas.openxmlformats.org/drawingml/2006/main" xmlns:r="http://schemas.openxmlformats.org/officeDocument/2006/relationships" xmlns:p="http://schemas.openxmlformats.org/presentationml/2006/main">
-  <p:cSld>
+<file path=ppt/slides/slide12.xml><?xml version="1.0" encoding="utf-8"?>
+<p:sld xmlns:a="http://schemas.openxmlformats.org/drawingml/2006/main" xmlns:r="http://schemas.openxmlformats.org/officeDocument/2006/relationships" xmlns:p="http://schemas.openxmlformats.org/presentationml/2006/main" xmlns:m="http://schemas.openxmlformats.org/officeDocument/2006/math" xmlns:w="http://schemas.openxmlformats.org/wordprocessingml/2006/main" showMasterPhAnim="0" show="1">
+  <p:cSld name="">
     <p:spTree>
       <p:nvGrpSpPr>
         <p:cNvPr id="1" name=""/>
         <p:cNvGrpSpPr/>
-        <p:nvPr/>
+        <p:nvPr isPhoto="0" userDrawn="0"/>
       </p:nvGrpSpPr>
-      <p:grpSpPr>
+      <p:grpSpPr bwMode="auto">
         <a:xfrm>
           <a:off x="0" y="0"/>
           <a:ext cx="0" cy="0"/>
@@ -3574,19 +5045,23 @@
           <p:cNvSpPr>
             <a:spLocks noGrp="1"/>
           </p:cNvSpPr>
-          <p:nvPr>
-            <p:ph type="title"/>
-          </p:nvPr>
-        </p:nvSpPr>
-        <p:spPr/>
-        <p:txBody>
-          <a:bodyPr/>
-          <a:lstStyle/>
-          <a:p>
-            <a:r>
-              <a:rPr lang="en-US" dirty="0"/>
+          <p:nvPr isPhoto="0" userDrawn="0">
+            <p:ph type="title" hasCustomPrompt="0"/>
+          </p:nvPr>
+        </p:nvSpPr>
+        <p:spPr bwMode="auto"/>
+        <p:txBody>
+          <a:bodyPr/>
+          <a:lstStyle/>
+          <a:p>
+            <a:pPr>
+              <a:defRPr/>
+            </a:pPr>
+            <a:r>
+              <a:rPr/>
               <a:t>Data Preprocessing</a:t>
             </a:r>
+            <a:endParaRPr/>
           </a:p>
         </p:txBody>
       </p:sp>
@@ -3596,13 +5071,13 @@
           <p:cNvSpPr>
             <a:spLocks noGrp="1"/>
           </p:cNvSpPr>
-          <p:nvPr>
-            <p:ph idx="1"/>
-          </p:nvPr>
-        </p:nvSpPr>
-        <p:spPr>
+          <p:nvPr isPhoto="0" userDrawn="0">
+            <p:ph idx="1" hasCustomPrompt="0"/>
+          </p:nvPr>
+        </p:nvSpPr>
+        <p:spPr bwMode="auto">
           <a:xfrm>
-            <a:off x="3869268" y="864108"/>
+            <a:off x="3869267" y="864108"/>
             <a:ext cx="7315200" cy="520075"/>
           </a:xfrm>
         </p:spPr>
@@ -3612,11 +5087,13 @@
           <a:p>
             <a:pPr marL="0" indent="0">
               <a:buNone/>
-            </a:pPr>
-            <a:r>
-              <a:rPr lang="en-US" dirty="0"/>
+              <a:defRPr/>
+            </a:pPr>
+            <a:r>
+              <a:rPr/>
               <a:t>Convert categorical data to dummy variables</a:t>
             </a:r>
+            <a:endParaRPr/>
           </a:p>
         </p:txBody>
       </p:sp>
@@ -3626,18 +5103,16 @@
           <p:cNvPicPr>
             <a:picLocks noChangeAspect="1"/>
           </p:cNvPicPr>
-          <p:nvPr/>
+          <p:nvPr isPhoto="0" userDrawn="0"/>
         </p:nvPicPr>
         <p:blipFill>
-          <a:blip r:embed="rId2"/>
-          <a:stretch>
-            <a:fillRect/>
-          </a:stretch>
+          <a:blip r:embed="rId3"/>
+          <a:stretch/>
         </p:blipFill>
-        <p:spPr>
+        <p:spPr bwMode="auto">
           <a:xfrm>
-            <a:off x="3869268" y="2033122"/>
-            <a:ext cx="6697843" cy="2782611"/>
+            <a:off x="3869267" y="2033122"/>
+            <a:ext cx="6697843" cy="2782610"/>
           </a:xfrm>
           <a:prstGeom prst="rect">
             <a:avLst/>
@@ -3645,28 +5120,31 @@
         </p:spPr>
       </p:pic>
     </p:spTree>
-    <p:extLst>
-      <p:ext uri="{BB962C8B-B14F-4D97-AF65-F5344CB8AC3E}">
-        <p14:creationId xmlns:p14="http://schemas.microsoft.com/office/powerpoint/2010/main" val="951068421"/>
-      </p:ext>
-    </p:extLst>
   </p:cSld>
   <p:clrMapOvr>
     <a:masterClrMapping/>
   </p:clrMapOvr>
+  <mc:AlternateContent xmlns:mc="http://schemas.openxmlformats.org/markup-compatibility/2006">
+    <mc:Choice xmlns:p14="http://schemas.microsoft.com/office/powerpoint/2010/main" Requires="p14">
+      <p:transition p14:dur="2000" advClick="1"/>
+    </mc:Choice>
+    <mc:Fallback>
+      <p:transition advClick="1"/>
+    </mc:Fallback>
+  </mc:AlternateContent>
 </p:sld>
 </file>
 
-<file path=ppt/slides/slide12.xml><?xml version="1.0" encoding="utf-8"?>
-<p:sld xmlns:a="http://schemas.openxmlformats.org/drawingml/2006/main" xmlns:r="http://schemas.openxmlformats.org/officeDocument/2006/relationships" xmlns:p="http://schemas.openxmlformats.org/presentationml/2006/main">
-  <p:cSld>
+<file path=ppt/slides/slide13.xml><?xml version="1.0" encoding="utf-8"?>
+<p:sld xmlns:a="http://schemas.openxmlformats.org/drawingml/2006/main" xmlns:r="http://schemas.openxmlformats.org/officeDocument/2006/relationships" xmlns:p="http://schemas.openxmlformats.org/presentationml/2006/main" xmlns:m="http://schemas.openxmlformats.org/officeDocument/2006/math" xmlns:w="http://schemas.openxmlformats.org/wordprocessingml/2006/main" showMasterPhAnim="0" show="1">
+  <p:cSld name="">
     <p:spTree>
       <p:nvGrpSpPr>
         <p:cNvPr id="1" name=""/>
         <p:cNvGrpSpPr/>
-        <p:nvPr/>
+        <p:nvPr isPhoto="0" userDrawn="0"/>
       </p:nvGrpSpPr>
-      <p:grpSpPr>
+      <p:grpSpPr bwMode="auto">
         <a:xfrm>
           <a:off x="0" y="0"/>
           <a:ext cx="0" cy="0"/>
@@ -3680,19 +5158,23 @@
           <p:cNvSpPr>
             <a:spLocks noGrp="1"/>
           </p:cNvSpPr>
-          <p:nvPr>
-            <p:ph type="title"/>
-          </p:nvPr>
-        </p:nvSpPr>
-        <p:spPr/>
-        <p:txBody>
-          <a:bodyPr/>
-          <a:lstStyle/>
-          <a:p>
-            <a:r>
-              <a:rPr lang="en-US" dirty="0"/>
+          <p:nvPr isPhoto="0" userDrawn="0">
+            <p:ph type="title" hasCustomPrompt="0"/>
+          </p:nvPr>
+        </p:nvSpPr>
+        <p:spPr bwMode="auto"/>
+        <p:txBody>
+          <a:bodyPr/>
+          <a:lstStyle/>
+          <a:p>
+            <a:pPr>
+              <a:defRPr/>
+            </a:pPr>
+            <a:r>
+              <a:rPr/>
               <a:t>Data Preprocessing</a:t>
             </a:r>
+            <a:endParaRPr/>
           </a:p>
         </p:txBody>
       </p:sp>
@@ -3702,13 +5184,13 @@
           <p:cNvSpPr>
             <a:spLocks noGrp="1"/>
           </p:cNvSpPr>
-          <p:nvPr>
-            <p:ph idx="1"/>
-          </p:nvPr>
-        </p:nvSpPr>
-        <p:spPr>
+          <p:nvPr isPhoto="0" userDrawn="0">
+            <p:ph idx="1" hasCustomPrompt="0"/>
+          </p:nvPr>
+        </p:nvSpPr>
+        <p:spPr bwMode="auto">
           <a:xfrm>
-            <a:off x="3869268" y="864108"/>
+            <a:off x="3869267" y="864108"/>
             <a:ext cx="7315200" cy="520075"/>
           </a:xfrm>
         </p:spPr>
@@ -3718,11 +5200,13 @@
           <a:p>
             <a:pPr marL="0" indent="0">
               <a:buNone/>
-            </a:pPr>
-            <a:r>
-              <a:rPr lang="en-US" dirty="0"/>
+              <a:defRPr/>
+            </a:pPr>
+            <a:r>
+              <a:rPr/>
               <a:t>Convert categorical data to dummy variables</a:t>
             </a:r>
+            <a:endParaRPr/>
           </a:p>
         </p:txBody>
       </p:sp>
@@ -3732,17 +5216,15 @@
           <p:cNvPicPr>
             <a:picLocks noChangeAspect="1"/>
           </p:cNvPicPr>
-          <p:nvPr/>
+          <p:nvPr isPhoto="0" userDrawn="0"/>
         </p:nvPicPr>
         <p:blipFill>
-          <a:blip r:embed="rId2"/>
-          <a:stretch>
-            <a:fillRect/>
-          </a:stretch>
+          <a:blip r:embed="rId3"/>
+          <a:stretch/>
         </p:blipFill>
-        <p:spPr>
+        <p:spPr bwMode="auto">
           <a:xfrm>
-            <a:off x="3869268" y="1664661"/>
+            <a:off x="3869267" y="1664661"/>
             <a:ext cx="7581704" cy="3723792"/>
           </a:xfrm>
           <a:prstGeom prst="rect">
@@ -3751,28 +5233,31 @@
         </p:spPr>
       </p:pic>
     </p:spTree>
-    <p:extLst>
-      <p:ext uri="{BB962C8B-B14F-4D97-AF65-F5344CB8AC3E}">
-        <p14:creationId xmlns:p14="http://schemas.microsoft.com/office/powerpoint/2010/main" val="706805684"/>
-      </p:ext>
-    </p:extLst>
   </p:cSld>
   <p:clrMapOvr>
     <a:masterClrMapping/>
   </p:clrMapOvr>
+  <mc:AlternateContent xmlns:mc="http://schemas.openxmlformats.org/markup-compatibility/2006">
+    <mc:Choice xmlns:p14="http://schemas.microsoft.com/office/powerpoint/2010/main" Requires="p14">
+      <p:transition p14:dur="2000" advClick="1"/>
+    </mc:Choice>
+    <mc:Fallback>
+      <p:transition advClick="1"/>
+    </mc:Fallback>
+  </mc:AlternateContent>
 </p:sld>
 </file>
 
-<file path=ppt/slides/slide13.xml><?xml version="1.0" encoding="utf-8"?>
-<p:sld xmlns:a="http://schemas.openxmlformats.org/drawingml/2006/main" xmlns:r="http://schemas.openxmlformats.org/officeDocument/2006/relationships" xmlns:p="http://schemas.openxmlformats.org/presentationml/2006/main">
-  <p:cSld>
+<file path=ppt/slides/slide14.xml><?xml version="1.0" encoding="utf-8"?>
+<p:sld xmlns:a="http://schemas.openxmlformats.org/drawingml/2006/main" xmlns:r="http://schemas.openxmlformats.org/officeDocument/2006/relationships" xmlns:p="http://schemas.openxmlformats.org/presentationml/2006/main" xmlns:m="http://schemas.openxmlformats.org/officeDocument/2006/math" xmlns:w="http://schemas.openxmlformats.org/wordprocessingml/2006/main" showMasterPhAnim="0" show="1">
+  <p:cSld name="">
     <p:spTree>
       <p:nvGrpSpPr>
         <p:cNvPr id="1" name=""/>
         <p:cNvGrpSpPr/>
-        <p:nvPr/>
+        <p:nvPr isPhoto="0" userDrawn="0"/>
       </p:nvGrpSpPr>
-      <p:grpSpPr>
+      <p:grpSpPr bwMode="auto">
         <a:xfrm>
           <a:off x="0" y="0"/>
           <a:ext cx="0" cy="0"/>
@@ -3786,19 +5271,23 @@
           <p:cNvSpPr>
             <a:spLocks noGrp="1"/>
           </p:cNvSpPr>
-          <p:nvPr>
-            <p:ph type="title"/>
-          </p:nvPr>
-        </p:nvSpPr>
-        <p:spPr/>
-        <p:txBody>
-          <a:bodyPr/>
-          <a:lstStyle/>
-          <a:p>
-            <a:r>
-              <a:rPr lang="en-US" dirty="0"/>
+          <p:nvPr isPhoto="0" userDrawn="0">
+            <p:ph type="title" hasCustomPrompt="0"/>
+          </p:nvPr>
+        </p:nvSpPr>
+        <p:spPr bwMode="auto"/>
+        <p:txBody>
+          <a:bodyPr/>
+          <a:lstStyle/>
+          <a:p>
+            <a:pPr>
+              <a:defRPr/>
+            </a:pPr>
+            <a:r>
+              <a:rPr/>
               <a:t>Data Preprocessing</a:t>
             </a:r>
+            <a:endParaRPr/>
           </a:p>
         </p:txBody>
       </p:sp>
@@ -3808,13 +5297,13 @@
           <p:cNvSpPr>
             <a:spLocks noGrp="1"/>
           </p:cNvSpPr>
-          <p:nvPr>
-            <p:ph idx="1"/>
-          </p:nvPr>
-        </p:nvSpPr>
-        <p:spPr>
+          <p:nvPr isPhoto="0" userDrawn="0">
+            <p:ph idx="1" hasCustomPrompt="0"/>
+          </p:nvPr>
+        </p:nvSpPr>
+        <p:spPr bwMode="auto">
           <a:xfrm>
-            <a:off x="3869268" y="864108"/>
+            <a:off x="3869267" y="864108"/>
             <a:ext cx="7315200" cy="520075"/>
           </a:xfrm>
         </p:spPr>
@@ -3824,11 +5313,13 @@
           <a:p>
             <a:pPr marL="0" indent="0">
               <a:buNone/>
-            </a:pPr>
-            <a:r>
-              <a:rPr lang="en-US" dirty="0"/>
+              <a:defRPr/>
+            </a:pPr>
+            <a:r>
+              <a:rPr/>
               <a:t>Convert categorical data to dummy variables</a:t>
             </a:r>
+            <a:endParaRPr/>
           </a:p>
         </p:txBody>
       </p:sp>
@@ -3838,15 +5329,13 @@
           <p:cNvPicPr>
             <a:picLocks noChangeAspect="1"/>
           </p:cNvPicPr>
-          <p:nvPr/>
+          <p:nvPr isPhoto="0" userDrawn="0"/>
         </p:nvPicPr>
         <p:blipFill>
-          <a:blip r:embed="rId2"/>
-          <a:stretch>
-            <a:fillRect/>
-          </a:stretch>
+          <a:blip r:embed="rId3"/>
+          <a:stretch/>
         </p:blipFill>
-        <p:spPr>
+        <p:spPr bwMode="auto">
           <a:xfrm>
             <a:off x="3590880" y="2684642"/>
             <a:ext cx="7871975" cy="1479572"/>
@@ -3857,28 +5346,31 @@
         </p:spPr>
       </p:pic>
     </p:spTree>
-    <p:extLst>
-      <p:ext uri="{BB962C8B-B14F-4D97-AF65-F5344CB8AC3E}">
-        <p14:creationId xmlns:p14="http://schemas.microsoft.com/office/powerpoint/2010/main" val="2221002076"/>
-      </p:ext>
-    </p:extLst>
   </p:cSld>
   <p:clrMapOvr>
     <a:masterClrMapping/>
   </p:clrMapOvr>
+  <mc:AlternateContent xmlns:mc="http://schemas.openxmlformats.org/markup-compatibility/2006">
+    <mc:Choice xmlns:p14="http://schemas.microsoft.com/office/powerpoint/2010/main" Requires="p14">
+      <p:transition p14:dur="2000" advClick="1"/>
+    </mc:Choice>
+    <mc:Fallback>
+      <p:transition advClick="1"/>
+    </mc:Fallback>
+  </mc:AlternateContent>
 </p:sld>
 </file>
 
-<file path=ppt/slides/slide14.xml><?xml version="1.0" encoding="utf-8"?>
-<p:sld xmlns:a="http://schemas.openxmlformats.org/drawingml/2006/main" xmlns:r="http://schemas.openxmlformats.org/officeDocument/2006/relationships" xmlns:p="http://schemas.openxmlformats.org/presentationml/2006/main">
-  <p:cSld>
+<file path=ppt/slides/slide15.xml><?xml version="1.0" encoding="utf-8"?>
+<p:sld xmlns:a="http://schemas.openxmlformats.org/drawingml/2006/main" xmlns:r="http://schemas.openxmlformats.org/officeDocument/2006/relationships" xmlns:p="http://schemas.openxmlformats.org/presentationml/2006/main" xmlns:m="http://schemas.openxmlformats.org/officeDocument/2006/math" xmlns:w="http://schemas.openxmlformats.org/wordprocessingml/2006/main" showMasterPhAnim="0" show="1">
+  <p:cSld name="">
     <p:spTree>
       <p:nvGrpSpPr>
         <p:cNvPr id="1" name=""/>
         <p:cNvGrpSpPr/>
-        <p:nvPr/>
+        <p:nvPr isPhoto="0" userDrawn="0"/>
       </p:nvGrpSpPr>
-      <p:grpSpPr>
+      <p:grpSpPr bwMode="auto">
         <a:xfrm>
           <a:off x="0" y="0"/>
           <a:ext cx="0" cy="0"/>
@@ -3892,19 +5384,23 @@
           <p:cNvSpPr>
             <a:spLocks noGrp="1"/>
           </p:cNvSpPr>
-          <p:nvPr>
-            <p:ph type="title"/>
-          </p:nvPr>
-        </p:nvSpPr>
-        <p:spPr/>
-        <p:txBody>
-          <a:bodyPr/>
-          <a:lstStyle/>
-          <a:p>
-            <a:r>
-              <a:rPr lang="en-US" dirty="0"/>
+          <p:nvPr isPhoto="0" userDrawn="0">
+            <p:ph type="title" hasCustomPrompt="0"/>
+          </p:nvPr>
+        </p:nvSpPr>
+        <p:spPr bwMode="auto"/>
+        <p:txBody>
+          <a:bodyPr/>
+          <a:lstStyle/>
+          <a:p>
+            <a:pPr>
+              <a:defRPr/>
+            </a:pPr>
+            <a:r>
+              <a:rPr/>
               <a:t>Data Summary</a:t>
             </a:r>
+            <a:endParaRPr/>
           </a:p>
         </p:txBody>
       </p:sp>
@@ -3914,32 +5410,44 @@
           <p:cNvSpPr>
             <a:spLocks noGrp="1"/>
           </p:cNvSpPr>
-          <p:nvPr>
-            <p:ph idx="1"/>
-          </p:nvPr>
-        </p:nvSpPr>
-        <p:spPr>
+          <p:nvPr isPhoto="0" userDrawn="0">
+            <p:ph idx="1" hasCustomPrompt="0"/>
+          </p:nvPr>
+        </p:nvSpPr>
+        <p:spPr bwMode="auto">
           <a:xfrm>
-            <a:off x="3869268" y="864108"/>
-            <a:ext cx="7315200" cy="788523"/>
+            <a:off x="3869267" y="864108"/>
+            <a:ext cx="7315200" cy="788522"/>
           </a:xfrm>
         </p:spPr>
         <p:txBody>
-          <a:bodyPr>
-            <a:normAutofit fontScale="85000" lnSpcReduction="20000"/>
-          </a:bodyPr>
-          <a:lstStyle/>
-          <a:p>
-            <a:r>
-              <a:rPr lang="en-US" dirty="0"/>
+          <a:bodyPr/>
+          <a:lstStyle/>
+          <a:p>
+            <a:pPr>
+              <a:lnSpc>
+                <a:spcPct val="95000"/>
+              </a:lnSpc>
+              <a:defRPr/>
+            </a:pPr>
+            <a:r>
+              <a:rPr sz="1700"/>
               <a:t>Median price of $577,000</a:t>
             </a:r>
-          </a:p>
-          <a:p>
-            <a:r>
-              <a:rPr lang="en-US" dirty="0"/>
+            <a:endParaRPr/>
+          </a:p>
+          <a:p>
+            <a:pPr>
+              <a:lnSpc>
+                <a:spcPct val="70000"/>
+              </a:lnSpc>
+              <a:defRPr/>
+            </a:pPr>
+            <a:r>
+              <a:rPr sz="1700"/>
               <a:t>High variability reveals that data is representative of many different types of properties</a:t>
             </a:r>
+            <a:endParaRPr/>
           </a:p>
         </p:txBody>
       </p:sp>
@@ -3949,15 +5457,13 @@
           <p:cNvPicPr>
             <a:picLocks noChangeAspect="1"/>
           </p:cNvPicPr>
-          <p:nvPr/>
+          <p:nvPr isPhoto="0" userDrawn="0"/>
         </p:nvPicPr>
         <p:blipFill>
-          <a:blip r:embed="rId2"/>
-          <a:stretch>
-            <a:fillRect/>
-          </a:stretch>
+          <a:blip r:embed="rId3"/>
+          <a:stretch/>
         </p:blipFill>
-        <p:spPr>
+        <p:spPr bwMode="auto">
           <a:xfrm>
             <a:off x="3762308" y="1990586"/>
             <a:ext cx="7422160" cy="3893592"/>
@@ -3968,28 +5474,31 @@
         </p:spPr>
       </p:pic>
     </p:spTree>
-    <p:extLst>
-      <p:ext uri="{BB962C8B-B14F-4D97-AF65-F5344CB8AC3E}">
-        <p14:creationId xmlns:p14="http://schemas.microsoft.com/office/powerpoint/2010/main" val="3784875850"/>
-      </p:ext>
-    </p:extLst>
   </p:cSld>
   <p:clrMapOvr>
     <a:masterClrMapping/>
   </p:clrMapOvr>
+  <mc:AlternateContent xmlns:mc="http://schemas.openxmlformats.org/markup-compatibility/2006">
+    <mc:Choice xmlns:p14="http://schemas.microsoft.com/office/powerpoint/2010/main" Requires="p14">
+      <p:transition p14:dur="2000" advClick="1"/>
+    </mc:Choice>
+    <mc:Fallback>
+      <p:transition advClick="1"/>
+    </mc:Fallback>
+  </mc:AlternateContent>
 </p:sld>
 </file>
 
-<file path=ppt/slides/slide15.xml><?xml version="1.0" encoding="utf-8"?>
-<p:sld xmlns:a="http://schemas.openxmlformats.org/drawingml/2006/main" xmlns:r="http://schemas.openxmlformats.org/officeDocument/2006/relationships" xmlns:p="http://schemas.openxmlformats.org/presentationml/2006/main">
-  <p:cSld>
+<file path=ppt/slides/slide16.xml><?xml version="1.0" encoding="utf-8"?>
+<p:sld xmlns:a="http://schemas.openxmlformats.org/drawingml/2006/main" xmlns:r="http://schemas.openxmlformats.org/officeDocument/2006/relationships" xmlns:p="http://schemas.openxmlformats.org/presentationml/2006/main" xmlns:m="http://schemas.openxmlformats.org/officeDocument/2006/math" xmlns:w="http://schemas.openxmlformats.org/wordprocessingml/2006/main" showMasterPhAnim="0" show="1">
+  <p:cSld name="">
     <p:spTree>
       <p:nvGrpSpPr>
         <p:cNvPr id="1" name=""/>
         <p:cNvGrpSpPr/>
-        <p:nvPr/>
+        <p:nvPr isPhoto="0" userDrawn="0"/>
       </p:nvGrpSpPr>
-      <p:grpSpPr>
+      <p:grpSpPr bwMode="auto">
         <a:xfrm>
           <a:off x="0" y="0"/>
           <a:ext cx="0" cy="0"/>
@@ -4003,19 +5512,23 @@
           <p:cNvSpPr>
             <a:spLocks noGrp="1"/>
           </p:cNvSpPr>
-          <p:nvPr>
-            <p:ph type="title"/>
-          </p:nvPr>
-        </p:nvSpPr>
-        <p:spPr/>
-        <p:txBody>
-          <a:bodyPr/>
-          <a:lstStyle/>
-          <a:p>
-            <a:r>
-              <a:rPr lang="en-US" dirty="0"/>
+          <p:nvPr isPhoto="0" userDrawn="0">
+            <p:ph type="title" hasCustomPrompt="0"/>
+          </p:nvPr>
+        </p:nvSpPr>
+        <p:spPr bwMode="auto"/>
+        <p:txBody>
+          <a:bodyPr/>
+          <a:lstStyle/>
+          <a:p>
+            <a:pPr>
+              <a:defRPr/>
+            </a:pPr>
+            <a:r>
+              <a:rPr/>
               <a:t>Training</a:t>
             </a:r>
+            <a:endParaRPr/>
           </a:p>
         </p:txBody>
       </p:sp>
@@ -4025,81 +5538,143 @@
           <p:cNvSpPr>
             <a:spLocks noGrp="1"/>
           </p:cNvSpPr>
-          <p:nvPr>
-            <p:ph idx="1"/>
-          </p:nvPr>
-        </p:nvSpPr>
-        <p:spPr>
-          <a:xfrm>
-            <a:off x="3869268" y="864108"/>
-            <a:ext cx="7315200" cy="2785103"/>
+          <p:nvPr isPhoto="0" userDrawn="0">
+            <p:ph idx="1" hasCustomPrompt="0"/>
+          </p:nvPr>
+        </p:nvSpPr>
+        <p:spPr bwMode="auto">
+          <a:xfrm flipH="0" flipV="0">
+            <a:off x="3869267" y="864108"/>
+            <a:ext cx="7315200" cy="3555197"/>
           </a:xfrm>
         </p:spPr>
         <p:txBody>
-          <a:bodyPr>
-            <a:normAutofit lnSpcReduction="10000"/>
-          </a:bodyPr>
-          <a:lstStyle/>
-          <a:p>
-            <a:r>
-              <a:rPr lang="en-US" dirty="0"/>
+          <a:bodyPr/>
+          <a:lstStyle/>
+          <a:p>
+            <a:pPr>
+              <a:lnSpc>
+                <a:spcPct val="104999"/>
+              </a:lnSpc>
+              <a:defRPr/>
+            </a:pPr>
+            <a:r>
+              <a:rPr/>
               <a:t>10-Fold cross-validation running in parallel</a:t>
             </a:r>
-          </a:p>
-          <a:p>
-            <a:r>
-              <a:rPr lang="en-US" dirty="0"/>
+            <a:endParaRPr/>
+          </a:p>
+          <a:p>
+            <a:pPr>
+              <a:lnSpc>
+                <a:spcPct val="104999"/>
+              </a:lnSpc>
+              <a:defRPr/>
+            </a:pPr>
+            <a:r>
+              <a:rPr/>
               <a:t>Grid Search for parameter tuning</a:t>
             </a:r>
-          </a:p>
-          <a:p>
-            <a:r>
-              <a:rPr lang="en-US" dirty="0"/>
+            <a:endParaRPr/>
+          </a:p>
+          <a:p>
+            <a:pPr>
+              <a:lnSpc>
+                <a:spcPct val="104999"/>
+              </a:lnSpc>
+              <a:defRPr/>
+            </a:pPr>
+            <a:r>
+              <a:rPr/>
+              <a:t>Scoring metric: RMSE</a:t>
+            </a:r>
+            <a:endParaRPr/>
+          </a:p>
+          <a:p>
+            <a:pPr>
+              <a:lnSpc>
+                <a:spcPct val="104999"/>
+              </a:lnSpc>
+              <a:defRPr/>
+            </a:pPr>
+            <a:r>
+              <a:rPr/>
               <a:t>Estimators:</a:t>
             </a:r>
-          </a:p>
-          <a:p>
-            <a:pPr lvl="1"/>
-            <a:r>
-              <a:rPr lang="en-US" dirty="0"/>
+            <a:endParaRPr/>
+          </a:p>
+          <a:p>
+            <a:pPr lvl="1">
+              <a:lnSpc>
+                <a:spcPct val="104999"/>
+              </a:lnSpc>
+              <a:defRPr/>
+            </a:pPr>
+            <a:r>
+              <a:rPr/>
               <a:t>Ridge Regression – alpha: (0.1, 10, 0.1)</a:t>
             </a:r>
-          </a:p>
-          <a:p>
-            <a:pPr lvl="1"/>
-            <a:r>
-              <a:rPr lang="en-US" dirty="0"/>
+            <a:endParaRPr/>
+          </a:p>
+          <a:p>
+            <a:pPr lvl="1">
+              <a:lnSpc>
+                <a:spcPct val="104999"/>
+              </a:lnSpc>
+              <a:defRPr/>
+            </a:pPr>
+            <a:r>
+              <a:rPr/>
               <a:t>Support Vector Regression – C: [0.0001, 0.001, 0.1, 1, 5]</a:t>
             </a:r>
-          </a:p>
-          <a:p>
-            <a:pPr lvl="1"/>
-            <a:r>
-              <a:rPr lang="en-US" dirty="0"/>
+            <a:endParaRPr/>
+          </a:p>
+          <a:p>
+            <a:pPr lvl="1">
+              <a:lnSpc>
+                <a:spcPct val="104999"/>
+              </a:lnSpc>
+              <a:defRPr/>
+            </a:pPr>
+            <a:r>
+              <a:rPr/>
               <a:t>Lasso – alpha: [0.001, 0.01, 0.1, 1.0, 5]; </a:t>
             </a:r>
             <a:r>
-              <a:rPr lang="en-US" dirty="0" err="1"/>
+              <a:rPr/>
               <a:t>max_iter</a:t>
             </a:r>
             <a:r>
-              <a:rPr lang="en-US" dirty="0"/>
+              <a:rPr/>
               <a:t>: [5000, 10000]</a:t>
             </a:r>
-          </a:p>
-          <a:p>
-            <a:pPr lvl="1"/>
-            <a:r>
-              <a:rPr lang="en-US" dirty="0"/>
+            <a:endParaRPr/>
+          </a:p>
+          <a:p>
+            <a:pPr lvl="1">
+              <a:lnSpc>
+                <a:spcPct val="104999"/>
+              </a:lnSpc>
+              <a:defRPr/>
+            </a:pPr>
+            <a:r>
+              <a:rPr/>
               <a:t>Decision Tree</a:t>
             </a:r>
-          </a:p>
-          <a:p>
-            <a:pPr lvl="1"/>
-            <a:r>
-              <a:rPr lang="en-US" dirty="0"/>
+            <a:endParaRPr/>
+          </a:p>
+          <a:p>
+            <a:pPr lvl="1">
+              <a:lnSpc>
+                <a:spcPct val="104999"/>
+              </a:lnSpc>
+              <a:defRPr/>
+            </a:pPr>
+            <a:r>
+              <a:rPr/>
               <a:t>Elastic Net – alpha: [0.001, 0.01, 0.1, 1.0, 5, 10]; l1_ratio: (0, 1, 0.1)</a:t>
             </a:r>
+            <a:endParaRPr/>
           </a:p>
         </p:txBody>
       </p:sp>
@@ -4107,11 +5682,11 @@
         <p:nvGrpSpPr>
           <p:cNvPr id="6" name="Group 5"/>
           <p:cNvGrpSpPr/>
-          <p:nvPr/>
+          <p:nvPr isPhoto="0" userDrawn="0"/>
         </p:nvGrpSpPr>
-        <p:grpSpPr>
+        <p:grpSpPr bwMode="auto">
           <a:xfrm>
-            <a:off x="6103754" y="3733101"/>
+            <a:off x="6015559" y="4403378"/>
             <a:ext cx="3114675" cy="1726297"/>
             <a:chOff x="6103754" y="3733101"/>
             <a:chExt cx="3114675" cy="1726297"/>
@@ -4123,15 +5698,13 @@
             <p:cNvPicPr>
               <a:picLocks noChangeAspect="1"/>
             </p:cNvPicPr>
-            <p:nvPr/>
+            <p:nvPr isPhoto="0" userDrawn="0"/>
           </p:nvPicPr>
           <p:blipFill>
-            <a:blip r:embed="rId2"/>
-            <a:stretch>
-              <a:fillRect/>
-            </a:stretch>
+            <a:blip r:embed="rId3"/>
+            <a:stretch/>
           </p:blipFill>
-          <p:spPr>
+          <p:spPr bwMode="auto">
             <a:xfrm>
               <a:off x="6103754" y="3733101"/>
               <a:ext cx="3114675" cy="704850"/>
@@ -4147,15 +5720,13 @@
             <p:cNvPicPr>
               <a:picLocks noChangeAspect="1"/>
             </p:cNvPicPr>
-            <p:nvPr/>
+            <p:nvPr isPhoto="0" userDrawn="0"/>
           </p:nvPicPr>
           <p:blipFill>
-            <a:blip r:embed="rId3"/>
-            <a:stretch>
-              <a:fillRect/>
-            </a:stretch>
+            <a:blip r:embed="rId4"/>
+            <a:stretch/>
           </p:blipFill>
-          <p:spPr>
+          <p:spPr bwMode="auto">
             <a:xfrm>
               <a:off x="6113279" y="4421173"/>
               <a:ext cx="3105150" cy="1038225"/>
@@ -4167,28 +5738,31 @@
         </p:pic>
       </p:grpSp>
     </p:spTree>
-    <p:extLst>
-      <p:ext uri="{BB962C8B-B14F-4D97-AF65-F5344CB8AC3E}">
-        <p14:creationId xmlns:p14="http://schemas.microsoft.com/office/powerpoint/2010/main" val="1480877111"/>
-      </p:ext>
-    </p:extLst>
   </p:cSld>
   <p:clrMapOvr>
     <a:masterClrMapping/>
   </p:clrMapOvr>
+  <mc:AlternateContent xmlns:mc="http://schemas.openxmlformats.org/markup-compatibility/2006">
+    <mc:Choice xmlns:p14="http://schemas.microsoft.com/office/powerpoint/2010/main" Requires="p14">
+      <p:transition p14:dur="2000" advClick="1"/>
+    </mc:Choice>
+    <mc:Fallback>
+      <p:transition advClick="1"/>
+    </mc:Fallback>
+  </mc:AlternateContent>
 </p:sld>
 </file>
 
-<file path=ppt/slides/slide16.xml><?xml version="1.0" encoding="utf-8"?>
-<p:sld xmlns:a="http://schemas.openxmlformats.org/drawingml/2006/main" xmlns:r="http://schemas.openxmlformats.org/officeDocument/2006/relationships" xmlns:p="http://schemas.openxmlformats.org/presentationml/2006/main">
-  <p:cSld>
+<file path=ppt/slides/slide17.xml><?xml version="1.0" encoding="utf-8"?>
+<p:sld xmlns:a="http://schemas.openxmlformats.org/drawingml/2006/main" xmlns:r="http://schemas.openxmlformats.org/officeDocument/2006/relationships" xmlns:p="http://schemas.openxmlformats.org/presentationml/2006/main" xmlns:m="http://schemas.openxmlformats.org/officeDocument/2006/math" xmlns:w="http://schemas.openxmlformats.org/wordprocessingml/2006/main" showMasterPhAnim="0" show="1">
+  <p:cSld name="">
     <p:spTree>
       <p:nvGrpSpPr>
         <p:cNvPr id="1" name=""/>
         <p:cNvGrpSpPr/>
-        <p:nvPr/>
+        <p:nvPr isPhoto="0" userDrawn="0"/>
       </p:nvGrpSpPr>
-      <p:grpSpPr>
+      <p:grpSpPr bwMode="auto">
         <a:xfrm>
           <a:off x="0" y="0"/>
           <a:ext cx="0" cy="0"/>
@@ -4202,19 +5776,23 @@
           <p:cNvSpPr>
             <a:spLocks noGrp="1"/>
           </p:cNvSpPr>
-          <p:nvPr>
-            <p:ph type="title"/>
-          </p:nvPr>
-        </p:nvSpPr>
-        <p:spPr/>
-        <p:txBody>
-          <a:bodyPr/>
-          <a:lstStyle/>
-          <a:p>
-            <a:r>
-              <a:rPr lang="en-US" dirty="0"/>
+          <p:nvPr isPhoto="0" userDrawn="0">
+            <p:ph type="title" hasCustomPrompt="0"/>
+          </p:nvPr>
+        </p:nvSpPr>
+        <p:spPr bwMode="auto"/>
+        <p:txBody>
+          <a:bodyPr/>
+          <a:lstStyle/>
+          <a:p>
+            <a:pPr>
+              <a:defRPr/>
+            </a:pPr>
+            <a:r>
+              <a:rPr/>
               <a:t>Ensemble: Random Forest</a:t>
             </a:r>
+            <a:endParaRPr/>
           </a:p>
         </p:txBody>
       </p:sp>
@@ -4224,80 +5802,95 @@
           <p:cNvSpPr>
             <a:spLocks noGrp="1"/>
           </p:cNvSpPr>
-          <p:nvPr>
-            <p:ph idx="1"/>
-          </p:nvPr>
-        </p:nvSpPr>
-        <p:spPr>
+          <p:nvPr isPhoto="0" userDrawn="0">
+            <p:ph idx="1" hasCustomPrompt="0"/>
+          </p:nvPr>
+        </p:nvSpPr>
+        <p:spPr bwMode="auto">
           <a:xfrm>
             <a:off x="3944769" y="2308712"/>
             <a:ext cx="7315200" cy="2231431"/>
           </a:xfrm>
         </p:spPr>
         <p:txBody>
-          <a:bodyPr>
-            <a:normAutofit/>
-          </a:bodyPr>
-          <a:lstStyle/>
-          <a:p>
-            <a:r>
-              <a:rPr lang="en-US" dirty="0"/>
+          <a:bodyPr/>
+          <a:lstStyle/>
+          <a:p>
+            <a:pPr>
+              <a:defRPr/>
+            </a:pPr>
+            <a:r>
+              <a:rPr/>
               <a:t>Original plan was to use individual predictions as input for ensemble model using boosted methodology (soft vote, majority vote, stacking)</a:t>
             </a:r>
-          </a:p>
-          <a:p>
-            <a:pPr lvl="1"/>
-            <a:r>
-              <a:rPr lang="en-US" dirty="0"/>
+            <a:endParaRPr/>
+          </a:p>
+          <a:p>
+            <a:pPr lvl="1">
+              <a:defRPr/>
+            </a:pPr>
+            <a:r>
+              <a:rPr/>
               <a:t>Limited computing resources and time</a:t>
             </a:r>
-          </a:p>
-          <a:p>
-            <a:pPr lvl="1"/>
-            <a:r>
-              <a:rPr lang="en-US" dirty="0"/>
+            <a:endParaRPr/>
+          </a:p>
+          <a:p>
+            <a:pPr lvl="1">
+              <a:defRPr/>
+            </a:pPr>
+            <a:r>
+              <a:rPr/>
               <a:t>Poor individual results</a:t>
             </a:r>
-          </a:p>
-          <a:p>
-            <a:r>
-              <a:rPr lang="en-US" dirty="0"/>
+            <a:endParaRPr/>
+          </a:p>
+          <a:p>
+            <a:pPr>
+              <a:defRPr/>
+            </a:pPr>
+            <a:r>
+              <a:rPr/>
               <a:t>Random Forest – </a:t>
             </a:r>
             <a:r>
-              <a:rPr lang="en-US" dirty="0" err="1"/>
+              <a:rPr/>
               <a:t>n_estimators</a:t>
             </a:r>
             <a:r>
-              <a:rPr lang="en-US" dirty="0"/>
+              <a:rPr/>
               <a:t>: 1500</a:t>
             </a:r>
+            <a:endParaRPr/>
           </a:p>
         </p:txBody>
       </p:sp>
     </p:spTree>
-    <p:extLst>
-      <p:ext uri="{BB962C8B-B14F-4D97-AF65-F5344CB8AC3E}">
-        <p14:creationId xmlns:p14="http://schemas.microsoft.com/office/powerpoint/2010/main" val="2888024074"/>
-      </p:ext>
-    </p:extLst>
   </p:cSld>
   <p:clrMapOvr>
     <a:masterClrMapping/>
   </p:clrMapOvr>
+  <mc:AlternateContent xmlns:mc="http://schemas.openxmlformats.org/markup-compatibility/2006">
+    <mc:Choice xmlns:p14="http://schemas.microsoft.com/office/powerpoint/2010/main" Requires="p14">
+      <p:transition p14:dur="2000" advClick="1"/>
+    </mc:Choice>
+    <mc:Fallback>
+      <p:transition advClick="1"/>
+    </mc:Fallback>
+  </mc:AlternateContent>
 </p:sld>
 </file>
 
-<file path=ppt/slides/slide17.xml><?xml version="1.0" encoding="utf-8"?>
-<p:sld xmlns:a="http://schemas.openxmlformats.org/drawingml/2006/main" xmlns:r="http://schemas.openxmlformats.org/officeDocument/2006/relationships" xmlns:p="http://schemas.openxmlformats.org/presentationml/2006/main">
-  <p:cSld>
+<file path=ppt/slides/slide18.xml><?xml version="1.0" encoding="utf-8"?>
+<p:sld xmlns:a="http://schemas.openxmlformats.org/drawingml/2006/main" xmlns:r="http://schemas.openxmlformats.org/officeDocument/2006/relationships" xmlns:p="http://schemas.openxmlformats.org/presentationml/2006/main" xmlns:m="http://schemas.openxmlformats.org/officeDocument/2006/math" xmlns:w="http://schemas.openxmlformats.org/wordprocessingml/2006/main" showMasterPhAnim="0" show="1">
+  <p:cSld name="">
     <p:spTree>
       <p:nvGrpSpPr>
         <p:cNvPr id="1" name=""/>
         <p:cNvGrpSpPr/>
-        <p:nvPr/>
+        <p:nvPr isPhoto="0" userDrawn="0"/>
       </p:nvGrpSpPr>
-      <p:grpSpPr>
+      <p:grpSpPr bwMode="auto">
         <a:xfrm>
           <a:off x="0" y="0"/>
           <a:ext cx="0" cy="0"/>
@@ -4311,19 +5904,23 @@
           <p:cNvSpPr>
             <a:spLocks noGrp="1"/>
           </p:cNvSpPr>
-          <p:nvPr>
-            <p:ph type="title"/>
-          </p:nvPr>
-        </p:nvSpPr>
-        <p:spPr/>
-        <p:txBody>
-          <a:bodyPr/>
-          <a:lstStyle/>
-          <a:p>
-            <a:r>
-              <a:rPr lang="en-US" dirty="0"/>
+          <p:nvPr isPhoto="0" userDrawn="0">
+            <p:ph type="title" hasCustomPrompt="0"/>
+          </p:nvPr>
+        </p:nvSpPr>
+        <p:spPr bwMode="auto"/>
+        <p:txBody>
+          <a:bodyPr/>
+          <a:lstStyle/>
+          <a:p>
+            <a:pPr>
+              <a:defRPr/>
+            </a:pPr>
+            <a:r>
+              <a:rPr/>
               <a:t>Results</a:t>
             </a:r>
+            <a:endParaRPr/>
           </a:p>
         </p:txBody>
       </p:sp>
@@ -4333,13 +5930,13 @@
           <p:cNvSpPr>
             <a:spLocks noGrp="1"/>
           </p:cNvSpPr>
-          <p:nvPr>
-            <p:ph idx="1"/>
-          </p:nvPr>
-        </p:nvSpPr>
-        <p:spPr>
+          <p:nvPr isPhoto="0" userDrawn="0">
+            <p:ph idx="1" hasCustomPrompt="0"/>
+          </p:nvPr>
+        </p:nvSpPr>
+        <p:spPr bwMode="auto">
           <a:xfrm>
-            <a:off x="3869268" y="3749878"/>
+            <a:off x="3869267" y="3749878"/>
             <a:ext cx="7315200" cy="2234869"/>
           </a:xfrm>
         </p:spPr>
@@ -4347,21 +5944,28 @@
           <a:bodyPr/>
           <a:lstStyle/>
           <a:p>
-            <a:r>
-              <a:rPr lang="en-US" dirty="0"/>
+            <a:pPr>
+              <a:defRPr/>
+            </a:pPr>
+            <a:r>
+              <a:rPr/>
               <a:t>Random Forest best CV RMSE</a:t>
             </a:r>
-          </a:p>
-          <a:p>
-            <a:r>
-              <a:rPr lang="en-US" dirty="0"/>
+            <a:endParaRPr/>
+          </a:p>
+          <a:p>
+            <a:pPr>
+              <a:defRPr/>
+            </a:pPr>
+            <a:r>
+              <a:rPr/>
               <a:t>Out-of-sample RMSE on 20% held out data: $</a:t>
             </a:r>
             <a:r>
-              <a:rPr lang="en-US" sz="2400" b="1" dirty="0"/>
+              <a:rPr sz="2400" b="1"/>
               <a:t>150,472</a:t>
             </a:r>
-            <a:endParaRPr lang="en-US" b="1" dirty="0"/>
+            <a:endParaRPr b="1"/>
           </a:p>
         </p:txBody>
       </p:sp>
@@ -4371,18 +5975,16 @@
           <p:cNvPicPr>
             <a:picLocks noChangeAspect="1"/>
           </p:cNvPicPr>
-          <p:nvPr/>
+          <p:nvPr isPhoto="0" userDrawn="0"/>
         </p:nvPicPr>
         <p:blipFill>
-          <a:blip r:embed="rId2"/>
-          <a:stretch>
-            <a:fillRect/>
-          </a:stretch>
+          <a:blip r:embed="rId3"/>
+          <a:stretch/>
         </p:blipFill>
-        <p:spPr>
+        <p:spPr bwMode="auto">
           <a:xfrm>
             <a:off x="5917143" y="1243754"/>
-            <a:ext cx="3219450" cy="2038350"/>
+            <a:ext cx="3219449" cy="2038349"/>
           </a:xfrm>
           <a:prstGeom prst="rect">
             <a:avLst/>
@@ -4390,28 +5992,31 @@
         </p:spPr>
       </p:pic>
     </p:spTree>
-    <p:extLst>
-      <p:ext uri="{BB962C8B-B14F-4D97-AF65-F5344CB8AC3E}">
-        <p14:creationId xmlns:p14="http://schemas.microsoft.com/office/powerpoint/2010/main" val="2669661651"/>
-      </p:ext>
-    </p:extLst>
   </p:cSld>
   <p:clrMapOvr>
     <a:masterClrMapping/>
   </p:clrMapOvr>
+  <mc:AlternateContent xmlns:mc="http://schemas.openxmlformats.org/markup-compatibility/2006">
+    <mc:Choice xmlns:p14="http://schemas.microsoft.com/office/powerpoint/2010/main" Requires="p14">
+      <p:transition p14:dur="2000" advClick="1"/>
+    </mc:Choice>
+    <mc:Fallback>
+      <p:transition advClick="1"/>
+    </mc:Fallback>
+  </mc:AlternateContent>
 </p:sld>
 </file>
 
-<file path=ppt/slides/slide18.xml><?xml version="1.0" encoding="utf-8"?>
-<p:sld xmlns:a="http://schemas.openxmlformats.org/drawingml/2006/main" xmlns:r="http://schemas.openxmlformats.org/officeDocument/2006/relationships" xmlns:p="http://schemas.openxmlformats.org/presentationml/2006/main">
-  <p:cSld>
+<file path=ppt/slides/slide19.xml><?xml version="1.0" encoding="utf-8"?>
+<p:sld xmlns:a="http://schemas.openxmlformats.org/drawingml/2006/main" xmlns:r="http://schemas.openxmlformats.org/officeDocument/2006/relationships" xmlns:p="http://schemas.openxmlformats.org/presentationml/2006/main" xmlns:m="http://schemas.openxmlformats.org/officeDocument/2006/math" xmlns:w="http://schemas.openxmlformats.org/wordprocessingml/2006/main" showMasterPhAnim="0" show="1">
+  <p:cSld name="">
     <p:spTree>
       <p:nvGrpSpPr>
         <p:cNvPr id="1" name=""/>
         <p:cNvGrpSpPr/>
-        <p:nvPr/>
+        <p:nvPr isPhoto="0" userDrawn="0"/>
       </p:nvGrpSpPr>
-      <p:grpSpPr>
+      <p:grpSpPr bwMode="auto">
         <a:xfrm>
           <a:off x="0" y="0"/>
           <a:ext cx="0" cy="0"/>
@@ -4425,19 +6030,23 @@
           <p:cNvSpPr>
             <a:spLocks noGrp="1"/>
           </p:cNvSpPr>
-          <p:nvPr>
-            <p:ph type="title"/>
-          </p:nvPr>
-        </p:nvSpPr>
-        <p:spPr/>
-        <p:txBody>
-          <a:bodyPr/>
-          <a:lstStyle/>
-          <a:p>
-            <a:r>
-              <a:rPr lang="en-US" dirty="0"/>
+          <p:nvPr isPhoto="0" userDrawn="0">
+            <p:ph type="title" hasCustomPrompt="0"/>
+          </p:nvPr>
+        </p:nvSpPr>
+        <p:spPr bwMode="auto"/>
+        <p:txBody>
+          <a:bodyPr/>
+          <a:lstStyle/>
+          <a:p>
+            <a:pPr>
+              <a:defRPr/>
+            </a:pPr>
+            <a:r>
+              <a:rPr/>
               <a:t>Conclusion</a:t>
             </a:r>
+            <a:endParaRPr/>
           </a:p>
         </p:txBody>
       </p:sp>
@@ -4447,63 +6056,82 @@
           <p:cNvSpPr>
             <a:spLocks noGrp="1"/>
           </p:cNvSpPr>
-          <p:nvPr>
-            <p:ph idx="1"/>
-          </p:nvPr>
-        </p:nvSpPr>
-        <p:spPr/>
-        <p:txBody>
-          <a:bodyPr/>
-          <a:lstStyle/>
-          <a:p>
-            <a:r>
-              <a:rPr lang="en-US" dirty="0"/>
+          <p:nvPr isPhoto="0" userDrawn="0">
+            <p:ph idx="1" hasCustomPrompt="0"/>
+          </p:nvPr>
+        </p:nvSpPr>
+        <p:spPr bwMode="auto"/>
+        <p:txBody>
+          <a:bodyPr/>
+          <a:lstStyle/>
+          <a:p>
+            <a:pPr>
+              <a:defRPr/>
+            </a:pPr>
+            <a:r>
+              <a:rPr/>
               <a:t>As anticipated, an ensemble method performed better than any individual estimator</a:t>
             </a:r>
-          </a:p>
-          <a:p>
-            <a:r>
-              <a:rPr lang="en-US" dirty="0"/>
+            <a:endParaRPr/>
+          </a:p>
+          <a:p>
+            <a:pPr>
+              <a:defRPr/>
+            </a:pPr>
+            <a:r>
+              <a:rPr/>
               <a:t>Parameters had a significant impact in results. Grid search is most popular method for parameter search, but randomized search has shown to yield better results</a:t>
             </a:r>
-          </a:p>
-          <a:p>
-            <a:r>
-              <a:rPr lang="en-US" dirty="0"/>
+            <a:endParaRPr/>
+          </a:p>
+          <a:p>
+            <a:pPr>
+              <a:defRPr/>
+            </a:pPr>
+            <a:r>
+              <a:rPr/>
               <a:t>Biggest challenge is time vs accuracy</a:t>
             </a:r>
-          </a:p>
-          <a:p>
-            <a:r>
-              <a:rPr lang="en-US" dirty="0"/>
+            <a:endParaRPr/>
+          </a:p>
+          <a:p>
+            <a:pPr>
+              <a:defRPr/>
+            </a:pPr>
+            <a:r>
+              <a:rPr/>
               <a:t>Next step: Deeper dive into individual estimators and corresponding parameters, neural nets/deep learning (CNN, RNN, LSTM, Neural Turing Machine)</a:t>
             </a:r>
+            <a:endParaRPr/>
           </a:p>
         </p:txBody>
       </p:sp>
     </p:spTree>
-    <p:extLst>
-      <p:ext uri="{BB962C8B-B14F-4D97-AF65-F5344CB8AC3E}">
-        <p14:creationId xmlns:p14="http://schemas.microsoft.com/office/powerpoint/2010/main" val="4169024459"/>
-      </p:ext>
-    </p:extLst>
   </p:cSld>
   <p:clrMapOvr>
     <a:masterClrMapping/>
   </p:clrMapOvr>
+  <mc:AlternateContent xmlns:mc="http://schemas.openxmlformats.org/markup-compatibility/2006">
+    <mc:Choice xmlns:p14="http://schemas.microsoft.com/office/powerpoint/2010/main" Requires="p14">
+      <p:transition p14:dur="2000" advClick="1"/>
+    </mc:Choice>
+    <mc:Fallback>
+      <p:transition advClick="1"/>
+    </mc:Fallback>
+  </mc:AlternateContent>
 </p:sld>
 </file>
 
-<file path=ppt/slides/slide19.xml><?xml version="1.0" encoding="utf-8"?>
-<p:sld xmlns:a="http://schemas.openxmlformats.org/drawingml/2006/main" xmlns:r="http://schemas.openxmlformats.org/officeDocument/2006/relationships" xmlns:p="http://schemas.openxmlformats.org/presentationml/2006/main">
-  <p:cSld>
+<file path=ppt/slides/slide2.xml><?xml version="1.0" encoding="utf-8"?>
+<p:sld xmlns:a="http://schemas.openxmlformats.org/drawingml/2006/main" xmlns:r="http://schemas.openxmlformats.org/officeDocument/2006/relationships" xmlns:p="http://schemas.openxmlformats.org/presentationml/2006/main" xmlns:m="http://schemas.openxmlformats.org/officeDocument/2006/math" xmlns:w="http://schemas.openxmlformats.org/wordprocessingml/2006/main" showMasterPhAnim="0" show="1">
+  <p:cSld name="">
     <p:spTree>
       <p:nvGrpSpPr>
         <p:cNvPr id="1" name=""/>
         <p:cNvGrpSpPr/>
-        <p:nvPr/>
+        <p:nvPr isPhoto="0" userDrawn="0"/>
       </p:nvGrpSpPr>
-      <p:grpSpPr>
+      <p:grpSpPr bwMode="auto">
         <a:xfrm>
           <a:off x="0" y="0"/>
           <a:ext cx="0" cy="0"/>
@@ -4517,19 +6145,23 @@
           <p:cNvSpPr>
             <a:spLocks noGrp="1"/>
           </p:cNvSpPr>
-          <p:nvPr>
-            <p:ph type="title"/>
-          </p:nvPr>
-        </p:nvSpPr>
-        <p:spPr/>
-        <p:txBody>
-          <a:bodyPr/>
-          <a:lstStyle/>
-          <a:p>
-            <a:r>
-              <a:rPr lang="en-US" dirty="0"/>
-              <a:t>Links</a:t>
-            </a:r>
+          <p:nvPr isPhoto="0" userDrawn="0">
+            <p:ph type="title" hasCustomPrompt="0"/>
+          </p:nvPr>
+        </p:nvSpPr>
+        <p:spPr bwMode="auto"/>
+        <p:txBody>
+          <a:bodyPr/>
+          <a:lstStyle/>
+          <a:p>
+            <a:pPr>
+              <a:defRPr/>
+            </a:pPr>
+            <a:r>
+              <a:rPr/>
+              <a:t>Goal</a:t>
+            </a:r>
+            <a:endParaRPr/>
           </a:p>
         </p:txBody>
       </p:sp>
@@ -4539,105 +6171,53 @@
           <p:cNvSpPr>
             <a:spLocks noGrp="1"/>
           </p:cNvSpPr>
-          <p:nvPr>
-            <p:ph idx="1"/>
-          </p:nvPr>
-        </p:nvSpPr>
-        <p:spPr/>
-        <p:txBody>
-          <a:bodyPr/>
-          <a:lstStyle/>
-          <a:p>
-            <a:r>
-              <a:rPr lang="en-US" dirty="0"/>
-              <a:t>My </a:t>
-            </a:r>
-            <a:r>
-              <a:rPr lang="en-US" dirty="0" err="1"/>
-              <a:t>Github</a:t>
-            </a:r>
-            <a:r>
-              <a:rPr lang="en-US" dirty="0"/>
-              <a:t>: ftan84 (</a:t>
-            </a:r>
-            <a:r>
-              <a:rPr lang="en-US" dirty="0">
-                <a:hlinkClick r:id="rId2"/>
-              </a:rPr>
-              <a:t>https://github.com/ftan84</a:t>
-            </a:r>
-            <a:r>
-              <a:rPr lang="en-US" dirty="0"/>
-              <a:t>)</a:t>
-            </a:r>
-          </a:p>
-          <a:p>
-            <a:r>
-              <a:rPr lang="en-US" dirty="0"/>
-              <a:t>Report: (</a:t>
-            </a:r>
-            <a:r>
-              <a:rPr lang="en-US" dirty="0">
-                <a:hlinkClick r:id="rId3"/>
-              </a:rPr>
-              <a:t>https://github.com/ftan84/housing_price/blob/master/report.pdf</a:t>
-            </a:r>
-            <a:r>
-              <a:rPr lang="en-US" dirty="0"/>
-              <a:t>)</a:t>
-            </a:r>
-          </a:p>
-          <a:p>
-            <a:r>
-              <a:rPr lang="en-US" dirty="0">
-                <a:hlinkClick r:id="rId4"/>
-              </a:rPr>
-              <a:t>Pweave</a:t>
-            </a:r>
-            <a:r>
-              <a:rPr lang="en-US" dirty="0"/>
-              <a:t> + </a:t>
-            </a:r>
-            <a:r>
-              <a:rPr lang="en-US" dirty="0" err="1">
-                <a:hlinkClick r:id="rId5"/>
-              </a:rPr>
-              <a:t>Pandoc</a:t>
-            </a:r>
-            <a:endParaRPr lang="en-US" dirty="0"/>
-          </a:p>
-          <a:p>
-            <a:r>
-              <a:rPr lang="en-US" dirty="0"/>
-              <a:t>Update!!!</a:t>
-            </a:r>
-            <a:endParaRPr lang="en-US" dirty="0"/>
+          <p:nvPr isPhoto="0" userDrawn="0">
+            <p:ph idx="1" hasCustomPrompt="0"/>
+          </p:nvPr>
+        </p:nvSpPr>
+        <p:spPr bwMode="auto"/>
+        <p:txBody>
+          <a:bodyPr/>
+          <a:lstStyle/>
+          <a:p>
+            <a:pPr marL="0" indent="0" algn="ctr">
+              <a:buNone/>
+              <a:defRPr/>
+            </a:pPr>
+            <a:r>
+              <a:rPr sz="2800"/>
+              <a:t>Using housing data such as the number of bedrooms/bathrooms, square footage, year built as well as other less intuitive variables as provided by the Zillow API, the aim of this project is to predict the sale price of a property by employing various predictive machine learning models in an ensemble</a:t>
+            </a:r>
+            <a:endParaRPr/>
           </a:p>
         </p:txBody>
       </p:sp>
     </p:spTree>
-    <p:extLst>
-      <p:ext uri="{BB962C8B-B14F-4D97-AF65-F5344CB8AC3E}">
-        <p14:creationId xmlns:p14="http://schemas.microsoft.com/office/powerpoint/2010/main" val="4289561950"/>
-      </p:ext>
-    </p:extLst>
   </p:cSld>
   <p:clrMapOvr>
     <a:masterClrMapping/>
   </p:clrMapOvr>
+  <mc:AlternateContent xmlns:mc="http://schemas.openxmlformats.org/markup-compatibility/2006">
+    <mc:Choice xmlns:p14="http://schemas.microsoft.com/office/powerpoint/2010/main" Requires="p14">
+      <p:transition p14:dur="2000" advClick="1"/>
+    </mc:Choice>
+    <mc:Fallback>
+      <p:transition advClick="1"/>
+    </mc:Fallback>
+  </mc:AlternateContent>
 </p:sld>
 </file>
 
-<file path=ppt/slides/slide2.xml><?xml version="1.0" encoding="utf-8"?>
-<p:sld xmlns:a="http://schemas.openxmlformats.org/drawingml/2006/main" xmlns:r="http://schemas.openxmlformats.org/officeDocument/2006/relationships" xmlns:p="http://schemas.openxmlformats.org/presentationml/2006/main">
-  <p:cSld>
+<file path=ppt/slides/slide20.xml><?xml version="1.0" encoding="utf-8"?>
+<p:sld xmlns:a="http://schemas.openxmlformats.org/drawingml/2006/main" xmlns:r="http://schemas.openxmlformats.org/officeDocument/2006/relationships" xmlns:p="http://schemas.openxmlformats.org/presentationml/2006/main" xmlns:m="http://schemas.openxmlformats.org/officeDocument/2006/math" xmlns:w="http://schemas.openxmlformats.org/wordprocessingml/2006/main" showMasterPhAnim="0" show="1">
+  <p:cSld name="">
     <p:spTree>
       <p:nvGrpSpPr>
         <p:cNvPr id="1" name=""/>
         <p:cNvGrpSpPr/>
-        <p:nvPr/>
+        <p:nvPr isPhoto="0" userDrawn="0"/>
       </p:nvGrpSpPr>
-      <p:grpSpPr>
+      <p:grpSpPr bwMode="auto">
         <a:xfrm>
           <a:off x="0" y="0"/>
           <a:ext cx="0" cy="0"/>
@@ -4651,19 +6231,23 @@
           <p:cNvSpPr>
             <a:spLocks noGrp="1"/>
           </p:cNvSpPr>
-          <p:nvPr>
-            <p:ph type="title"/>
-          </p:nvPr>
-        </p:nvSpPr>
-        <p:spPr/>
-        <p:txBody>
-          <a:bodyPr/>
-          <a:lstStyle/>
-          <a:p>
-            <a:r>
-              <a:rPr lang="en-US" dirty="0"/>
-              <a:t>Goal</a:t>
-            </a:r>
+          <p:nvPr isPhoto="0" userDrawn="0">
+            <p:ph type="title" hasCustomPrompt="0"/>
+          </p:nvPr>
+        </p:nvSpPr>
+        <p:spPr bwMode="auto"/>
+        <p:txBody>
+          <a:bodyPr/>
+          <a:lstStyle/>
+          <a:p>
+            <a:pPr>
+              <a:defRPr/>
+            </a:pPr>
+            <a:r>
+              <a:rPr/>
+              <a:t>Links</a:t>
+            </a:r>
+            <a:endParaRPr/>
           </a:p>
         </p:txBody>
       </p:sp>
@@ -4673,50 +6257,191 @@
           <p:cNvSpPr>
             <a:spLocks noGrp="1"/>
           </p:cNvSpPr>
-          <p:nvPr>
-            <p:ph idx="1"/>
-          </p:nvPr>
-        </p:nvSpPr>
-        <p:spPr/>
-        <p:txBody>
-          <a:bodyPr>
-            <a:normAutofit/>
-          </a:bodyPr>
-          <a:lstStyle/>
-          <a:p>
-            <a:pPr marL="0" indent="0" algn="ctr">
-              <a:buNone/>
-            </a:pPr>
-            <a:r>
-              <a:rPr lang="en-US" sz="2800" dirty="0"/>
-              <a:t>Using housing data such as the number of bedrooms/bathrooms, square footage, year built as well as other less intuitive variables as provided by the Zillow API, the aim of this project is to predict the sale price of a property by employing various predictive machine learning models in an ensemble</a:t>
-            </a:r>
+          <p:nvPr isPhoto="0" userDrawn="0">
+            <p:ph idx="1" hasCustomPrompt="0"/>
+          </p:nvPr>
+        </p:nvSpPr>
+        <p:spPr bwMode="auto"/>
+        <p:txBody>
+          <a:bodyPr/>
+          <a:lstStyle/>
+          <a:p>
+            <a:pPr>
+              <a:defRPr/>
+            </a:pPr>
+            <a:r>
+              <a:rPr/>
+              <a:t>My </a:t>
+            </a:r>
+            <a:r>
+              <a:rPr/>
+              <a:t>Github</a:t>
+            </a:r>
+            <a:r>
+              <a:rPr/>
+              <a:t>: ftan84 (</a:t>
+            </a:r>
+            <a:r>
+              <a:rPr u="sng">
+                <a:solidFill>
+                  <a:schemeClr val="hlink"/>
+                </a:solidFill>
+                <a:hlinkClick r:id="" tooltip=""/>
+              </a:rPr>
+              <a:t>https://github.com/ftan84</a:t>
+            </a:r>
+            <a:r>
+              <a:rPr/>
+              <a:t>)</a:t>
+            </a:r>
+            <a:endParaRPr/>
+          </a:p>
+          <a:p>
+            <a:pPr>
+              <a:defRPr/>
+            </a:pPr>
+            <a:r>
+              <a:rPr/>
+              <a:t>Report: (</a:t>
+            </a:r>
+            <a:r>
+              <a:rPr u="sng">
+                <a:solidFill>
+                  <a:schemeClr val="hlink"/>
+                </a:solidFill>
+                <a:hlinkClick r:id="" tooltip=""/>
+              </a:rPr>
+              <a:t>https://github.com/ftan84/housing_price/blob/master/report.pdf</a:t>
+            </a:r>
+            <a:r>
+              <a:rPr/>
+              <a:t>)</a:t>
+            </a:r>
+            <a:endParaRPr/>
+          </a:p>
+          <a:p>
+            <a:pPr>
+              <a:defRPr/>
+            </a:pPr>
+            <a:r>
+              <a:rPr u="sng">
+                <a:solidFill>
+                  <a:schemeClr val="hlink"/>
+                </a:solidFill>
+                <a:hlinkClick r:id="rId3" tooltip=""/>
+              </a:rPr>
+              <a:t>Pweave</a:t>
+            </a:r>
+            <a:r>
+              <a:rPr/>
+              <a:t> + </a:t>
+            </a:r>
+            <a:r>
+              <a:rPr u="sng">
+                <a:solidFill>
+                  <a:schemeClr val="hlink"/>
+                </a:solidFill>
+                <a:hlinkClick r:id="rId3" tooltip=""/>
+              </a:rPr>
+              <a:t>Pandoc</a:t>
+            </a:r>
+            <a:endParaRPr/>
+          </a:p>
+          <a:p>
+            <a:pPr marL="182880" marR="0" indent="-182880" algn="l">
+              <a:lnSpc>
+                <a:spcPct val="90000"/>
+              </a:lnSpc>
+              <a:spcBef>
+                <a:spcPts val="1199"/>
+              </a:spcBef>
+              <a:spcAft>
+                <a:spcPts val="0"/>
+              </a:spcAft>
+              <a:buClr>
+                <a:schemeClr val="accent1"/>
+              </a:buClr>
+              <a:buFont typeface="Wingdings 2"/>
+              <a:buChar char=""/>
+              <a:defRPr/>
+            </a:pPr>
+            <a:r>
+              <a:rPr/>
+              <a:t>train(DataScience) (</a:t>
+            </a:r>
+            <a:r>
+              <a:rPr sz="2000" b="0" i="0" u="sng" strike="noStrike" cap="none" spc="0">
+                <a:solidFill>
+                  <a:schemeClr val="hlink"/>
+                </a:solidFill>
+                <a:latin typeface="+mn-lt"/>
+                <a:ea typeface="+mn-lt"/>
+                <a:hlinkClick r:id="rId4" tooltip=""/>
+              </a:rPr>
+              <a:t>http://traindatascience.com/</a:t>
+            </a:r>
+            <a:r>
+              <a:rPr sz="2000" b="0" i="0" u="none" strike="noStrike" cap="none" spc="0">
+                <a:solidFill>
+                  <a:schemeClr val="tx1">
+                    <a:lumMod val="65000"/>
+                    <a:lumOff val="35000"/>
+                  </a:schemeClr>
+                </a:solidFill>
+                <a:latin typeface="+mn-lt"/>
+                <a:ea typeface="+mn-lt"/>
+              </a:rPr>
+              <a:t>)</a:t>
+            </a:r>
+            <a:endParaRPr sz="2000" b="0" i="0" u="none" strike="noStrike" cap="none" spc="0">
+              <a:solidFill>
+                <a:schemeClr val="tx1">
+                  <a:lumMod val="65000"/>
+                  <a:lumOff val="35000"/>
+                </a:schemeClr>
+              </a:solidFill>
+              <a:latin typeface="+mn-lt"/>
+              <a:ea typeface="+mn-lt"/>
+            </a:endParaRPr>
+          </a:p>
+          <a:p>
+            <a:pPr>
+              <a:defRPr/>
+            </a:pPr>
+            <a:r>
+              <a:rPr/>
+              <a:t>Update!!!</a:t>
+            </a:r>
+            <a:endParaRPr/>
           </a:p>
         </p:txBody>
       </p:sp>
     </p:spTree>
-    <p:extLst>
-      <p:ext uri="{BB962C8B-B14F-4D97-AF65-F5344CB8AC3E}">
-        <p14:creationId xmlns:p14="http://schemas.microsoft.com/office/powerpoint/2010/main" val="2639677131"/>
-      </p:ext>
-    </p:extLst>
   </p:cSld>
   <p:clrMapOvr>
     <a:masterClrMapping/>
   </p:clrMapOvr>
+  <mc:AlternateContent xmlns:mc="http://schemas.openxmlformats.org/markup-compatibility/2006">
+    <mc:Choice xmlns:p14="http://schemas.microsoft.com/office/powerpoint/2010/main" Requires="p14">
+      <p:transition p14:dur="2000" advClick="1"/>
+    </mc:Choice>
+    <mc:Fallback>
+      <p:transition advClick="1"/>
+    </mc:Fallback>
+  </mc:AlternateContent>
 </p:sld>
 </file>
 
 <file path=ppt/slides/slide3.xml><?xml version="1.0" encoding="utf-8"?>
-<p:sld xmlns:a="http://schemas.openxmlformats.org/drawingml/2006/main" xmlns:r="http://schemas.openxmlformats.org/officeDocument/2006/relationships" xmlns:p="http://schemas.openxmlformats.org/presentationml/2006/main">
-  <p:cSld>
+<p:sld xmlns:a="http://schemas.openxmlformats.org/drawingml/2006/main" xmlns:r="http://schemas.openxmlformats.org/officeDocument/2006/relationships" xmlns:p="http://schemas.openxmlformats.org/presentationml/2006/main" xmlns:m="http://schemas.openxmlformats.org/officeDocument/2006/math" xmlns:w="http://schemas.openxmlformats.org/wordprocessingml/2006/main" showMasterPhAnim="0" show="1">
+  <p:cSld name="">
     <p:spTree>
       <p:nvGrpSpPr>
         <p:cNvPr id="1" name=""/>
         <p:cNvGrpSpPr/>
-        <p:nvPr/>
+        <p:nvPr isPhoto="0" userDrawn="0"/>
       </p:nvGrpSpPr>
-      <p:grpSpPr>
+      <p:grpSpPr bwMode="auto">
         <a:xfrm>
           <a:off x="0" y="0"/>
           <a:ext cx="0" cy="0"/>
@@ -4726,26 +6451,17 @@
       </p:grpSpPr>
       <p:pic>
         <p:nvPicPr>
-          <p:cNvPr id="1026" name="Picture 2" descr="Inventory (4)"/>
+          <p:cNvPr id="1026" name="Picture 2"/>
           <p:cNvPicPr>
-            <a:picLocks noGrp="1" noChangeAspect="1" noChangeArrowheads="1"/>
+            <a:picLocks noChangeAspect="1" noChangeArrowheads="1" noGrp="1"/>
           </p:cNvPicPr>
-          <p:nvPr>
-            <p:ph idx="1"/>
+          <p:nvPr isPhoto="0" userDrawn="0">
+            <p:ph idx="1" hasCustomPrompt="0"/>
           </p:nvPr>
         </p:nvPicPr>
         <p:blipFill>
-          <a:blip r:embed="rId2">
-            <a:extLst>
-              <a:ext uri="{28A0092B-C50C-407E-A947-70E740481C1C}">
-                <a14:useLocalDpi xmlns:a14="http://schemas.microsoft.com/office/drawing/2010/main" val="0"/>
-              </a:ext>
-            </a:extLst>
-          </a:blip>
-          <a:srcRect/>
-          <a:stretch>
-            <a:fillRect/>
-          </a:stretch>
+          <a:blip r:embed="rId3"/>
+          <a:stretch/>
         </p:blipFill>
         <p:spPr bwMode="auto">
           <a:xfrm>
@@ -4764,19 +6480,23 @@
           <p:cNvSpPr>
             <a:spLocks noGrp="1"/>
           </p:cNvSpPr>
-          <p:nvPr>
-            <p:ph type="title"/>
-          </p:nvPr>
-        </p:nvSpPr>
-        <p:spPr/>
-        <p:txBody>
-          <a:bodyPr/>
-          <a:lstStyle/>
-          <a:p>
-            <a:r>
-              <a:rPr lang="en-US" dirty="0"/>
+          <p:nvPr isPhoto="0" userDrawn="0">
+            <p:ph type="title" hasCustomPrompt="0"/>
+          </p:nvPr>
+        </p:nvSpPr>
+        <p:spPr bwMode="auto"/>
+        <p:txBody>
+          <a:bodyPr/>
+          <a:lstStyle/>
+          <a:p>
+            <a:pPr>
+              <a:defRPr/>
+            </a:pPr>
+            <a:r>
+              <a:rPr/>
               <a:t>The State of Seattle Housing</a:t>
             </a:r>
+            <a:endParaRPr/>
           </a:p>
         </p:txBody>
       </p:sp>
@@ -4784,9 +6504,9 @@
         <p:nvSpPr>
           <p:cNvPr id="9" name="Rectangle 8"/>
           <p:cNvSpPr/>
-          <p:nvPr/>
-        </p:nvSpPr>
-        <p:spPr>
+          <p:nvPr isPhoto="0" userDrawn="0"/>
+        </p:nvSpPr>
+        <p:spPr bwMode="auto">
           <a:xfrm>
             <a:off x="3496304" y="804749"/>
             <a:ext cx="8176270" cy="5372099"/>
@@ -4823,9 +6543,11 @@
           <a:bodyPr rtlCol="0" anchor="b" anchorCtr="0"/>
           <a:lstStyle/>
           <a:p>
-            <a:pPr algn="r"/>
-            <a:r>
-              <a:rPr lang="en-US" sz="2400" i="1" dirty="0">
+            <a:pPr algn="r">
+              <a:defRPr/>
+            </a:pPr>
+            <a:r>
+              <a:rPr sz="2400" i="1">
                 <a:solidFill>
                   <a:schemeClr val="tx1">
                     <a:lumMod val="65000"/>
@@ -4835,11 +6557,14 @@
               </a:rPr>
               <a:t>“The fundamental demand drivers: job growth, income growth and in-migration all look great in the six-county area, and we’re seeing Millennial buyers enter the market in larger numbers in recent months. The result – we’re forecasting ongoing demand”</a:t>
             </a:r>
-          </a:p>
-          <a:p>
-            <a:pPr algn="r"/>
-            <a:r>
-              <a:rPr lang="en-US" sz="2400" i="1" dirty="0">
+            <a:endParaRPr/>
+          </a:p>
+          <a:p>
+            <a:pPr algn="r">
+              <a:defRPr/>
+            </a:pPr>
+            <a:r>
+              <a:rPr sz="2400" i="1">
                 <a:solidFill>
                   <a:schemeClr val="tx1">
                     <a:lumMod val="65000"/>
@@ -4850,7 +6575,7 @@
               <a:t>-- Kate Knight, </a:t>
             </a:r>
             <a:r>
-              <a:rPr lang="en-US" sz="2400" i="1" dirty="0" err="1">
+              <a:rPr sz="2400" i="1">
                 <a:solidFill>
                   <a:schemeClr val="tx1">
                     <a:lumMod val="65000"/>
@@ -4860,7 +6585,7 @@
               </a:rPr>
               <a:t>Redfin</a:t>
             </a:r>
-            <a:endParaRPr lang="en-US" sz="2400" i="1" dirty="0">
+            <a:endParaRPr sz="2400" i="1">
               <a:solidFill>
                 <a:schemeClr val="tx1">
                   <a:lumMod val="65000"/>
@@ -4872,114 +6597,31 @@
         </p:txBody>
       </p:sp>
     </p:spTree>
-    <p:extLst>
-      <p:ext uri="{BB962C8B-B14F-4D97-AF65-F5344CB8AC3E}">
-        <p14:creationId xmlns:p14="http://schemas.microsoft.com/office/powerpoint/2010/main" val="4192594069"/>
-      </p:ext>
-    </p:extLst>
   </p:cSld>
   <p:clrMapOvr>
     <a:masterClrMapping/>
   </p:clrMapOvr>
-  <p:timing>
-    <p:tnLst>
-      <p:par>
-        <p:cTn id="1" dur="indefinite" restart="never" nodeType="tmRoot">
-          <p:childTnLst>
-            <p:seq concurrent="1" nextAc="seek">
-              <p:cTn id="2" dur="indefinite" nodeType="mainSeq">
-                <p:childTnLst>
-                  <p:par>
-                    <p:cTn id="3" fill="hold">
-                      <p:stCondLst>
-                        <p:cond delay="indefinite"/>
-                      </p:stCondLst>
-                      <p:childTnLst>
-                        <p:par>
-                          <p:cTn id="4" fill="hold">
-                            <p:stCondLst>
-                              <p:cond delay="0"/>
-                            </p:stCondLst>
-                            <p:childTnLst>
-                              <p:par>
-                                <p:cTn id="5" presetID="10" presetClass="entr" presetSubtype="0" fill="hold" grpId="0" nodeType="clickEffect">
-                                  <p:stCondLst>
-                                    <p:cond delay="0"/>
-                                  </p:stCondLst>
-                                  <p:childTnLst>
-                                    <p:set>
-                                      <p:cBhvr>
-                                        <p:cTn id="6" dur="1" fill="hold">
-                                          <p:stCondLst>
-                                            <p:cond delay="0"/>
-                                          </p:stCondLst>
-                                        </p:cTn>
-                                        <p:tgtEl>
-                                          <p:spTgt spid="9"/>
-                                        </p:tgtEl>
-                                        <p:attrNameLst>
-                                          <p:attrName>style.visibility</p:attrName>
-                                        </p:attrNameLst>
-                                      </p:cBhvr>
-                                      <p:to>
-                                        <p:strVal val="visible"/>
-                                      </p:to>
-                                    </p:set>
-                                    <p:animEffect transition="in" filter="fade">
-                                      <p:cBhvr>
-                                        <p:cTn id="7" dur="500"/>
-                                        <p:tgtEl>
-                                          <p:spTgt spid="9"/>
-                                        </p:tgtEl>
-                                      </p:cBhvr>
-                                    </p:animEffect>
-                                  </p:childTnLst>
-                                </p:cTn>
-                              </p:par>
-                            </p:childTnLst>
-                          </p:cTn>
-                        </p:par>
-                      </p:childTnLst>
-                    </p:cTn>
-                  </p:par>
-                </p:childTnLst>
-              </p:cTn>
-              <p:prevCondLst>
-                <p:cond evt="onPrev" delay="0">
-                  <p:tgtEl>
-                    <p:sldTgt/>
-                  </p:tgtEl>
-                </p:cond>
-              </p:prevCondLst>
-              <p:nextCondLst>
-                <p:cond evt="onNext" delay="0">
-                  <p:tgtEl>
-                    <p:sldTgt/>
-                  </p:tgtEl>
-                </p:cond>
-              </p:nextCondLst>
-            </p:seq>
-          </p:childTnLst>
-        </p:cTn>
-      </p:par>
-    </p:tnLst>
-    <p:bldLst>
-      <p:bldP spid="9" grpId="0" animBg="1"/>
-    </p:bldLst>
-  </p:timing>
+  <mc:AlternateContent xmlns:mc="http://schemas.openxmlformats.org/markup-compatibility/2006">
+    <mc:Choice xmlns:p14="http://schemas.microsoft.com/office/powerpoint/2010/main" Requires="p14">
+      <p:transition p14:dur="2000" advClick="1"/>
+    </mc:Choice>
+    <mc:Fallback>
+      <p:transition advClick="1"/>
+    </mc:Fallback>
+  </mc:AlternateContent>
 </p:sld>
 </file>
 
 <file path=ppt/slides/slide4.xml><?xml version="1.0" encoding="utf-8"?>
-<p:sld xmlns:a="http://schemas.openxmlformats.org/drawingml/2006/main" xmlns:r="http://schemas.openxmlformats.org/officeDocument/2006/relationships" xmlns:p="http://schemas.openxmlformats.org/presentationml/2006/main">
-  <p:cSld>
+<p:sld xmlns:a="http://schemas.openxmlformats.org/drawingml/2006/main" xmlns:r="http://schemas.openxmlformats.org/officeDocument/2006/relationships" xmlns:p="http://schemas.openxmlformats.org/presentationml/2006/main" xmlns:m="http://schemas.openxmlformats.org/officeDocument/2006/math" xmlns:w="http://schemas.openxmlformats.org/wordprocessingml/2006/main" showMasterPhAnim="0" show="1">
+  <p:cSld name="">
     <p:spTree>
       <p:nvGrpSpPr>
         <p:cNvPr id="1" name=""/>
         <p:cNvGrpSpPr/>
-        <p:nvPr/>
+        <p:nvPr isPhoto="0" userDrawn="0"/>
       </p:nvGrpSpPr>
-      <p:grpSpPr>
+      <p:grpSpPr bwMode="auto">
         <a:xfrm>
           <a:off x="0" y="0"/>
           <a:ext cx="0" cy="0"/>
@@ -4993,19 +6635,23 @@
           <p:cNvSpPr>
             <a:spLocks noGrp="1"/>
           </p:cNvSpPr>
-          <p:nvPr>
-            <p:ph type="title"/>
-          </p:nvPr>
-        </p:nvSpPr>
-        <p:spPr/>
-        <p:txBody>
-          <a:bodyPr/>
-          <a:lstStyle/>
-          <a:p>
-            <a:r>
-              <a:rPr lang="en-US" dirty="0"/>
+          <p:nvPr isPhoto="0" userDrawn="0">
+            <p:ph type="title" hasCustomPrompt="0"/>
+          </p:nvPr>
+        </p:nvSpPr>
+        <p:spPr bwMode="auto"/>
+        <p:txBody>
+          <a:bodyPr/>
+          <a:lstStyle/>
+          <a:p>
+            <a:pPr>
+              <a:defRPr/>
+            </a:pPr>
+            <a:r>
+              <a:rPr/>
               <a:t>The Data</a:t>
             </a:r>
+            <a:endParaRPr/>
           </a:p>
         </p:txBody>
       </p:sp>
@@ -5013,19 +6659,17 @@
         <p:nvPicPr>
           <p:cNvPr id="4" name="Content Placeholder 3"/>
           <p:cNvPicPr>
-            <a:picLocks noGrp="1" noChangeAspect="1"/>
+            <a:picLocks noChangeAspect="1" noGrp="1"/>
           </p:cNvPicPr>
-          <p:nvPr>
-            <p:ph idx="1"/>
+          <p:nvPr isPhoto="0" userDrawn="0">
+            <p:ph idx="1" hasCustomPrompt="0"/>
           </p:nvPr>
         </p:nvPicPr>
         <p:blipFill>
-          <a:blip r:embed="rId2"/>
-          <a:stretch>
-            <a:fillRect/>
-          </a:stretch>
+          <a:blip r:embed="rId3"/>
+          <a:stretch/>
         </p:blipFill>
-        <p:spPr>
+        <p:spPr bwMode="auto">
           <a:xfrm>
             <a:off x="3849687" y="738417"/>
             <a:ext cx="7713663" cy="3068309"/>
@@ -5033,18 +6677,17 @@
           <a:prstGeom prst="rect">
             <a:avLst/>
           </a:prstGeom>
-          <a:effectLst>
-            <a:softEdge rad="127000"/>
-          </a:effectLst>
         </p:spPr>
       </p:pic>
       <p:sp>
         <p:nvSpPr>
           <p:cNvPr id="6" name="TextBox 5"/>
-          <p:cNvSpPr txBox="1"/>
-          <p:nvPr/>
-        </p:nvSpPr>
-        <p:spPr>
+          <p:cNvSpPr>
+            <a:spLocks noAdjustHandles="0" noChangeArrowheads="0"/>
+          </p:cNvSpPr>
+          <p:nvPr isPhoto="0" userDrawn="0"/>
+        </p:nvSpPr>
+        <p:spPr bwMode="auto">
           <a:xfrm>
             <a:off x="3621088" y="3876675"/>
             <a:ext cx="4303712" cy="2238375"/>
@@ -5061,11 +6704,12 @@
           <a:lstStyle/>
           <a:p>
             <a:pPr marL="285750" indent="-285750">
-              <a:buFont typeface="Arial" panose="020B0604020202020204" pitchFamily="34" charset="0"/>
+              <a:buFont typeface="Arial"/>
               <a:buChar char="•"/>
-            </a:pPr>
-            <a:r>
-              <a:rPr lang="en-US" sz="1400" dirty="0">
+              <a:defRPr/>
+            </a:pPr>
+            <a:r>
+              <a:rPr sz="1400">
                 <a:solidFill>
                   <a:schemeClr val="tx1">
                     <a:lumMod val="65000"/>
@@ -5075,14 +6719,16 @@
               </a:rPr>
               <a:t>Address</a:t>
             </a:r>
+            <a:endParaRPr/>
           </a:p>
           <a:p>
             <a:pPr marL="285750" indent="-285750">
-              <a:buFont typeface="Arial" panose="020B0604020202020204" pitchFamily="34" charset="0"/>
+              <a:buFont typeface="Arial"/>
               <a:buChar char="•"/>
-            </a:pPr>
-            <a:r>
-              <a:rPr lang="en-US" sz="1400" dirty="0">
+              <a:defRPr/>
+            </a:pPr>
+            <a:r>
+              <a:rPr sz="1400">
                 <a:solidFill>
                   <a:schemeClr val="tx1">
                     <a:lumMod val="65000"/>
@@ -5092,14 +6738,16 @@
               </a:rPr>
               <a:t>Region</a:t>
             </a:r>
+            <a:endParaRPr/>
           </a:p>
           <a:p>
             <a:pPr marL="285750" indent="-285750">
-              <a:buFont typeface="Arial" panose="020B0604020202020204" pitchFamily="34" charset="0"/>
+              <a:buFont typeface="Arial"/>
               <a:buChar char="•"/>
-            </a:pPr>
-            <a:r>
-              <a:rPr lang="en-US" sz="1400" dirty="0" err="1">
+              <a:defRPr/>
+            </a:pPr>
+            <a:r>
+              <a:rPr sz="1400">
                 <a:solidFill>
                   <a:schemeClr val="tx1">
                     <a:lumMod val="65000"/>
@@ -5109,7 +6757,7 @@
               </a:rPr>
               <a:t>Zestimate</a:t>
             </a:r>
-            <a:endParaRPr lang="en-US" sz="1400" dirty="0">
+            <a:endParaRPr sz="1400">
               <a:solidFill>
                 <a:schemeClr val="tx1">
                   <a:lumMod val="65000"/>
@@ -5120,11 +6768,12 @@
           </a:p>
           <a:p>
             <a:pPr marL="285750" indent="-285750">
-              <a:buFont typeface="Arial" panose="020B0604020202020204" pitchFamily="34" charset="0"/>
+              <a:buFont typeface="Arial"/>
               <a:buChar char="•"/>
-            </a:pPr>
-            <a:r>
-              <a:rPr lang="en-US" sz="1400" dirty="0">
+              <a:defRPr/>
+            </a:pPr>
+            <a:r>
+              <a:rPr sz="1400">
                 <a:solidFill>
                   <a:schemeClr val="tx1">
                     <a:lumMod val="65000"/>
@@ -5134,14 +6783,16 @@
               </a:rPr>
               <a:t>Last Updated</a:t>
             </a:r>
+            <a:endParaRPr/>
           </a:p>
           <a:p>
             <a:pPr marL="285750" indent="-285750">
-              <a:buFont typeface="Arial" panose="020B0604020202020204" pitchFamily="34" charset="0"/>
+              <a:buFont typeface="Arial"/>
               <a:buChar char="•"/>
-            </a:pPr>
-            <a:r>
-              <a:rPr lang="en-US" sz="1400" dirty="0">
+              <a:defRPr/>
+            </a:pPr>
+            <a:r>
+              <a:rPr sz="1400">
                 <a:solidFill>
                   <a:schemeClr val="tx1">
                     <a:lumMod val="65000"/>
@@ -5151,14 +6802,16 @@
               </a:rPr>
               <a:t>30-day Change</a:t>
             </a:r>
+            <a:endParaRPr/>
           </a:p>
           <a:p>
             <a:pPr marL="285750" indent="-285750">
-              <a:buFont typeface="Arial" panose="020B0604020202020204" pitchFamily="34" charset="0"/>
+              <a:buFont typeface="Arial"/>
               <a:buChar char="•"/>
-            </a:pPr>
-            <a:r>
-              <a:rPr lang="en-US" sz="1400" dirty="0">
+              <a:defRPr/>
+            </a:pPr>
+            <a:r>
+              <a:rPr sz="1400">
                 <a:solidFill>
                   <a:schemeClr val="tx1">
                     <a:lumMod val="65000"/>
@@ -5168,14 +6821,16 @@
               </a:rPr>
               <a:t>Valuation (low and high)</a:t>
             </a:r>
+            <a:endParaRPr/>
           </a:p>
           <a:p>
             <a:pPr marL="285750" indent="-285750">
-              <a:buFont typeface="Arial" panose="020B0604020202020204" pitchFamily="34" charset="0"/>
+              <a:buFont typeface="Arial"/>
               <a:buChar char="•"/>
-            </a:pPr>
-            <a:r>
-              <a:rPr lang="en-US" sz="1400" dirty="0">
+              <a:defRPr/>
+            </a:pPr>
+            <a:r>
+              <a:rPr sz="1400">
                 <a:solidFill>
                   <a:schemeClr val="tx1">
                     <a:lumMod val="65000"/>
@@ -5185,14 +6840,16 @@
               </a:rPr>
               <a:t>Valuation percentile</a:t>
             </a:r>
+            <a:endParaRPr/>
           </a:p>
           <a:p>
             <a:pPr marL="285750" indent="-285750">
-              <a:buFont typeface="Arial" panose="020B0604020202020204" pitchFamily="34" charset="0"/>
+              <a:buFont typeface="Arial"/>
               <a:buChar char="•"/>
-            </a:pPr>
-            <a:r>
-              <a:rPr lang="en-US" sz="1400" dirty="0">
+              <a:defRPr/>
+            </a:pPr>
+            <a:r>
+              <a:rPr sz="1400">
                 <a:solidFill>
                   <a:schemeClr val="tx1">
                     <a:lumMod val="65000"/>
@@ -5203,7 +6860,7 @@
               <a:t>Home type (Single, Condo, </a:t>
             </a:r>
             <a:r>
-              <a:rPr lang="en-US" sz="1400" dirty="0" err="1">
+              <a:rPr sz="1400">
                 <a:solidFill>
                   <a:schemeClr val="tx1">
                     <a:lumMod val="65000"/>
@@ -5214,7 +6871,7 @@
               <a:t>etc</a:t>
             </a:r>
             <a:r>
-              <a:rPr lang="en-US" sz="1400" dirty="0">
+              <a:rPr sz="1400">
                 <a:solidFill>
                   <a:schemeClr val="tx1">
                     <a:lumMod val="65000"/>
@@ -5224,14 +6881,16 @@
               </a:rPr>
               <a:t>)</a:t>
             </a:r>
+            <a:endParaRPr/>
           </a:p>
           <a:p>
             <a:pPr marL="285750" indent="-285750">
-              <a:buFont typeface="Arial" panose="020B0604020202020204" pitchFamily="34" charset="0"/>
+              <a:buFont typeface="Arial"/>
               <a:buChar char="•"/>
-            </a:pPr>
-            <a:r>
-              <a:rPr lang="en-US" sz="1400" dirty="0">
+              <a:defRPr/>
+            </a:pPr>
+            <a:r>
+              <a:rPr sz="1400">
                 <a:solidFill>
                   <a:schemeClr val="tx1">
                     <a:lumMod val="65000"/>
@@ -5241,14 +6900,16 @@
               </a:rPr>
               <a:t>Tax assessment</a:t>
             </a:r>
+            <a:endParaRPr/>
           </a:p>
           <a:p>
             <a:pPr marL="285750" indent="-285750">
-              <a:buFont typeface="Arial" panose="020B0604020202020204" pitchFamily="34" charset="0"/>
+              <a:buFont typeface="Arial"/>
               <a:buChar char="•"/>
-            </a:pPr>
-            <a:r>
-              <a:rPr lang="en-US" sz="1400" dirty="0">
+              <a:defRPr/>
+            </a:pPr>
+            <a:r>
+              <a:rPr sz="1400">
                 <a:solidFill>
                   <a:schemeClr val="tx1">
                     <a:lumMod val="65000"/>
@@ -5258,14 +6919,16 @@
               </a:rPr>
               <a:t>Year Built</a:t>
             </a:r>
+            <a:endParaRPr/>
           </a:p>
           <a:p>
             <a:pPr marL="285750" indent="-285750">
-              <a:buFont typeface="Arial" panose="020B0604020202020204" pitchFamily="34" charset="0"/>
+              <a:buFont typeface="Arial"/>
               <a:buChar char="•"/>
-            </a:pPr>
-            <a:r>
-              <a:rPr lang="en-US" sz="1400" dirty="0">
+              <a:defRPr/>
+            </a:pPr>
+            <a:r>
+              <a:rPr sz="1400">
                 <a:solidFill>
                   <a:schemeClr val="tx1">
                     <a:lumMod val="65000"/>
@@ -5275,14 +6938,16 @@
               </a:rPr>
               <a:t>Square Footage</a:t>
             </a:r>
+            <a:endParaRPr/>
           </a:p>
           <a:p>
             <a:pPr marL="285750" indent="-285750">
-              <a:buFont typeface="Arial" panose="020B0604020202020204" pitchFamily="34" charset="0"/>
+              <a:buFont typeface="Arial"/>
               <a:buChar char="•"/>
-            </a:pPr>
-            <a:r>
-              <a:rPr lang="en-US" sz="1400" dirty="0">
+              <a:defRPr/>
+            </a:pPr>
+            <a:r>
+              <a:rPr sz="1400">
                 <a:solidFill>
                   <a:schemeClr val="tx1">
                     <a:lumMod val="65000"/>
@@ -5292,14 +6957,16 @@
               </a:rPr>
               <a:t>Lot Size</a:t>
             </a:r>
+            <a:endParaRPr/>
           </a:p>
           <a:p>
             <a:pPr marL="285750" indent="-285750">
-              <a:buFont typeface="Arial" panose="020B0604020202020204" pitchFamily="34" charset="0"/>
+              <a:buFont typeface="Arial"/>
               <a:buChar char="•"/>
-            </a:pPr>
-            <a:r>
-              <a:rPr lang="en-US" sz="1400" dirty="0">
+              <a:defRPr/>
+            </a:pPr>
+            <a:r>
+              <a:rPr sz="1400">
                 <a:solidFill>
                   <a:schemeClr val="tx1">
                     <a:lumMod val="65000"/>
@@ -5309,14 +6976,16 @@
               </a:rPr>
               <a:t># of Bedrooms</a:t>
             </a:r>
+            <a:endParaRPr/>
           </a:p>
           <a:p>
             <a:pPr marL="285750" indent="-285750">
-              <a:buFont typeface="Arial" panose="020B0604020202020204" pitchFamily="34" charset="0"/>
+              <a:buFont typeface="Arial"/>
               <a:buChar char="•"/>
-            </a:pPr>
-            <a:r>
-              <a:rPr lang="en-US" sz="1400" dirty="0">
+              <a:defRPr/>
+            </a:pPr>
+            <a:r>
+              <a:rPr sz="1400">
                 <a:solidFill>
                   <a:schemeClr val="tx1">
                     <a:lumMod val="65000"/>
@@ -5326,14 +6995,16 @@
               </a:rPr>
               <a:t># of Bathrooms</a:t>
             </a:r>
+            <a:endParaRPr/>
           </a:p>
           <a:p>
             <a:pPr marL="285750" indent="-285750">
-              <a:buFont typeface="Arial" panose="020B0604020202020204" pitchFamily="34" charset="0"/>
+              <a:buFont typeface="Arial"/>
               <a:buChar char="•"/>
-            </a:pPr>
-            <a:r>
-              <a:rPr lang="en-US" sz="1400" dirty="0">
+              <a:defRPr/>
+            </a:pPr>
+            <a:r>
+              <a:rPr sz="1400">
                 <a:solidFill>
                   <a:schemeClr val="tx1">
                     <a:lumMod val="65000"/>
@@ -5343,14 +7014,16 @@
               </a:rPr>
               <a:t>Last Sold Date</a:t>
             </a:r>
+            <a:endParaRPr/>
           </a:p>
           <a:p>
             <a:pPr marL="285750" indent="-285750">
-              <a:buFont typeface="Arial" panose="020B0604020202020204" pitchFamily="34" charset="0"/>
+              <a:buFont typeface="Arial"/>
               <a:buChar char="•"/>
-            </a:pPr>
-            <a:r>
-              <a:rPr lang="en-US" sz="1400" b="1" dirty="0">
+              <a:defRPr/>
+            </a:pPr>
+            <a:r>
+              <a:rPr sz="1400" b="1">
                 <a:solidFill>
                   <a:schemeClr val="tx1">
                     <a:lumMod val="65000"/>
@@ -5360,13 +7033,15 @@
               </a:rPr>
               <a:t>Last Sold Price</a:t>
             </a:r>
+            <a:endParaRPr/>
           </a:p>
           <a:p>
             <a:pPr marL="285750" indent="-285750">
-              <a:buFont typeface="Arial" panose="020B0604020202020204" pitchFamily="34" charset="0"/>
+              <a:buFont typeface="Arial"/>
               <a:buChar char="•"/>
-            </a:pPr>
-            <a:endParaRPr lang="en-US" sz="1400" dirty="0">
+              <a:defRPr/>
+            </a:pPr>
+            <a:endParaRPr sz="1400">
               <a:solidFill>
                 <a:schemeClr val="tx1">
                   <a:lumMod val="65000"/>
@@ -5377,10 +7052,11 @@
           </a:p>
           <a:p>
             <a:pPr marL="285750" indent="-285750">
-              <a:buFont typeface="Arial" panose="020B0604020202020204" pitchFamily="34" charset="0"/>
+              <a:buFont typeface="Arial"/>
               <a:buChar char="•"/>
-            </a:pPr>
-            <a:endParaRPr lang="en-US" sz="1400" dirty="0">
+              <a:defRPr/>
+            </a:pPr>
+            <a:endParaRPr sz="1400">
               <a:solidFill>
                 <a:schemeClr val="tx1">
                   <a:lumMod val="65000"/>
@@ -5394,10 +7070,12 @@
       <p:sp>
         <p:nvSpPr>
           <p:cNvPr id="7" name="TextBox 6"/>
-          <p:cNvSpPr txBox="1"/>
-          <p:nvPr/>
-        </p:nvSpPr>
-        <p:spPr>
+          <p:cNvSpPr>
+            <a:spLocks noAdjustHandles="0" noChangeArrowheads="0"/>
+          </p:cNvSpPr>
+          <p:nvPr isPhoto="0" userDrawn="0"/>
+        </p:nvSpPr>
+        <p:spPr bwMode="auto">
           <a:xfrm>
             <a:off x="7560381" y="3876674"/>
             <a:ext cx="4002969" cy="2308324"/>
@@ -5413,8 +7091,11 @@
           </a:bodyPr>
           <a:lstStyle/>
           <a:p>
-            <a:r>
-              <a:rPr lang="en-US" dirty="0">
+            <a:pPr>
+              <a:defRPr/>
+            </a:pPr>
+            <a:r>
+              <a:rPr>
                 <a:solidFill>
                   <a:schemeClr val="tx1">
                     <a:lumMod val="65000"/>
@@ -5424,10 +7105,14 @@
               </a:rPr>
               <a:t>2827 Observations</a:t>
             </a:r>
-          </a:p>
-          <a:p>
-            <a:r>
-              <a:rPr lang="en-US" dirty="0">
+            <a:endParaRPr/>
+          </a:p>
+          <a:p>
+            <a:pPr>
+              <a:defRPr/>
+            </a:pPr>
+            <a:r>
+              <a:rPr>
                 <a:solidFill>
                   <a:schemeClr val="tx1">
                     <a:lumMod val="65000"/>
@@ -5437,9 +7122,13 @@
               </a:rPr>
               <a:t>23 Columns</a:t>
             </a:r>
-          </a:p>
-          <a:p>
-            <a:endParaRPr lang="en-US" dirty="0">
+            <a:endParaRPr/>
+          </a:p>
+          <a:p>
+            <a:pPr>
+              <a:defRPr/>
+            </a:pPr>
+            <a:endParaRPr>
               <a:solidFill>
                 <a:schemeClr val="tx1">
                   <a:lumMod val="65000"/>
@@ -5449,8 +7138,11 @@
             </a:endParaRPr>
           </a:p>
           <a:p>
-            <a:r>
-              <a:rPr lang="en-US" dirty="0">
+            <a:pPr>
+              <a:defRPr/>
+            </a:pPr>
+            <a:r>
+              <a:rPr>
                 <a:solidFill>
                   <a:schemeClr val="tx1">
                     <a:lumMod val="65000"/>
@@ -5460,9 +7152,13 @@
               </a:rPr>
               <a:t>All data provided by Zillow API</a:t>
             </a:r>
-          </a:p>
-          <a:p>
-            <a:endParaRPr lang="en-US" dirty="0">
+            <a:endParaRPr/>
+          </a:p>
+          <a:p>
+            <a:pPr>
+              <a:defRPr/>
+            </a:pPr>
+            <a:endParaRPr>
               <a:solidFill>
                 <a:schemeClr val="tx1">
                   <a:lumMod val="65000"/>
@@ -5472,7 +7168,10 @@
             </a:endParaRPr>
           </a:p>
           <a:p>
-            <a:endParaRPr lang="en-US" dirty="0">
+            <a:pPr>
+              <a:defRPr/>
+            </a:pPr>
+            <a:endParaRPr>
               <a:solidFill>
                 <a:schemeClr val="tx1">
                   <a:lumMod val="65000"/>
@@ -5482,9 +7181,11 @@
             </a:endParaRPr>
           </a:p>
           <a:p>
-            <a:pPr algn="r"/>
-            <a:r>
-              <a:rPr lang="en-US" i="1" dirty="0">
+            <a:pPr algn="r">
+              <a:defRPr/>
+            </a:pPr>
+            <a:r>
+              <a:rPr i="1">
                 <a:solidFill>
                   <a:schemeClr val="tx1">
                     <a:lumMod val="65000"/>
@@ -5494,32 +7195,36 @@
               </a:rPr>
               <a:t>*Imputation may be required to determine blank regions</a:t>
             </a:r>
+            <a:endParaRPr/>
           </a:p>
         </p:txBody>
       </p:sp>
     </p:spTree>
-    <p:extLst>
-      <p:ext uri="{BB962C8B-B14F-4D97-AF65-F5344CB8AC3E}">
-        <p14:creationId xmlns:p14="http://schemas.microsoft.com/office/powerpoint/2010/main" val="3486671755"/>
-      </p:ext>
-    </p:extLst>
   </p:cSld>
   <p:clrMapOvr>
     <a:masterClrMapping/>
   </p:clrMapOvr>
+  <mc:AlternateContent xmlns:mc="http://schemas.openxmlformats.org/markup-compatibility/2006">
+    <mc:Choice xmlns:p14="http://schemas.microsoft.com/office/powerpoint/2010/main" Requires="p14">
+      <p:transition p14:dur="2000" advClick="1"/>
+    </mc:Choice>
+    <mc:Fallback>
+      <p:transition advClick="1"/>
+    </mc:Fallback>
+  </mc:AlternateContent>
 </p:sld>
 </file>
 
 <file path=ppt/slides/slide5.xml><?xml version="1.0" encoding="utf-8"?>
-<p:sld xmlns:a="http://schemas.openxmlformats.org/drawingml/2006/main" xmlns:r="http://schemas.openxmlformats.org/officeDocument/2006/relationships" xmlns:p="http://schemas.openxmlformats.org/presentationml/2006/main">
-  <p:cSld>
+<p:sld xmlns:a="http://schemas.openxmlformats.org/drawingml/2006/main" xmlns:r="http://schemas.openxmlformats.org/officeDocument/2006/relationships" xmlns:p="http://schemas.openxmlformats.org/presentationml/2006/main" xmlns:m="http://schemas.openxmlformats.org/officeDocument/2006/math" xmlns:w="http://schemas.openxmlformats.org/wordprocessingml/2006/main" showMasterPhAnim="0" show="1">
+  <p:cSld name="">
     <p:spTree>
       <p:nvGrpSpPr>
         <p:cNvPr id="1" name=""/>
         <p:cNvGrpSpPr/>
-        <p:nvPr/>
+        <p:nvPr isPhoto="0" userDrawn="0"/>
       </p:nvGrpSpPr>
-      <p:grpSpPr>
+      <p:grpSpPr bwMode="auto">
         <a:xfrm>
           <a:off x="0" y="0"/>
           <a:ext cx="0" cy="0"/>
@@ -5533,29 +7238,35 @@
           <p:cNvSpPr>
             <a:spLocks noGrp="1"/>
           </p:cNvSpPr>
-          <p:nvPr>
-            <p:ph type="title"/>
-          </p:nvPr>
-        </p:nvSpPr>
-        <p:spPr/>
-        <p:txBody>
-          <a:bodyPr/>
-          <a:lstStyle/>
-          <a:p>
-            <a:r>
-              <a:rPr lang="en-US" dirty="0"/>
+          <p:nvPr isPhoto="0" userDrawn="0">
+            <p:ph type="title" hasCustomPrompt="0"/>
+          </p:nvPr>
+        </p:nvSpPr>
+        <p:spPr bwMode="auto"/>
+        <p:txBody>
+          <a:bodyPr/>
+          <a:lstStyle/>
+          <a:p>
+            <a:pPr>
+              <a:defRPr/>
+            </a:pPr>
+            <a:r>
+              <a:rPr/>
               <a:t>Strategy</a:t>
             </a:r>
+            <a:endParaRPr/>
           </a:p>
         </p:txBody>
       </p:sp>
       <p:sp>
         <p:nvSpPr>
           <p:cNvPr id="5" name="TextBox 4"/>
-          <p:cNvSpPr txBox="1"/>
-          <p:nvPr/>
-        </p:nvSpPr>
-        <p:spPr>
+          <p:cNvSpPr>
+            <a:spLocks noAdjustHandles="0" noChangeArrowheads="0"/>
+          </p:cNvSpPr>
+          <p:nvPr isPhoto="0" userDrawn="0"/>
+        </p:nvSpPr>
+        <p:spPr bwMode="auto">
           <a:xfrm>
             <a:off x="8886825" y="1495312"/>
             <a:ext cx="2771775" cy="4031873"/>
@@ -5571,8 +7282,11 @@
           </a:bodyPr>
           <a:lstStyle/>
           <a:p>
-            <a:r>
-              <a:rPr lang="en-US" sz="2800" dirty="0">
+            <a:pPr>
+              <a:defRPr/>
+            </a:pPr>
+            <a:r>
+              <a:rPr sz="2800">
                 <a:solidFill>
                   <a:schemeClr val="tx1">
                     <a:lumMod val="65000"/>
@@ -5582,9 +7296,13 @@
               </a:rPr>
               <a:t>Three Part Structure:</a:t>
             </a:r>
-          </a:p>
-          <a:p>
-            <a:endParaRPr lang="en-US" sz="2000" dirty="0">
+            <a:endParaRPr/>
+          </a:p>
+          <a:p>
+            <a:pPr>
+              <a:defRPr/>
+            </a:pPr>
+            <a:endParaRPr sz="2000">
               <a:solidFill>
                 <a:schemeClr val="tx1">
                   <a:lumMod val="65000"/>
@@ -5595,10 +7313,11 @@
           </a:p>
           <a:p>
             <a:pPr marL="342900" indent="-342900">
-              <a:buAutoNum type="arabicPeriod"/>
-            </a:pPr>
-            <a:r>
-              <a:rPr lang="en-US" sz="2000" dirty="0">
+              <a:buAutoNum type="arabicPeriod" startAt="1"/>
+              <a:defRPr/>
+            </a:pPr>
+            <a:r>
+              <a:rPr sz="2000">
                 <a:solidFill>
                   <a:schemeClr val="tx1">
                     <a:lumMod val="65000"/>
@@ -5608,14 +7327,16 @@
               </a:rPr>
               <a:t>ML Processor</a:t>
             </a:r>
+            <a:endParaRPr/>
           </a:p>
           <a:p>
             <a:pPr marL="800100" lvl="1" indent="-342900">
-              <a:buFont typeface="Arial" panose="020B0604020202020204" pitchFamily="34" charset="0"/>
+              <a:buFont typeface="Arial"/>
               <a:buChar char="•"/>
-            </a:pPr>
-            <a:r>
-              <a:rPr lang="en-US" sz="2000" dirty="0">
+              <a:defRPr/>
+            </a:pPr>
+            <a:r>
+              <a:rPr sz="2000">
                 <a:solidFill>
                   <a:schemeClr val="tx1">
                     <a:lumMod val="65000"/>
@@ -5625,13 +7346,15 @@
               </a:rPr>
               <a:t>Combine the results of multiple models through ensemble</a:t>
             </a:r>
+            <a:endParaRPr/>
           </a:p>
           <a:p>
             <a:pPr marL="342900" indent="-342900">
-              <a:buAutoNum type="arabicPeriod"/>
-            </a:pPr>
-            <a:r>
-              <a:rPr lang="en-US" sz="2000" dirty="0">
+              <a:buAutoNum type="arabicPeriod" startAt="1"/>
+              <a:defRPr/>
+            </a:pPr>
+            <a:r>
+              <a:rPr sz="2000">
                 <a:solidFill>
                   <a:schemeClr val="tx1">
                     <a:lumMod val="65000"/>
@@ -5641,14 +7364,16 @@
               </a:rPr>
               <a:t>RESTful interface</a:t>
             </a:r>
+            <a:endParaRPr/>
           </a:p>
           <a:p>
             <a:pPr marL="800100" lvl="1" indent="-342900">
-              <a:buFont typeface="Arial" panose="020B0604020202020204" pitchFamily="34" charset="0"/>
+              <a:buFont typeface="Arial"/>
               <a:buChar char="•"/>
-            </a:pPr>
-            <a:r>
-              <a:rPr lang="en-US" sz="2000" dirty="0">
+              <a:defRPr/>
+            </a:pPr>
+            <a:r>
+              <a:rPr sz="2000">
                 <a:solidFill>
                   <a:schemeClr val="tx1">
                     <a:lumMod val="65000"/>
@@ -5658,13 +7383,15 @@
               </a:rPr>
               <a:t>JSON</a:t>
             </a:r>
+            <a:endParaRPr/>
           </a:p>
           <a:p>
             <a:pPr marL="342900" indent="-342900">
-              <a:buAutoNum type="arabicPeriod"/>
-            </a:pPr>
-            <a:r>
-              <a:rPr lang="en-US" sz="2000" dirty="0">
+              <a:buAutoNum type="arabicPeriod" startAt="1"/>
+              <a:defRPr/>
+            </a:pPr>
+            <a:r>
+              <a:rPr sz="2000">
                 <a:solidFill>
                   <a:schemeClr val="tx1">
                     <a:lumMod val="65000"/>
@@ -5674,6 +7401,7 @@
               </a:rPr>
               <a:t>Frontend</a:t>
             </a:r>
+            <a:endParaRPr/>
           </a:p>
         </p:txBody>
       </p:sp>
@@ -5681,19 +7409,17 @@
         <p:nvPicPr>
           <p:cNvPr id="8" name="Content Placeholder 7"/>
           <p:cNvPicPr>
-            <a:picLocks noGrp="1" noChangeAspect="1"/>
+            <a:picLocks noChangeAspect="1" noGrp="1"/>
           </p:cNvPicPr>
-          <p:nvPr>
-            <p:ph idx="1"/>
+          <p:nvPr isPhoto="0" userDrawn="0">
+            <p:ph idx="1" hasCustomPrompt="0"/>
           </p:nvPr>
         </p:nvPicPr>
         <p:blipFill>
-          <a:blip r:embed="rId2"/>
-          <a:stretch>
-            <a:fillRect/>
-          </a:stretch>
+          <a:blip r:embed="rId3"/>
+          <a:stretch/>
         </p:blipFill>
-        <p:spPr>
+        <p:spPr bwMode="auto">
           <a:xfrm>
             <a:off x="3780693" y="320675"/>
             <a:ext cx="4725132" cy="6312119"/>
@@ -5703,16 +7429,240 @@
           </a:prstGeom>
         </p:spPr>
       </p:pic>
-      <p:sp>
-        <p:nvSpPr>
-          <p:cNvPr id="4" name="Rectangle 3"/>
+    </p:spTree>
+  </p:cSld>
+  <p:clrMapOvr>
+    <a:masterClrMapping/>
+  </p:clrMapOvr>
+  <mc:AlternateContent xmlns:mc="http://schemas.openxmlformats.org/markup-compatibility/2006">
+    <mc:Choice xmlns:p14="http://schemas.microsoft.com/office/powerpoint/2010/main" Requires="p14">
+      <p:transition p14:dur="2000" advClick="1"/>
+    </mc:Choice>
+    <mc:Fallback>
+      <p:transition advClick="1"/>
+    </mc:Fallback>
+  </mc:AlternateContent>
+</p:sld>
+</file>
+
+<file path=ppt/slides/slide6.xml><?xml version="1.0" encoding="utf-8"?>
+<p:sld xmlns:a="http://schemas.openxmlformats.org/drawingml/2006/main" xmlns:r="http://schemas.openxmlformats.org/officeDocument/2006/relationships" xmlns:p="http://schemas.openxmlformats.org/presentationml/2006/main" xmlns:m="http://schemas.openxmlformats.org/officeDocument/2006/math" xmlns:w="http://schemas.openxmlformats.org/wordprocessingml/2006/main" showMasterPhAnim="0" show="1">
+  <p:cSld name="">
+    <p:spTree>
+      <p:nvGrpSpPr>
+        <p:cNvPr id="1" name=""/>
+        <p:cNvGrpSpPr/>
+        <p:nvPr isPhoto="0" userDrawn="0"/>
+      </p:nvGrpSpPr>
+      <p:grpSpPr bwMode="auto">
+        <a:xfrm>
+          <a:off x="0" y="0"/>
+          <a:ext cx="0" cy="0"/>
+          <a:chOff x="0" y="0"/>
+          <a:chExt cx="0" cy="0"/>
+        </a:xfrm>
+      </p:grpSpPr>
+      <p:sp>
+        <p:nvSpPr>
+          <p:cNvPr id="0" name=""/>
           <p:cNvSpPr/>
-          <p:nvPr/>
+          <p:nvPr isPhoto="0" userDrawn="0">
+            <p:ph type="title" hasCustomPrompt="0"/>
+          </p:nvPr>
+        </p:nvSpPr>
+        <p:spPr/>
+        <p:txBody>
+          <a:bodyPr/>
+          <a:lstStyle/>
+          <a:p>
+            <a:pPr>
+              <a:defRPr/>
+            </a:pPr>
+            <a:r>
+              <a:rPr/>
+              <a:t>Strategy</a:t>
+            </a:r>
+            <a:endParaRPr/>
+          </a:p>
+        </p:txBody>
+      </p:sp>
+      <p:sp>
+        <p:nvSpPr>
+          <p:cNvPr id="0" name=""/>
+          <p:cNvSpPr/>
+          <p:nvPr isPhoto="0" userDrawn="0"/>
         </p:nvSpPr>
         <p:spPr>
           <a:xfrm>
-            <a:off x="3684415" y="1110250"/>
-            <a:ext cx="4917688" cy="3247441"/>
+            <a:off x="8886825" y="1495311"/>
+            <a:ext cx="2771775" cy="4031872"/>
+          </a:xfrm>
+          <a:prstGeom prst="rect">
+            <a:avLst/>
+          </a:prstGeom>
+          <a:noFill/>
+        </p:spPr>
+        <p:txBody>
+          <a:bodyPr wrap="square" rtlCol="0">
+            <a:spAutoFit/>
+          </a:bodyPr>
+          <a:lstStyle/>
+          <a:p>
+            <a:pPr>
+              <a:defRPr/>
+            </a:pPr>
+            <a:r>
+              <a:rPr sz="2800">
+                <a:solidFill>
+                  <a:schemeClr val="tx1">
+                    <a:lumMod val="65000"/>
+                    <a:lumOff val="35000"/>
+                  </a:schemeClr>
+                </a:solidFill>
+              </a:rPr>
+              <a:t>Three Part Structure:</a:t>
+            </a:r>
+            <a:endParaRPr/>
+          </a:p>
+          <a:p>
+            <a:pPr>
+              <a:defRPr/>
+            </a:pPr>
+            <a:endParaRPr sz="2000">
+              <a:solidFill>
+                <a:schemeClr val="tx1">
+                  <a:lumMod val="65000"/>
+                  <a:lumOff val="35000"/>
+                </a:schemeClr>
+              </a:solidFill>
+            </a:endParaRPr>
+          </a:p>
+          <a:p>
+            <a:pPr marL="342900" indent="-342900">
+              <a:buAutoNum type="arabicPeriod" startAt="1"/>
+              <a:defRPr/>
+            </a:pPr>
+            <a:r>
+              <a:rPr sz="2000">
+                <a:solidFill>
+                  <a:schemeClr val="tx1">
+                    <a:lumMod val="65000"/>
+                    <a:lumOff val="35000"/>
+                  </a:schemeClr>
+                </a:solidFill>
+              </a:rPr>
+              <a:t>ML Processor</a:t>
+            </a:r>
+            <a:endParaRPr/>
+          </a:p>
+          <a:p>
+            <a:pPr marL="800100" lvl="1" indent="-342900">
+              <a:buFont typeface="Arial"/>
+              <a:buChar char="•"/>
+              <a:defRPr/>
+            </a:pPr>
+            <a:r>
+              <a:rPr sz="2000">
+                <a:solidFill>
+                  <a:schemeClr val="tx1">
+                    <a:lumMod val="65000"/>
+                    <a:lumOff val="35000"/>
+                  </a:schemeClr>
+                </a:solidFill>
+              </a:rPr>
+              <a:t>Combine the results of multiple models through ensemble</a:t>
+            </a:r>
+            <a:endParaRPr/>
+          </a:p>
+          <a:p>
+            <a:pPr marL="342900" indent="-342900">
+              <a:buAutoNum type="arabicPeriod" startAt="1"/>
+              <a:defRPr/>
+            </a:pPr>
+            <a:r>
+              <a:rPr sz="2000">
+                <a:solidFill>
+                  <a:schemeClr val="tx1">
+                    <a:lumMod val="65000"/>
+                    <a:lumOff val="35000"/>
+                  </a:schemeClr>
+                </a:solidFill>
+              </a:rPr>
+              <a:t>RESTful interface</a:t>
+            </a:r>
+            <a:endParaRPr/>
+          </a:p>
+          <a:p>
+            <a:pPr marL="800100" lvl="1" indent="-342900">
+              <a:buFont typeface="Arial"/>
+              <a:buChar char="•"/>
+              <a:defRPr/>
+            </a:pPr>
+            <a:r>
+              <a:rPr sz="2000">
+                <a:solidFill>
+                  <a:schemeClr val="tx1">
+                    <a:lumMod val="65000"/>
+                    <a:lumOff val="35000"/>
+                  </a:schemeClr>
+                </a:solidFill>
+              </a:rPr>
+              <a:t>JSON</a:t>
+            </a:r>
+            <a:endParaRPr/>
+          </a:p>
+          <a:p>
+            <a:pPr marL="342900" indent="-342900">
+              <a:buAutoNum type="arabicPeriod" startAt="1"/>
+              <a:defRPr/>
+            </a:pPr>
+            <a:r>
+              <a:rPr sz="2000">
+                <a:solidFill>
+                  <a:schemeClr val="tx1">
+                    <a:lumMod val="65000"/>
+                    <a:lumOff val="35000"/>
+                  </a:schemeClr>
+                </a:solidFill>
+              </a:rPr>
+              <a:t>Frontend</a:t>
+            </a:r>
+            <a:endParaRPr/>
+          </a:p>
+        </p:txBody>
+      </p:sp>
+      <p:pic>
+        <p:nvPicPr>
+          <p:cNvPr id="0" name=""/>
+          <p:cNvPicPr/>
+          <p:nvPr isPhoto="0" userDrawn="0">
+            <p:ph idx="1" hasCustomPrompt="0"/>
+          </p:nvPr>
+        </p:nvPicPr>
+        <p:blipFill>
+          <a:blip r:embed="rId3"/>
+          <a:stretch/>
+        </p:blipFill>
+        <p:spPr>
+          <a:xfrm>
+            <a:off x="3780693" y="320674"/>
+            <a:ext cx="4725131" cy="6312118"/>
+          </a:xfrm>
+          <a:prstGeom prst="rect">
+            <a:avLst/>
+          </a:prstGeom>
+        </p:spPr>
+      </p:pic>
+      <p:sp>
+        <p:nvSpPr>
+          <p:cNvPr id="0" name=""/>
+          <p:cNvSpPr/>
+          <p:nvPr isPhoto="0" userDrawn="0"/>
+        </p:nvSpPr>
+        <p:spPr>
+          <a:xfrm>
+            <a:off x="3684414" y="1110249"/>
+            <a:ext cx="4917687" cy="3247439"/>
           </a:xfrm>
           <a:prstGeom prst="rect">
             <a:avLst/>
@@ -5744,120 +7694,39 @@
           <a:bodyPr rtlCol="0" anchor="ctr"/>
           <a:lstStyle/>
           <a:p>
-            <a:pPr algn="ctr"/>
-            <a:endParaRPr lang="en-US"/>
+            <a:pPr algn="ctr">
+              <a:defRPr/>
+            </a:pPr>
+            <a:endParaRPr/>
           </a:p>
         </p:txBody>
       </p:sp>
     </p:spTree>
-    <p:extLst>
-      <p:ext uri="{BB962C8B-B14F-4D97-AF65-F5344CB8AC3E}">
-        <p14:creationId xmlns:p14="http://schemas.microsoft.com/office/powerpoint/2010/main" val="3446045063"/>
-      </p:ext>
-    </p:extLst>
   </p:cSld>
   <p:clrMapOvr>
     <a:masterClrMapping/>
   </p:clrMapOvr>
-  <p:timing>
-    <p:tnLst>
-      <p:par>
-        <p:cTn id="1" dur="indefinite" restart="never" nodeType="tmRoot">
-          <p:childTnLst>
-            <p:seq concurrent="1" nextAc="seek">
-              <p:cTn id="2" dur="indefinite" nodeType="mainSeq">
-                <p:childTnLst>
-                  <p:par>
-                    <p:cTn id="3" fill="hold">
-                      <p:stCondLst>
-                        <p:cond delay="indefinite"/>
-                      </p:stCondLst>
-                      <p:childTnLst>
-                        <p:par>
-                          <p:cTn id="4" fill="hold">
-                            <p:stCondLst>
-                              <p:cond delay="0"/>
-                            </p:stCondLst>
-                            <p:childTnLst>
-                              <p:par>
-                                <p:cTn id="5" presetID="10" presetClass="entr" presetSubtype="0" fill="hold" grpId="0" nodeType="clickEffect">
-                                  <p:stCondLst>
-                                    <p:cond delay="0"/>
-                                  </p:stCondLst>
-                                  <p:childTnLst>
-                                    <p:set>
-                                      <p:cBhvr>
-                                        <p:cTn id="6" dur="1" fill="hold">
-                                          <p:stCondLst>
-                                            <p:cond delay="0"/>
-                                          </p:stCondLst>
-                                        </p:cTn>
-                                        <p:tgtEl>
-                                          <p:spTgt spid="4"/>
-                                        </p:tgtEl>
-                                        <p:attrNameLst>
-                                          <p:attrName>style.visibility</p:attrName>
-                                        </p:attrNameLst>
-                                      </p:cBhvr>
-                                      <p:to>
-                                        <p:strVal val="visible"/>
-                                      </p:to>
-                                    </p:set>
-                                    <p:animEffect transition="in" filter="fade">
-                                      <p:cBhvr>
-                                        <p:cTn id="7" dur="250"/>
-                                        <p:tgtEl>
-                                          <p:spTgt spid="4"/>
-                                        </p:tgtEl>
-                                      </p:cBhvr>
-                                    </p:animEffect>
-                                  </p:childTnLst>
-                                </p:cTn>
-                              </p:par>
-                            </p:childTnLst>
-                          </p:cTn>
-                        </p:par>
-                      </p:childTnLst>
-                    </p:cTn>
-                  </p:par>
-                </p:childTnLst>
-              </p:cTn>
-              <p:prevCondLst>
-                <p:cond evt="onPrev" delay="0">
-                  <p:tgtEl>
-                    <p:sldTgt/>
-                  </p:tgtEl>
-                </p:cond>
-              </p:prevCondLst>
-              <p:nextCondLst>
-                <p:cond evt="onNext" delay="0">
-                  <p:tgtEl>
-                    <p:sldTgt/>
-                  </p:tgtEl>
-                </p:cond>
-              </p:nextCondLst>
-            </p:seq>
-          </p:childTnLst>
-        </p:cTn>
-      </p:par>
-    </p:tnLst>
-    <p:bldLst>
-      <p:bldP spid="4" grpId="0" animBg="1"/>
-    </p:bldLst>
-  </p:timing>
+  <mc:AlternateContent xmlns:mc="http://schemas.openxmlformats.org/markup-compatibility/2006">
+    <mc:Choice xmlns:p14="http://schemas.microsoft.com/office/powerpoint/2010/main" Requires="p14">
+      <p:transition p14:dur="2000" advClick="1"/>
+    </mc:Choice>
+    <mc:Fallback>
+      <p:transition advClick="1"/>
+    </mc:Fallback>
+  </mc:AlternateContent>
 </p:sld>
 </file>
 
-<file path=ppt/slides/slide6.xml><?xml version="1.0" encoding="utf-8"?>
-<p:sld xmlns:a="http://schemas.openxmlformats.org/drawingml/2006/main" xmlns:r="http://schemas.openxmlformats.org/officeDocument/2006/relationships" xmlns:p="http://schemas.openxmlformats.org/presentationml/2006/main">
-  <p:cSld>
+<file path=ppt/slides/slide7.xml><?xml version="1.0" encoding="utf-8"?>
+<p:sld xmlns:a="http://schemas.openxmlformats.org/drawingml/2006/main" xmlns:r="http://schemas.openxmlformats.org/officeDocument/2006/relationships" xmlns:p="http://schemas.openxmlformats.org/presentationml/2006/main" xmlns:m="http://schemas.openxmlformats.org/officeDocument/2006/math" xmlns:w="http://schemas.openxmlformats.org/wordprocessingml/2006/main" showMasterPhAnim="0" show="1">
+  <p:cSld name="">
     <p:spTree>
       <p:nvGrpSpPr>
         <p:cNvPr id="1" name=""/>
         <p:cNvGrpSpPr/>
-        <p:nvPr/>
+        <p:nvPr isPhoto="0" userDrawn="0"/>
       </p:nvGrpSpPr>
-      <p:grpSpPr>
+      <p:grpSpPr bwMode="auto">
         <a:xfrm>
           <a:off x="0" y="0"/>
           <a:ext cx="0" cy="0"/>
@@ -5871,19 +7740,23 @@
           <p:cNvSpPr>
             <a:spLocks noGrp="1"/>
           </p:cNvSpPr>
-          <p:nvPr>
-            <p:ph type="title"/>
-          </p:nvPr>
-        </p:nvSpPr>
-        <p:spPr/>
-        <p:txBody>
-          <a:bodyPr/>
-          <a:lstStyle/>
-          <a:p>
-            <a:r>
-              <a:rPr lang="en-US" dirty="0"/>
+          <p:nvPr isPhoto="0" userDrawn="0">
+            <p:ph type="title" hasCustomPrompt="0"/>
+          </p:nvPr>
+        </p:nvSpPr>
+        <p:spPr bwMode="auto"/>
+        <p:txBody>
+          <a:bodyPr/>
+          <a:lstStyle/>
+          <a:p>
+            <a:pPr>
+              <a:defRPr/>
+            </a:pPr>
+            <a:r>
+              <a:rPr/>
               <a:t>Data Preprocessing</a:t>
             </a:r>
+            <a:endParaRPr/>
           </a:p>
         </p:txBody>
       </p:sp>
@@ -5891,12 +7764,12 @@
         <p:nvSpPr>
           <p:cNvPr id="4" name="Rectangle 3"/>
           <p:cNvSpPr/>
-          <p:nvPr/>
-        </p:nvSpPr>
-        <p:spPr>
+          <p:nvPr isPhoto="0" userDrawn="0"/>
+        </p:nvSpPr>
+        <p:spPr bwMode="auto">
           <a:xfrm>
             <a:off x="4772722" y="999038"/>
-            <a:ext cx="3166947" cy="4850780"/>
+            <a:ext cx="3166947" cy="4850779"/>
           </a:xfrm>
           <a:prstGeom prst="rect">
             <a:avLst/>
@@ -5933,9 +7806,11 @@
           <a:bodyPr rtlCol="0" anchor="ctr"/>
           <a:lstStyle/>
           <a:p>
-            <a:pPr algn="ctr"/>
-            <a:r>
-              <a:rPr lang="en-US" sz="3600" dirty="0">
+            <a:pPr algn="ctr">
+              <a:defRPr/>
+            </a:pPr>
+            <a:r>
+              <a:rPr sz="3600">
                 <a:solidFill>
                   <a:schemeClr val="tx1">
                     <a:lumMod val="65000"/>
@@ -5945,7 +7820,7 @@
               </a:rPr>
               <a:t>Data</a:t>
             </a:r>
-            <a:endParaRPr lang="en-US" dirty="0">
+            <a:endParaRPr>
               <a:solidFill>
                 <a:schemeClr val="tx1">
                   <a:lumMod val="65000"/>
@@ -5960,15 +7835,18 @@
         <p:nvSpPr>
           <p:cNvPr id="5" name="Right Brace 4"/>
           <p:cNvSpPr/>
-          <p:nvPr/>
-        </p:nvSpPr>
-        <p:spPr>
+          <p:nvPr isPhoto="0" userDrawn="0"/>
+        </p:nvSpPr>
+        <p:spPr bwMode="auto">
           <a:xfrm>
             <a:off x="8129239" y="999038"/>
             <a:ext cx="412595" cy="3628718"/>
           </a:xfrm>
           <a:prstGeom prst="rightBrace">
-            <a:avLst/>
+            <a:avLst>
+              <a:gd name="adj1" fmla="val 8333"/>
+              <a:gd name="adj2" fmla="val 50000"/>
+            </a:avLst>
           </a:prstGeom>
           <a:ln w="19050">
             <a:solidFill>
@@ -5997,8 +7875,10 @@
           <a:bodyPr rtlCol="0" anchor="ctr"/>
           <a:lstStyle/>
           <a:p>
-            <a:pPr algn="ctr"/>
-            <a:endParaRPr lang="en-US"/>
+            <a:pPr algn="ctr">
+              <a:defRPr/>
+            </a:pPr>
+            <a:endParaRPr/>
           </a:p>
         </p:txBody>
       </p:sp>
@@ -6006,15 +7886,18 @@
         <p:nvSpPr>
           <p:cNvPr id="6" name="Right Brace 5"/>
           <p:cNvSpPr/>
-          <p:nvPr/>
-        </p:nvSpPr>
-        <p:spPr>
+          <p:nvPr isPhoto="0" userDrawn="0"/>
+        </p:nvSpPr>
+        <p:spPr bwMode="auto">
           <a:xfrm>
             <a:off x="8129239" y="4627756"/>
             <a:ext cx="412595" cy="1222062"/>
           </a:xfrm>
           <a:prstGeom prst="rightBrace">
-            <a:avLst/>
+            <a:avLst>
+              <a:gd name="adj1" fmla="val 8333"/>
+              <a:gd name="adj2" fmla="val 50000"/>
+            </a:avLst>
           </a:prstGeom>
           <a:ln w="19050">
             <a:solidFill>
@@ -6043,18 +7926,22 @@
           <a:bodyPr rtlCol="0" anchor="ctr"/>
           <a:lstStyle/>
           <a:p>
-            <a:pPr algn="ctr"/>
-            <a:endParaRPr lang="en-US"/>
+            <a:pPr algn="ctr">
+              <a:defRPr/>
+            </a:pPr>
+            <a:endParaRPr/>
           </a:p>
         </p:txBody>
       </p:sp>
       <p:sp>
         <p:nvSpPr>
           <p:cNvPr id="7" name="TextBox 6"/>
-          <p:cNvSpPr txBox="1"/>
-          <p:nvPr/>
-        </p:nvSpPr>
-        <p:spPr>
+          <p:cNvSpPr>
+            <a:spLocks noAdjustHandles="0" noChangeArrowheads="0"/>
+          </p:cNvSpPr>
+          <p:nvPr isPhoto="0" userDrawn="0"/>
+        </p:nvSpPr>
+        <p:spPr bwMode="auto">
           <a:xfrm>
             <a:off x="8791824" y="2542478"/>
             <a:ext cx="2278701" cy="461665"/>
@@ -6070,8 +7957,11 @@
           </a:bodyPr>
           <a:lstStyle/>
           <a:p>
-            <a:r>
-              <a:rPr lang="en-US" sz="2400" dirty="0">
+            <a:pPr>
+              <a:defRPr/>
+            </a:pPr>
+            <a:r>
+              <a:rPr sz="2400">
                 <a:solidFill>
                   <a:schemeClr val="tx1">
                     <a:lumMod val="65000"/>
@@ -6081,16 +7971,19 @@
               </a:rPr>
               <a:t>In Sample – 80%</a:t>
             </a:r>
+            <a:endParaRPr/>
           </a:p>
         </p:txBody>
       </p:sp>
       <p:sp>
         <p:nvSpPr>
           <p:cNvPr id="8" name="TextBox 7"/>
-          <p:cNvSpPr txBox="1"/>
-          <p:nvPr/>
-        </p:nvSpPr>
-        <p:spPr>
+          <p:cNvSpPr>
+            <a:spLocks noAdjustHandles="0" noChangeArrowheads="0"/>
+          </p:cNvSpPr>
+          <p:nvPr isPhoto="0" userDrawn="0"/>
+        </p:nvSpPr>
+        <p:spPr bwMode="auto">
           <a:xfrm>
             <a:off x="8791824" y="5007954"/>
             <a:ext cx="2937407" cy="461665"/>
@@ -6106,8 +7999,11 @@
           </a:bodyPr>
           <a:lstStyle/>
           <a:p>
-            <a:r>
-              <a:rPr lang="en-US" sz="2400" dirty="0">
+            <a:pPr>
+              <a:defRPr/>
+            </a:pPr>
+            <a:r>
+              <a:rPr sz="2400">
                 <a:solidFill>
                   <a:schemeClr val="tx1">
                     <a:lumMod val="65000"/>
@@ -6117,6 +8013,7 @@
               </a:rPr>
               <a:t>Out-of-Sample – 20%</a:t>
             </a:r>
+            <a:endParaRPr/>
           </a:p>
         </p:txBody>
       </p:sp>
@@ -6124,9 +8021,9 @@
         <p:nvSpPr>
           <p:cNvPr id="9" name="Rectangle 8"/>
           <p:cNvSpPr/>
-          <p:nvPr/>
-        </p:nvSpPr>
-        <p:spPr>
+          <p:nvPr isPhoto="0" userDrawn="0"/>
+        </p:nvSpPr>
+        <p:spPr bwMode="auto">
           <a:xfrm>
             <a:off x="4772721" y="4627756"/>
             <a:ext cx="3166947" cy="1261518"/>
@@ -6168,8 +8065,10 @@
           <a:bodyPr rtlCol="0" anchor="ctr"/>
           <a:lstStyle/>
           <a:p>
-            <a:pPr algn="ctr"/>
-            <a:endParaRPr lang="en-US" dirty="0">
+            <a:pPr algn="ctr">
+              <a:defRPr/>
+            </a:pPr>
+            <a:endParaRPr>
               <a:solidFill>
                 <a:schemeClr val="tx1">
                   <a:lumMod val="65000"/>
@@ -6181,28 +8080,31 @@
         </p:txBody>
       </p:sp>
     </p:spTree>
-    <p:extLst>
-      <p:ext uri="{BB962C8B-B14F-4D97-AF65-F5344CB8AC3E}">
-        <p14:creationId xmlns:p14="http://schemas.microsoft.com/office/powerpoint/2010/main" val="3552673421"/>
-      </p:ext>
-    </p:extLst>
   </p:cSld>
   <p:clrMapOvr>
     <a:masterClrMapping/>
   </p:clrMapOvr>
+  <mc:AlternateContent xmlns:mc="http://schemas.openxmlformats.org/markup-compatibility/2006">
+    <mc:Choice xmlns:p14="http://schemas.microsoft.com/office/powerpoint/2010/main" Requires="p14">
+      <p:transition p14:dur="2000" advClick="1"/>
+    </mc:Choice>
+    <mc:Fallback>
+      <p:transition advClick="1"/>
+    </mc:Fallback>
+  </mc:AlternateContent>
 </p:sld>
 </file>
 
-<file path=ppt/slides/slide7.xml><?xml version="1.0" encoding="utf-8"?>
-<p:sld xmlns:a="http://schemas.openxmlformats.org/drawingml/2006/main" xmlns:r="http://schemas.openxmlformats.org/officeDocument/2006/relationships" xmlns:p="http://schemas.openxmlformats.org/presentationml/2006/main">
-  <p:cSld>
+<file path=ppt/slides/slide8.xml><?xml version="1.0" encoding="utf-8"?>
+<p:sld xmlns:a="http://schemas.openxmlformats.org/drawingml/2006/main" xmlns:r="http://schemas.openxmlformats.org/officeDocument/2006/relationships" xmlns:p="http://schemas.openxmlformats.org/presentationml/2006/main" xmlns:m="http://schemas.openxmlformats.org/officeDocument/2006/math" xmlns:w="http://schemas.openxmlformats.org/wordprocessingml/2006/main" showMasterPhAnim="0" show="1">
+  <p:cSld name="">
     <p:spTree>
       <p:nvGrpSpPr>
         <p:cNvPr id="1" name=""/>
         <p:cNvGrpSpPr/>
-        <p:nvPr/>
+        <p:nvPr isPhoto="0" userDrawn="0"/>
       </p:nvGrpSpPr>
-      <p:grpSpPr>
+      <p:grpSpPr bwMode="auto">
         <a:xfrm>
           <a:off x="0" y="0"/>
           <a:ext cx="0" cy="0"/>
@@ -6216,19 +8118,23 @@
           <p:cNvSpPr>
             <a:spLocks noGrp="1"/>
           </p:cNvSpPr>
-          <p:nvPr>
-            <p:ph type="title"/>
-          </p:nvPr>
-        </p:nvSpPr>
-        <p:spPr/>
-        <p:txBody>
-          <a:bodyPr/>
-          <a:lstStyle/>
-          <a:p>
-            <a:r>
-              <a:rPr lang="en-US" dirty="0"/>
+          <p:nvPr isPhoto="0" userDrawn="0">
+            <p:ph type="title" hasCustomPrompt="0"/>
+          </p:nvPr>
+        </p:nvSpPr>
+        <p:spPr bwMode="auto"/>
+        <p:txBody>
+          <a:bodyPr/>
+          <a:lstStyle/>
+          <a:p>
+            <a:pPr>
+              <a:defRPr/>
+            </a:pPr>
+            <a:r>
+              <a:rPr/>
               <a:t>Data Preprocessing</a:t>
             </a:r>
+            <a:endParaRPr/>
           </a:p>
         </p:txBody>
       </p:sp>
@@ -6238,13 +8144,13 @@
           <p:cNvSpPr>
             <a:spLocks noGrp="1"/>
           </p:cNvSpPr>
-          <p:nvPr>
-            <p:ph idx="1"/>
-          </p:nvPr>
-        </p:nvSpPr>
-        <p:spPr>
+          <p:nvPr isPhoto="0" userDrawn="0">
+            <p:ph idx="1" hasCustomPrompt="0"/>
+          </p:nvPr>
+        </p:nvSpPr>
+        <p:spPr bwMode="auto">
           <a:xfrm>
-            <a:off x="3869268" y="872497"/>
+            <a:off x="3869267" y="872497"/>
             <a:ext cx="7315200" cy="5120640"/>
           </a:xfrm>
         </p:spPr>
@@ -6252,152 +8158,163 @@
           <a:bodyPr/>
           <a:lstStyle/>
           <a:p>
-            <a:r>
-              <a:rPr lang="en-US" dirty="0"/>
+            <a:pPr>
+              <a:defRPr/>
+            </a:pPr>
+            <a:r>
+              <a:rPr/>
               <a:t>Typecast to proper data types</a:t>
             </a:r>
-          </a:p>
-          <a:p>
-            <a:pPr lvl="1"/>
-            <a:r>
-              <a:rPr lang="en-US" dirty="0"/>
+            <a:endParaRPr/>
+          </a:p>
+          <a:p>
+            <a:pPr lvl="1">
+              <a:defRPr/>
+            </a:pPr>
+            <a:r>
+              <a:rPr/>
               <a:t>Numeric types: </a:t>
             </a:r>
             <a:r>
-              <a:rPr lang="en-US" dirty="0" err="1"/>
+              <a:rPr/>
               <a:t>taxAssessmentYear</a:t>
             </a:r>
             <a:r>
-              <a:rPr lang="en-US" dirty="0"/>
+              <a:rPr/>
               <a:t>, </a:t>
             </a:r>
             <a:r>
-              <a:rPr lang="en-US" dirty="0" err="1"/>
+              <a:rPr/>
               <a:t>taxAssessment</a:t>
             </a:r>
             <a:r>
-              <a:rPr lang="en-US" dirty="0"/>
+              <a:rPr/>
               <a:t>, </a:t>
             </a:r>
             <a:r>
-              <a:rPr lang="en-US" dirty="0" err="1"/>
+              <a:rPr/>
               <a:t>yearBuilt</a:t>
             </a:r>
             <a:r>
-              <a:rPr lang="en-US" dirty="0"/>
+              <a:rPr/>
               <a:t>, </a:t>
             </a:r>
             <a:r>
-              <a:rPr lang="en-US" dirty="0" err="1"/>
+              <a:rPr/>
               <a:t>lotSizeSqFt</a:t>
             </a:r>
             <a:r>
-              <a:rPr lang="en-US" dirty="0"/>
+              <a:rPr/>
               <a:t>, </a:t>
             </a:r>
             <a:r>
-              <a:rPr lang="en-US" dirty="0" err="1"/>
+              <a:rPr/>
               <a:t>finishedSqFt</a:t>
             </a:r>
             <a:r>
-              <a:rPr lang="en-US" dirty="0"/>
+              <a:rPr/>
               <a:t>, bathrooms, bedrooms, </a:t>
             </a:r>
             <a:r>
-              <a:rPr lang="en-US" dirty="0" err="1"/>
+              <a:rPr/>
               <a:t>zestimate</a:t>
             </a:r>
             <a:r>
-              <a:rPr lang="en-US" dirty="0"/>
+              <a:rPr/>
               <a:t>, </a:t>
             </a:r>
             <a:r>
-              <a:rPr lang="en-US" dirty="0" err="1"/>
+              <a:rPr/>
               <a:t>zestimateValueChange</a:t>
             </a:r>
             <a:r>
-              <a:rPr lang="en-US" dirty="0"/>
+              <a:rPr/>
               <a:t>, </a:t>
             </a:r>
             <a:r>
-              <a:rPr lang="en-US" dirty="0" err="1"/>
+              <a:rPr/>
               <a:t>zestimateValueLow</a:t>
             </a:r>
             <a:r>
-              <a:rPr lang="en-US" dirty="0"/>
+              <a:rPr/>
               <a:t>, </a:t>
             </a:r>
             <a:r>
-              <a:rPr lang="en-US" dirty="0" err="1"/>
+              <a:rPr/>
               <a:t>zestimateValueHigh</a:t>
             </a:r>
             <a:r>
-              <a:rPr lang="en-US" dirty="0"/>
+              <a:rPr/>
               <a:t>, </a:t>
             </a:r>
             <a:r>
-              <a:rPr lang="en-US" dirty="0" err="1"/>
+              <a:rPr/>
               <a:t>zestimatePercentile</a:t>
             </a:r>
             <a:r>
-              <a:rPr lang="en-US" dirty="0"/>
+              <a:rPr/>
               <a:t>, </a:t>
             </a:r>
             <a:r>
-              <a:rPr lang="en-US" b="1" dirty="0" err="1"/>
+              <a:rPr b="1"/>
               <a:t>lastSoldPrice</a:t>
             </a:r>
-            <a:endParaRPr lang="en-US" b="1" dirty="0"/>
-          </a:p>
-          <a:p>
-            <a:pPr lvl="1"/>
-            <a:r>
-              <a:rPr lang="en-US" dirty="0" err="1"/>
+            <a:endParaRPr b="1"/>
+          </a:p>
+          <a:p>
+            <a:pPr lvl="1">
+              <a:defRPr/>
+            </a:pPr>
+            <a:r>
+              <a:rPr/>
               <a:t>Datetime</a:t>
             </a:r>
             <a:r>
-              <a:rPr lang="en-US" dirty="0"/>
+              <a:rPr/>
               <a:t> types: </a:t>
             </a:r>
             <a:r>
-              <a:rPr lang="en-US" dirty="0" err="1"/>
+              <a:rPr/>
               <a:t>lastSoldDate</a:t>
             </a:r>
             <a:r>
-              <a:rPr lang="en-US" dirty="0"/>
+              <a:rPr/>
               <a:t>, </a:t>
             </a:r>
             <a:r>
-              <a:rPr lang="en-US" dirty="0" err="1"/>
+              <a:rPr/>
               <a:t>zestimateLastUpdated</a:t>
             </a:r>
-            <a:endParaRPr lang="en-US" dirty="0"/>
+            <a:endParaRPr/>
           </a:p>
         </p:txBody>
       </p:sp>
     </p:spTree>
-    <p:extLst>
-      <p:ext uri="{BB962C8B-B14F-4D97-AF65-F5344CB8AC3E}">
-        <p14:creationId xmlns:p14="http://schemas.microsoft.com/office/powerpoint/2010/main" val="905992681"/>
-      </p:ext>
-    </p:extLst>
   </p:cSld>
   <p:clrMapOvr>
     <a:masterClrMapping/>
   </p:clrMapOvr>
+  <mc:AlternateContent xmlns:mc="http://schemas.openxmlformats.org/markup-compatibility/2006">
+    <mc:Choice xmlns:p14="http://schemas.microsoft.com/office/powerpoint/2010/main" Requires="p14">
+      <p:transition p14:dur="2000" advClick="1"/>
+    </mc:Choice>
+    <mc:Fallback>
+      <p:transition advClick="1"/>
+    </mc:Fallback>
+  </mc:AlternateContent>
 </p:sld>
 </file>
 
-<file path=ppt/slides/slide8.xml><?xml version="1.0" encoding="utf-8"?>
-<p:sld xmlns:a="http://schemas.openxmlformats.org/drawingml/2006/main" xmlns:r="http://schemas.openxmlformats.org/officeDocument/2006/relationships" xmlns:p="http://schemas.openxmlformats.org/presentationml/2006/main">
-  <p:cSld>
+<file path=ppt/slides/slide9.xml><?xml version="1.0" encoding="utf-8"?>
+<p:sld xmlns:a="http://schemas.openxmlformats.org/drawingml/2006/main" xmlns:r="http://schemas.openxmlformats.org/officeDocument/2006/relationships" xmlns:p="http://schemas.openxmlformats.org/presentationml/2006/main" xmlns:m="http://schemas.openxmlformats.org/officeDocument/2006/math" xmlns:w="http://schemas.openxmlformats.org/wordprocessingml/2006/main" showMasterPhAnim="0" show="1">
+  <p:cSld name="">
     <p:spTree>
       <p:nvGrpSpPr>
         <p:cNvPr id="1" name=""/>
         <p:cNvGrpSpPr/>
-        <p:nvPr/>
+        <p:nvPr isPhoto="0" userDrawn="0"/>
       </p:nvGrpSpPr>
-      <p:grpSpPr>
+      <p:grpSpPr bwMode="auto">
         <a:xfrm>
           <a:off x="0" y="0"/>
           <a:ext cx="0" cy="0"/>
@@ -6411,19 +8328,23 @@
           <p:cNvSpPr>
             <a:spLocks noGrp="1"/>
           </p:cNvSpPr>
-          <p:nvPr>
-            <p:ph type="title"/>
-          </p:nvPr>
-        </p:nvSpPr>
-        <p:spPr/>
-        <p:txBody>
-          <a:bodyPr/>
-          <a:lstStyle/>
-          <a:p>
-            <a:r>
-              <a:rPr lang="en-US" dirty="0"/>
+          <p:nvPr isPhoto="0" userDrawn="0">
+            <p:ph type="title" hasCustomPrompt="0"/>
+          </p:nvPr>
+        </p:nvSpPr>
+        <p:spPr bwMode="auto"/>
+        <p:txBody>
+          <a:bodyPr/>
+          <a:lstStyle/>
+          <a:p>
+            <a:pPr>
+              <a:defRPr/>
+            </a:pPr>
+            <a:r>
+              <a:rPr/>
               <a:t>Data Preprocessing</a:t>
             </a:r>
+            <a:endParaRPr/>
           </a:p>
         </p:txBody>
       </p:sp>
@@ -6433,13 +8354,13 @@
           <p:cNvSpPr>
             <a:spLocks noGrp="1"/>
           </p:cNvSpPr>
-          <p:nvPr>
-            <p:ph idx="1"/>
-          </p:nvPr>
-        </p:nvSpPr>
-        <p:spPr>
+          <p:nvPr isPhoto="0" userDrawn="0">
+            <p:ph idx="1" hasCustomPrompt="0"/>
+          </p:nvPr>
+        </p:nvSpPr>
+        <p:spPr bwMode="auto">
           <a:xfrm>
-            <a:off x="3869268" y="864108"/>
+            <a:off x="3869267" y="864108"/>
             <a:ext cx="7315200" cy="931238"/>
           </a:xfrm>
         </p:spPr>
@@ -6449,19 +8370,21 @@
           <a:p>
             <a:pPr marL="0" indent="0">
               <a:buNone/>
-            </a:pPr>
-            <a:r>
-              <a:rPr lang="en-US" dirty="0"/>
+              <a:defRPr/>
+            </a:pPr>
+            <a:r>
+              <a:rPr/>
               <a:t>Split </a:t>
             </a:r>
             <a:r>
-              <a:rPr lang="en-US" dirty="0" err="1"/>
+              <a:rPr/>
               <a:t>datetime</a:t>
             </a:r>
             <a:r>
-              <a:rPr lang="en-US" dirty="0"/>
+              <a:rPr/>
               <a:t> objects into separate year, month, and day columns</a:t>
             </a:r>
+            <a:endParaRPr/>
           </a:p>
         </p:txBody>
       </p:sp>
@@ -6471,15 +8394,13 @@
           <p:cNvPicPr>
             <a:picLocks noChangeAspect="1"/>
           </p:cNvPicPr>
-          <p:nvPr/>
+          <p:nvPr isPhoto="0" userDrawn="0"/>
         </p:nvPicPr>
         <p:blipFill>
-          <a:blip r:embed="rId2"/>
-          <a:stretch>
-            <a:fillRect/>
-          </a:stretch>
+          <a:blip r:embed="rId3"/>
+          <a:stretch/>
         </p:blipFill>
-        <p:spPr>
+        <p:spPr bwMode="auto">
           <a:xfrm>
             <a:off x="3585726" y="1795346"/>
             <a:ext cx="8093446" cy="3612995"/>
@@ -6490,134 +8411,23 @@
         </p:spPr>
       </p:pic>
     </p:spTree>
-    <p:extLst>
-      <p:ext uri="{BB962C8B-B14F-4D97-AF65-F5344CB8AC3E}">
-        <p14:creationId xmlns:p14="http://schemas.microsoft.com/office/powerpoint/2010/main" val="513983487"/>
-      </p:ext>
-    </p:extLst>
   </p:cSld>
   <p:clrMapOvr>
     <a:masterClrMapping/>
   </p:clrMapOvr>
-</p:sld>
-</file>
-
-<file path=ppt/slides/slide9.xml><?xml version="1.0" encoding="utf-8"?>
-<p:sld xmlns:a="http://schemas.openxmlformats.org/drawingml/2006/main" xmlns:r="http://schemas.openxmlformats.org/officeDocument/2006/relationships" xmlns:p="http://schemas.openxmlformats.org/presentationml/2006/main">
-  <p:cSld>
-    <p:spTree>
-      <p:nvGrpSpPr>
-        <p:cNvPr id="1" name=""/>
-        <p:cNvGrpSpPr/>
-        <p:nvPr/>
-      </p:nvGrpSpPr>
-      <p:grpSpPr>
-        <a:xfrm>
-          <a:off x="0" y="0"/>
-          <a:ext cx="0" cy="0"/>
-          <a:chOff x="0" y="0"/>
-          <a:chExt cx="0" cy="0"/>
-        </a:xfrm>
-      </p:grpSpPr>
-      <p:sp>
-        <p:nvSpPr>
-          <p:cNvPr id="2" name="Title 1"/>
-          <p:cNvSpPr>
-            <a:spLocks noGrp="1"/>
-          </p:cNvSpPr>
-          <p:nvPr>
-            <p:ph type="title"/>
-          </p:nvPr>
-        </p:nvSpPr>
-        <p:spPr/>
-        <p:txBody>
-          <a:bodyPr/>
-          <a:lstStyle/>
-          <a:p>
-            <a:r>
-              <a:rPr lang="en-US" dirty="0"/>
-              <a:t>Data Preprocessing</a:t>
-            </a:r>
-          </a:p>
-        </p:txBody>
-      </p:sp>
-      <p:sp>
-        <p:nvSpPr>
-          <p:cNvPr id="3" name="Content Placeholder 2"/>
-          <p:cNvSpPr>
-            <a:spLocks noGrp="1"/>
-          </p:cNvSpPr>
-          <p:nvPr>
-            <p:ph idx="1"/>
-          </p:nvPr>
-        </p:nvSpPr>
-        <p:spPr>
-          <a:xfrm>
-            <a:off x="3869268" y="864108"/>
-            <a:ext cx="7315200" cy="771745"/>
-          </a:xfrm>
-        </p:spPr>
-        <p:txBody>
-          <a:bodyPr/>
-          <a:lstStyle/>
-          <a:p>
-            <a:pPr marL="0" indent="0">
-              <a:buNone/>
-            </a:pPr>
-            <a:r>
-              <a:rPr lang="en-US" dirty="0"/>
-              <a:t>Column correlations against dependent variable reveal </a:t>
-            </a:r>
-            <a:r>
-              <a:rPr lang="en-US" dirty="0" err="1"/>
-              <a:t>zestimate</a:t>
-            </a:r>
-            <a:r>
-              <a:rPr lang="en-US" dirty="0"/>
-              <a:t> columns to be highly correlation. Exclude</a:t>
-            </a:r>
-          </a:p>
-        </p:txBody>
-      </p:sp>
-      <p:pic>
-        <p:nvPicPr>
-          <p:cNvPr id="4" name="Picture 3"/>
-          <p:cNvPicPr>
-            <a:picLocks noChangeAspect="1"/>
-          </p:cNvPicPr>
-          <p:nvPr/>
-        </p:nvPicPr>
-        <p:blipFill>
-          <a:blip r:embed="rId2"/>
-          <a:stretch>
-            <a:fillRect/>
-          </a:stretch>
-        </p:blipFill>
-        <p:spPr>
-          <a:xfrm>
-            <a:off x="3767054" y="1635853"/>
-            <a:ext cx="7722848" cy="4400506"/>
-          </a:xfrm>
-          <a:prstGeom prst="rect">
-            <a:avLst/>
-          </a:prstGeom>
-        </p:spPr>
-      </p:pic>
-    </p:spTree>
-    <p:extLst>
-      <p:ext uri="{BB962C8B-B14F-4D97-AF65-F5344CB8AC3E}">
-        <p14:creationId xmlns:p14="http://schemas.microsoft.com/office/powerpoint/2010/main" val="833715325"/>
-      </p:ext>
-    </p:extLst>
-  </p:cSld>
-  <p:clrMapOvr>
-    <a:masterClrMapping/>
-  </p:clrMapOvr>
+  <mc:AlternateContent xmlns:mc="http://schemas.openxmlformats.org/markup-compatibility/2006">
+    <mc:Choice xmlns:p14="http://schemas.microsoft.com/office/powerpoint/2010/main" Requires="p14">
+      <p:transition p14:dur="2000" advClick="1"/>
+    </mc:Choice>
+    <mc:Fallback>
+      <p:transition advClick="1"/>
+    </mc:Fallback>
+  </mc:AlternateContent>
 </p:sld>
 </file>
 
 <file path=ppt/theme/theme1.xml><?xml version="1.0" encoding="utf-8"?>
-<a:theme xmlns:a="http://schemas.openxmlformats.org/drawingml/2006/main" name="Frame">
+<a:theme xmlns:a="http://schemas.openxmlformats.org/drawingml/2006/main" xmlns:r="http://schemas.openxmlformats.org/officeDocument/2006/relationships" xmlns:p="http://schemas.openxmlformats.org/presentationml/2006/main" name="Frame">
   <a:themeElements>
     <a:clrScheme name="Frame">
       <a:dk1>
@@ -6659,74 +8469,14 @@
     </a:clrScheme>
     <a:fontScheme name="Frame">
       <a:majorFont>
-        <a:latin typeface="Corbel" panose="020B0503020204020204"/>
-        <a:ea typeface=""/>
-        <a:cs typeface=""/>
-        <a:font script="Jpan" typeface="ＭＳ ゴシック"/>
-        <a:font script="Hang" typeface="HY중고딕"/>
-        <a:font script="Hans" typeface="幼圆"/>
-        <a:font script="Hant" typeface="微軟正黑體"/>
-        <a:font script="Arab" typeface="Tahoma"/>
-        <a:font script="Hebr" typeface="Gisha"/>
-        <a:font script="Thai" typeface="DilleniaUPC"/>
-        <a:font script="Ethi" typeface="Nyala"/>
-        <a:font script="Beng" typeface="Vrinda"/>
-        <a:font script="Gujr" typeface="Shruti"/>
-        <a:font script="Khmr" typeface="DaunPenh"/>
-        <a:font script="Knda" typeface="Tunga"/>
-        <a:font script="Guru" typeface="Raavi"/>
-        <a:font script="Cans" typeface="Euphemia"/>
-        <a:font script="Cher" typeface="Plantagenet Cherokee"/>
-        <a:font script="Yiii" typeface="Microsoft Yi Baiti"/>
-        <a:font script="Tibt" typeface="Microsoft Himalaya"/>
-        <a:font script="Thaa" typeface="MV Boli"/>
-        <a:font script="Deva" typeface="Mangal"/>
-        <a:font script="Telu" typeface="Gautami"/>
-        <a:font script="Taml" typeface="Latha"/>
-        <a:font script="Syrc" typeface="Estrangelo Edessa"/>
-        <a:font script="Orya" typeface="Kalinga"/>
-        <a:font script="Mlym" typeface="Kartika"/>
-        <a:font script="Laoo" typeface="DokChampa"/>
-        <a:font script="Sinh" typeface="Iskoola Pota"/>
-        <a:font script="Mong" typeface="Mongolian Baiti"/>
-        <a:font script="Viet" typeface="Tahoma"/>
-        <a:font script="Uigh" typeface="Microsoft Uighur"/>
-        <a:font script="Geor" typeface="Sylfaen"/>
+        <a:latin typeface="Corbel"/>
+        <a:ea typeface="Arial"/>
+        <a:cs typeface="Arial"/>
       </a:majorFont>
       <a:minorFont>
-        <a:latin typeface="Corbel" panose="020B0503020204020204"/>
-        <a:ea typeface=""/>
-        <a:cs typeface=""/>
-        <a:font script="Jpan" typeface="ＭＳ ゴシック"/>
-        <a:font script="Hang" typeface="HY중고딕"/>
-        <a:font script="Hans" typeface="幼圆"/>
-        <a:font script="Hant" typeface="微軟正黑體"/>
-        <a:font script="Arab" typeface="Tahoma"/>
-        <a:font script="Hebr" typeface="Gisha"/>
-        <a:font script="Thai" typeface="DilleniaUPC"/>
-        <a:font script="Ethi" typeface="Nyala"/>
-        <a:font script="Beng" typeface="Vrinda"/>
-        <a:font script="Gujr" typeface="Shruti"/>
-        <a:font script="Khmr" typeface="DaunPenh"/>
-        <a:font script="Knda" typeface="Tunga"/>
-        <a:font script="Guru" typeface="Raavi"/>
-        <a:font script="Cans" typeface="Euphemia"/>
-        <a:font script="Cher" typeface="Plantagenet Cherokee"/>
-        <a:font script="Yiii" typeface="Microsoft Yi Baiti"/>
-        <a:font script="Tibt" typeface="Microsoft Himalaya"/>
-        <a:font script="Thaa" typeface="MV Boli"/>
-        <a:font script="Deva" typeface="Mangal"/>
-        <a:font script="Telu" typeface="Gautami"/>
-        <a:font script="Taml" typeface="Latha"/>
-        <a:font script="Syrc" typeface="Estrangelo Edessa"/>
-        <a:font script="Orya" typeface="Kalinga"/>
-        <a:font script="Mlym" typeface="Kartika"/>
-        <a:font script="Laoo" typeface="DokChampa"/>
-        <a:font script="Sinh" typeface="Iskoola Pota"/>
-        <a:font script="Mong" typeface="Mongolian Baiti"/>
-        <a:font script="Viet" typeface="Verdana"/>
-        <a:font script="Uigh" typeface="Microsoft Uighur"/>
-        <a:font script="Geor" typeface="Sylfaen"/>
+        <a:latin typeface="Corbel"/>
+        <a:ea typeface="Arial"/>
+        <a:cs typeface="Arial"/>
       </a:minorFont>
     </a:fontScheme>
     <a:fmtScheme name="Frame">
@@ -6763,8 +8513,8 @@
           <a:solidFill>
             <a:schemeClr val="phClr">
               <a:shade val="95000"/>
+              <a:satMod val="150000"/>
               <a:alpha val="50000"/>
-              <a:satMod val="150000"/>
             </a:schemeClr>
           </a:solidFill>
           <a:prstDash val="solid"/>
@@ -6772,28 +8522,31 @@
       </a:lnStyleLst>
       <a:effectStyleLst>
         <a:effectStyle>
-          <a:effectLst/>
-        </a:effectStyle>
-        <a:effectStyle>
-          <a:effectLst/>
+          <a:effectLst>
+            <a:outerShdw blurRad="40000" dist="20000" dir="5400000" rotWithShape="0">
+              <a:srgbClr val="000000">
+                <a:alpha val="38000"/>
+              </a:srgbClr>
+            </a:outerShdw>
+          </a:effectLst>
         </a:effectStyle>
         <a:effectStyle>
           <a:effectLst>
-            <a:outerShdw blurRad="44450" dist="13970" dir="5400000" algn="ctr" rotWithShape="0">
+            <a:outerShdw blurRad="40000" dist="23000" dir="5400000" rotWithShape="0">
               <a:srgbClr val="000000">
-                <a:alpha val="45000"/>
+                <a:alpha val="35000"/>
               </a:srgbClr>
             </a:outerShdw>
           </a:effectLst>
-          <a:scene3d>
-            <a:camera prst="orthographicFront">
-              <a:rot lat="0" lon="0" rev="0"/>
-            </a:camera>
-            <a:lightRig rig="twoPt" dir="tl"/>
-          </a:scene3d>
-          <a:sp3d prstMaterial="flat">
-            <a:bevelT w="12700" h="25400" prst="coolSlant"/>
-          </a:sp3d>
+        </a:effectStyle>
+        <a:effectStyle>
+          <a:effectLst>
+            <a:outerShdw blurRad="40000" dist="23000" dir="5400000" rotWithShape="0">
+              <a:srgbClr val="000000">
+                <a:alpha val="35000"/>
+              </a:srgbClr>
+            </a:outerShdw>
+          </a:effectLst>
         </a:effectStyle>
       </a:effectStyleLst>
       <a:bgFillStyleLst>
@@ -6806,7 +8559,7 @@
             <a:satMod val="170000"/>
           </a:schemeClr>
         </a:solidFill>
-        <a:gradFill rotWithShape="1">
+        <a:gradFill>
           <a:gsLst>
             <a:gs pos="0">
               <a:schemeClr val="phClr">
@@ -6838,11 +8591,288 @@
     </a:fmtScheme>
   </a:themeElements>
   <a:objectDefaults/>
+</a:theme>
+</file>
+
+<file path=ppt/theme/theme2.xml><?xml version="1.0" encoding="utf-8"?>
+<a:theme xmlns:a="http://schemas.openxmlformats.org/drawingml/2006/main" name="Office Theme">
+  <a:themeElements>
+    <a:clrScheme name="">
+      <a:dk1>
+        <a:srgbClr val="000000"/>
+      </a:dk1>
+      <a:lt1>
+        <a:srgbClr val="FFFFFF"/>
+      </a:lt1>
+      <a:dk2>
+        <a:srgbClr val="000000"/>
+      </a:dk2>
+      <a:lt2>
+        <a:srgbClr val="808080"/>
+      </a:lt2>
+      <a:accent1>
+        <a:srgbClr val="BBE0E3"/>
+      </a:accent1>
+      <a:accent2>
+        <a:srgbClr val="333399"/>
+      </a:accent2>
+      <a:accent3>
+        <a:srgbClr val="FFFFFF"/>
+      </a:accent3>
+      <a:accent4>
+        <a:srgbClr val="000000"/>
+      </a:accent4>
+      <a:accent5>
+        <a:srgbClr val="DAEDEF"/>
+      </a:accent5>
+      <a:accent6>
+        <a:srgbClr val="2D2D8A"/>
+      </a:accent6>
+      <a:hlink>
+        <a:srgbClr val="009999"/>
+      </a:hlink>
+      <a:folHlink>
+        <a:srgbClr val="99CC00"/>
+      </a:folHlink>
+    </a:clrScheme>
+    <a:fontScheme name="Office">
+      <a:majorFont>
+        <a:latin typeface="Calibri"/>
+        <a:ea typeface=""/>
+        <a:cs typeface=""/>
+        <a:font script="Jpan" typeface="ＭＳ Ｐゴシック"/>
+        <a:font script="Hang" typeface="맑은 고딕"/>
+        <a:font script="Hans" typeface="宋体"/>
+        <a:font script="Hant" typeface="新細明體"/>
+        <a:font script="Arab" typeface="Times New Roman"/>
+        <a:font script="Hebr" typeface="Times New Roman"/>
+        <a:font script="Thai" typeface="Angsana New"/>
+        <a:font script="Ethi" typeface="Nyala"/>
+        <a:font script="Beng" typeface="Vrinda"/>
+        <a:font script="Gujr" typeface="Shruti"/>
+        <a:font script="Khmr" typeface="MoolBoran"/>
+        <a:font script="Knda" typeface="Tunga"/>
+        <a:font script="Guru" typeface="Raavi"/>
+        <a:font script="Cans" typeface="Euphemia"/>
+        <a:font script="Cher" typeface="Plantagenet Cherokee"/>
+        <a:font script="Yiii" typeface="Microsoft Yi Baiti"/>
+        <a:font script="Tibt" typeface="Microsoft Himalaya"/>
+        <a:font script="Thaa" typeface="MV Boli"/>
+        <a:font script="Deva" typeface="Mangal"/>
+        <a:font script="Telu" typeface="Gautami"/>
+        <a:font script="Taml" typeface="Latha"/>
+        <a:font script="Syrc" typeface="Estrangelo Edessa"/>
+        <a:font script="Orya" typeface="Kalinga"/>
+        <a:font script="Mlym" typeface="Kartika"/>
+        <a:font script="Laoo" typeface="DokChampa"/>
+        <a:font script="Sinh" typeface="Iskoola Pota"/>
+        <a:font script="Mong" typeface="Mongolian Baiti"/>
+        <a:font script="Viet" typeface="Times New Roman"/>
+        <a:font script="Uigh" typeface="Microsoft Uighur"/>
+      </a:majorFont>
+      <a:minorFont>
+        <a:latin typeface="Calibri"/>
+        <a:ea typeface=""/>
+        <a:cs typeface=""/>
+        <a:font script="Jpan" typeface="ＭＳ Ｐゴシック"/>
+        <a:font script="Hang" typeface="맑은 고딕"/>
+        <a:font script="Hans" typeface="宋体"/>
+        <a:font script="Hant" typeface="新細明體"/>
+        <a:font script="Arab" typeface="Arial"/>
+        <a:font script="Hebr" typeface="Arial"/>
+        <a:font script="Thai" typeface="Cordia New"/>
+        <a:font script="Ethi" typeface="Nyala"/>
+        <a:font script="Beng" typeface="Vrinda"/>
+        <a:font script="Gujr" typeface="Shruti"/>
+        <a:font script="Khmr" typeface="DaunPenh"/>
+        <a:font script="Knda" typeface="Tunga"/>
+        <a:font script="Guru" typeface="Raavi"/>
+        <a:font script="Cans" typeface="Euphemia"/>
+        <a:font script="Cher" typeface="Plantagenet Cherokee"/>
+        <a:font script="Yiii" typeface="Microsoft Yi Baiti"/>
+        <a:font script="Tibt" typeface="Microsoft Himalaya"/>
+        <a:font script="Thaa" typeface="MV Boli"/>
+        <a:font script="Deva" typeface="Mangal"/>
+        <a:font script="Telu" typeface="Gautami"/>
+        <a:font script="Taml" typeface="Latha"/>
+        <a:font script="Syrc" typeface="Estrangelo Edessa"/>
+        <a:font script="Orya" typeface="Kalinga"/>
+        <a:font script="Mlym" typeface="Kartika"/>
+        <a:font script="Laoo" typeface="DokChampa"/>
+        <a:font script="Sinh" typeface="Iskoola Pota"/>
+        <a:font script="Mong" typeface="Mongolian Baiti"/>
+        <a:font script="Viet" typeface="Arial"/>
+        <a:font script="Uigh" typeface="Microsoft Uighur"/>
+      </a:minorFont>
+    </a:fontScheme>
+    <a:fmtScheme name="Office">
+      <a:fillStyleLst>
+        <a:solidFill>
+          <a:schemeClr val="phClr"/>
+        </a:solidFill>
+        <a:gradFill rotWithShape="1">
+          <a:gsLst>
+            <a:gs pos="0">
+              <a:schemeClr val="phClr">
+                <a:tint val="50000"/>
+                <a:satMod val="300000"/>
+              </a:schemeClr>
+            </a:gs>
+            <a:gs pos="35000">
+              <a:schemeClr val="phClr">
+                <a:tint val="37000"/>
+                <a:satMod val="300000"/>
+              </a:schemeClr>
+            </a:gs>
+            <a:gs pos="100000">
+              <a:schemeClr val="phClr">
+                <a:tint val="15000"/>
+                <a:satMod val="350000"/>
+              </a:schemeClr>
+            </a:gs>
+          </a:gsLst>
+          <a:lin ang="16200000" scaled="1"/>
+        </a:gradFill>
+        <a:gradFill rotWithShape="1">
+          <a:gsLst>
+            <a:gs pos="0">
+              <a:schemeClr val="phClr">
+                <a:shade val="51000"/>
+                <a:satMod val="130000"/>
+              </a:schemeClr>
+            </a:gs>
+            <a:gs pos="80000">
+              <a:schemeClr val="phClr">
+                <a:shade val="93000"/>
+                <a:satMod val="130000"/>
+              </a:schemeClr>
+            </a:gs>
+            <a:gs pos="100000">
+              <a:schemeClr val="phClr">
+                <a:shade val="94000"/>
+                <a:satMod val="135000"/>
+              </a:schemeClr>
+            </a:gs>
+          </a:gsLst>
+          <a:lin ang="16200000" scaled="0"/>
+        </a:gradFill>
+      </a:fillStyleLst>
+      <a:lnStyleLst>
+        <a:ln w="9525" cap="flat" cmpd="sng" algn="ctr">
+          <a:solidFill>
+            <a:schemeClr val="phClr">
+              <a:shade val="95000"/>
+              <a:satMod val="105000"/>
+            </a:schemeClr>
+          </a:solidFill>
+          <a:prstDash val="solid"/>
+        </a:ln>
+        <a:ln w="25400" cap="flat" cmpd="sng" algn="ctr">
+          <a:solidFill>
+            <a:schemeClr val="phClr"/>
+          </a:solidFill>
+          <a:prstDash val="solid"/>
+        </a:ln>
+        <a:ln w="38100" cap="flat" cmpd="sng" algn="ctr">
+          <a:solidFill>
+            <a:schemeClr val="phClr"/>
+          </a:solidFill>
+          <a:prstDash val="solid"/>
+        </a:ln>
+      </a:lnStyleLst>
+      <a:effectStyleLst>
+        <a:effectStyle>
+          <a:effectLst>
+            <a:outerShdw blurRad="40000" dist="20000" dir="5400000" rotWithShape="0">
+              <a:srgbClr val="000000">
+                <a:alpha val="38000"/>
+              </a:srgbClr>
+            </a:outerShdw>
+          </a:effectLst>
+        </a:effectStyle>
+        <a:effectStyle>
+          <a:effectLst>
+            <a:outerShdw blurRad="40000" dist="23000" dir="5400000" rotWithShape="0">
+              <a:srgbClr val="000000">
+                <a:alpha val="35000"/>
+              </a:srgbClr>
+            </a:outerShdw>
+          </a:effectLst>
+        </a:effectStyle>
+        <a:effectStyle>
+          <a:effectLst>
+            <a:outerShdw blurRad="40000" dist="23000" dir="5400000" rotWithShape="0">
+              <a:srgbClr val="000000">
+                <a:alpha val="35000"/>
+              </a:srgbClr>
+            </a:outerShdw>
+          </a:effectLst>
+          <a:scene3d>
+            <a:camera prst="orthographicFront">
+              <a:rot lat="0" lon="0" rev="0"/>
+            </a:camera>
+            <a:lightRig rig="threePt" dir="t">
+              <a:rot lat="0" lon="0" rev="1200000"/>
+            </a:lightRig>
+          </a:scene3d>
+          <a:sp3d>
+            <a:bevelT w="63500" h="25400"/>
+          </a:sp3d>
+        </a:effectStyle>
+      </a:effectStyleLst>
+      <a:bgFillStyleLst>
+        <a:solidFill>
+          <a:schemeClr val="phClr"/>
+        </a:solidFill>
+        <a:gradFill rotWithShape="1">
+          <a:gsLst>
+            <a:gs pos="0">
+              <a:schemeClr val="phClr">
+                <a:tint val="40000"/>
+                <a:satMod val="350000"/>
+              </a:schemeClr>
+            </a:gs>
+            <a:gs pos="40000">
+              <a:schemeClr val="phClr">
+                <a:tint val="45000"/>
+                <a:shade val="99000"/>
+                <a:satMod val="350000"/>
+              </a:schemeClr>
+            </a:gs>
+            <a:gs pos="100000">
+              <a:schemeClr val="phClr">
+                <a:shade val="20000"/>
+                <a:satMod val="255000"/>
+              </a:schemeClr>
+            </a:gs>
+          </a:gsLst>
+          <a:path path="circle">
+            <a:fillToRect l="50000" t="-80000" r="50000" b="180000"/>
+          </a:path>
+        </a:gradFill>
+        <a:gradFill rotWithShape="1">
+          <a:gsLst>
+            <a:gs pos="0">
+              <a:schemeClr val="phClr">
+                <a:tint val="80000"/>
+                <a:satMod val="300000"/>
+              </a:schemeClr>
+            </a:gs>
+            <a:gs pos="100000">
+              <a:schemeClr val="phClr">
+                <a:shade val="30000"/>
+                <a:satMod val="200000"/>
+              </a:schemeClr>
+            </a:gs>
+          </a:gsLst>
+          <a:path path="circle">
+            <a:fillToRect l="50000" t="50000" r="50000" b="50000"/>
+          </a:path>
+        </a:gradFill>
+      </a:bgFillStyleLst>
+    </a:fmtScheme>
+  </a:themeElements>
+  <a:objectDefaults/>
   <a:extraClrSchemeLst/>
-  <a:extLst>
-    <a:ext uri="{05A4C25C-085E-4340-85A3-A5531E510DB2}">
-      <thm15:themeFamily xmlns:thm15="http://schemas.microsoft.com/office/thememl/2012/main" name="Frame" id="{F226E7A2-7162-461C-9490-D27D9DC04E43}" vid="{629A0216-3BBD-45C0-B63F-2683BEA18F60}"/>
-    </a:ext>
-  </a:extLst>
 </a:theme>
 </file>